--- a/RadixSort.pptx
+++ b/RadixSort.pptx
@@ -6,7 +6,7 @@
     <p:sldMasterId id="2147483852" r:id="rId2"/>
   </p:sldMasterIdLst>
   <p:notesMasterIdLst>
-    <p:notesMasterId r:id="rId10"/>
+    <p:notesMasterId r:id="rId13"/>
   </p:notesMasterIdLst>
   <p:sldIdLst>
     <p:sldId id="256" r:id="rId3"/>
@@ -16,6 +16,9 @@
     <p:sldId id="258" r:id="rId7"/>
     <p:sldId id="260" r:id="rId8"/>
     <p:sldId id="271" r:id="rId9"/>
+    <p:sldId id="275" r:id="rId10"/>
+    <p:sldId id="273" r:id="rId11"/>
+    <p:sldId id="274" r:id="rId12"/>
   </p:sldIdLst>
   <p:sldSz cx="12192000" cy="6858000"/>
   <p:notesSz cx="6858000" cy="9144000"/>
@@ -204,7 +207,7 @@
           <a:p>
             <a:fld id="{E3102468-19B6-40A7-816E-A58C9291E90D}" type="datetimeFigureOut">
               <a:rPr lang="de-DE" smtClean="0"/>
-              <a:t>14.01.2021</a:t>
+              <a:t>15.01.2021</a:t>
             </a:fld>
             <a:endParaRPr lang="de-DE"/>
           </a:p>
@@ -980,30 +983,6 @@
           <a:bodyPr/>
           <a:lstStyle/>
           <a:p>
-            <a:r>
-              <a:rPr lang="en-US" dirty="0" err="1"/>
-              <a:t>Vermutlich</a:t>
-            </a:r>
-            <a:r>
-              <a:rPr lang="en-US" dirty="0"/>
-              <a:t> </a:t>
-            </a:r>
-            <a:r>
-              <a:rPr lang="en-US" dirty="0" err="1"/>
-              <a:t>schon</a:t>
-            </a:r>
-            <a:r>
-              <a:rPr lang="en-US" dirty="0"/>
-              <a:t> </a:t>
-            </a:r>
-            <a:r>
-              <a:rPr lang="en-US" dirty="0" err="1"/>
-              <a:t>benutzt</a:t>
-            </a:r>
-            <a:r>
-              <a:rPr lang="en-US" dirty="0"/>
-              <a:t> </a:t>
-            </a:r>
             <a:endParaRPr lang="de-DE" dirty="0"/>
           </a:p>
         </p:txBody>
@@ -1035,6 +1014,90 @@
     <p:extLst>
       <p:ext uri="{BB962C8B-B14F-4D97-AF65-F5344CB8AC3E}">
         <p14:creationId xmlns:p14="http://schemas.microsoft.com/office/powerpoint/2010/main" val="1025419930"/>
+      </p:ext>
+    </p:extLst>
+  </p:cSld>
+  <p:clrMapOvr>
+    <a:masterClrMapping/>
+  </p:clrMapOvr>
+</p:notes>
+</file>
+
+<file path=ppt/notesSlides/notesSlide4.xml><?xml version="1.0" encoding="utf-8"?>
+<p:notes xmlns:a="http://schemas.openxmlformats.org/drawingml/2006/main" xmlns:r="http://schemas.openxmlformats.org/officeDocument/2006/relationships" xmlns:p="http://schemas.openxmlformats.org/presentationml/2006/main">
+  <p:cSld>
+    <p:spTree>
+      <p:nvGrpSpPr>
+        <p:cNvPr id="1" name=""/>
+        <p:cNvGrpSpPr/>
+        <p:nvPr/>
+      </p:nvGrpSpPr>
+      <p:grpSpPr>
+        <a:xfrm>
+          <a:off x="0" y="0"/>
+          <a:ext cx="0" cy="0"/>
+          <a:chOff x="0" y="0"/>
+          <a:chExt cx="0" cy="0"/>
+        </a:xfrm>
+      </p:grpSpPr>
+      <p:sp>
+        <p:nvSpPr>
+          <p:cNvPr id="2" name="Slide Image Placeholder 1"/>
+          <p:cNvSpPr>
+            <a:spLocks noGrp="1" noRot="1" noChangeAspect="1"/>
+          </p:cNvSpPr>
+          <p:nvPr>
+            <p:ph type="sldImg"/>
+          </p:nvPr>
+        </p:nvSpPr>
+        <p:spPr/>
+      </p:sp>
+      <p:sp>
+        <p:nvSpPr>
+          <p:cNvPr id="3" name="Notes Placeholder 2"/>
+          <p:cNvSpPr>
+            <a:spLocks noGrp="1"/>
+          </p:cNvSpPr>
+          <p:nvPr>
+            <p:ph type="body" idx="1"/>
+          </p:nvPr>
+        </p:nvSpPr>
+        <p:spPr/>
+        <p:txBody>
+          <a:bodyPr/>
+          <a:lstStyle/>
+          <a:p>
+            <a:endParaRPr lang="de-DE" dirty="0"/>
+          </a:p>
+        </p:txBody>
+      </p:sp>
+      <p:sp>
+        <p:nvSpPr>
+          <p:cNvPr id="4" name="Slide Number Placeholder 3"/>
+          <p:cNvSpPr>
+            <a:spLocks noGrp="1"/>
+          </p:cNvSpPr>
+          <p:nvPr>
+            <p:ph type="sldNum" sz="quarter" idx="5"/>
+          </p:nvPr>
+        </p:nvSpPr>
+        <p:spPr/>
+        <p:txBody>
+          <a:bodyPr/>
+          <a:lstStyle/>
+          <a:p>
+            <a:fld id="{AB5F16BA-8335-40B2-A857-C1C311A1ED9F}" type="slidenum">
+              <a:rPr lang="de-DE" smtClean="0"/>
+              <a:t>8</a:t>
+            </a:fld>
+            <a:endParaRPr lang="de-DE"/>
+          </a:p>
+        </p:txBody>
+      </p:sp>
+    </p:spTree>
+    <p:extLst>
+      <p:ext uri="{BB962C8B-B14F-4D97-AF65-F5344CB8AC3E}">
+        <p14:creationId xmlns:p14="http://schemas.microsoft.com/office/powerpoint/2010/main" val="1074601818"/>
       </p:ext>
     </p:extLst>
   </p:cSld>
@@ -1272,7 +1335,7 @@
           <a:p>
             <a:fld id="{A2B887A0-F52D-46CA-8D81-D9F15D418151}" type="datetimeFigureOut">
               <a:rPr lang="LID4096" smtClean="0"/>
-              <a:t>01/14/2021</a:t>
+              <a:t>01/15/2021</a:t>
             </a:fld>
             <a:endParaRPr lang="LID4096"/>
           </a:p>
@@ -1480,7 +1543,7 @@
           <a:p>
             <a:fld id="{A2B887A0-F52D-46CA-8D81-D9F15D418151}" type="datetimeFigureOut">
               <a:rPr lang="LID4096" smtClean="0"/>
-              <a:t>01/14/2021</a:t>
+              <a:t>01/15/2021</a:t>
             </a:fld>
             <a:endParaRPr lang="LID4096"/>
           </a:p>
@@ -1738,7 +1801,7 @@
           <a:p>
             <a:fld id="{A2B887A0-F52D-46CA-8D81-D9F15D418151}" type="datetimeFigureOut">
               <a:rPr lang="LID4096" smtClean="0"/>
-              <a:t>01/14/2021</a:t>
+              <a:t>01/15/2021</a:t>
             </a:fld>
             <a:endParaRPr lang="LID4096"/>
           </a:p>
@@ -2027,7 +2090,7 @@
           <a:p>
             <a:fld id="{4F7776EC-D22A-4955-A078-2C6FF6781A0C}" type="datetimeFigureOut">
               <a:rPr lang="LID4096" smtClean="0"/>
-              <a:t>01/14/2021</a:t>
+              <a:t>01/15/2021</a:t>
             </a:fld>
             <a:endParaRPr lang="LID4096"/>
           </a:p>
@@ -2235,7 +2298,7 @@
           <a:p>
             <a:fld id="{4F7776EC-D22A-4955-A078-2C6FF6781A0C}" type="datetimeFigureOut">
               <a:rPr lang="LID4096" smtClean="0"/>
-              <a:t>01/14/2021</a:t>
+              <a:t>01/15/2021</a:t>
             </a:fld>
             <a:endParaRPr lang="LID4096"/>
           </a:p>
@@ -2572,7 +2635,7 @@
           <a:p>
             <a:fld id="{4F7776EC-D22A-4955-A078-2C6FF6781A0C}" type="datetimeFigureOut">
               <a:rPr lang="LID4096" smtClean="0"/>
-              <a:t>01/14/2021</a:t>
+              <a:t>01/15/2021</a:t>
             </a:fld>
             <a:endParaRPr lang="LID4096"/>
           </a:p>
@@ -2847,7 +2910,7 @@
           <a:p>
             <a:fld id="{4F7776EC-D22A-4955-A078-2C6FF6781A0C}" type="datetimeFigureOut">
               <a:rPr lang="LID4096" smtClean="0"/>
-              <a:t>01/14/2021</a:t>
+              <a:t>01/15/2021</a:t>
             </a:fld>
             <a:endParaRPr lang="LID4096"/>
           </a:p>
@@ -3230,7 +3293,7 @@
           <a:p>
             <a:fld id="{4F7776EC-D22A-4955-A078-2C6FF6781A0C}" type="datetimeFigureOut">
               <a:rPr lang="LID4096" smtClean="0"/>
-              <a:t>01/14/2021</a:t>
+              <a:t>01/15/2021</a:t>
             </a:fld>
             <a:endParaRPr lang="LID4096"/>
           </a:p>
@@ -3348,7 +3411,7 @@
           <a:p>
             <a:fld id="{4F7776EC-D22A-4955-A078-2C6FF6781A0C}" type="datetimeFigureOut">
               <a:rPr lang="LID4096" smtClean="0"/>
-              <a:t>01/14/2021</a:t>
+              <a:t>01/15/2021</a:t>
             </a:fld>
             <a:endParaRPr lang="LID4096"/>
           </a:p>
@@ -3521,7 +3584,7 @@
           <a:p>
             <a:fld id="{4F7776EC-D22A-4955-A078-2C6FF6781A0C}" type="datetimeFigureOut">
               <a:rPr lang="LID4096" smtClean="0"/>
-              <a:t>01/14/2021</a:t>
+              <a:t>01/15/2021</a:t>
             </a:fld>
             <a:endParaRPr lang="LID4096"/>
           </a:p>
@@ -3877,7 +3940,7 @@
           <a:p>
             <a:fld id="{4F7776EC-D22A-4955-A078-2C6FF6781A0C}" type="datetimeFigureOut">
               <a:rPr lang="LID4096" smtClean="0"/>
-              <a:t>01/14/2021</a:t>
+              <a:t>01/15/2021</a:t>
             </a:fld>
             <a:endParaRPr lang="LID4096"/>
           </a:p>
@@ -4068,7 +4131,7 @@
           <a:p>
             <a:fld id="{A2B887A0-F52D-46CA-8D81-D9F15D418151}" type="datetimeFigureOut">
               <a:rPr lang="LID4096" smtClean="0"/>
-              <a:t>01/14/2021</a:t>
+              <a:t>01/15/2021</a:t>
             </a:fld>
             <a:endParaRPr lang="LID4096"/>
           </a:p>
@@ -4395,7 +4458,7 @@
           <a:p>
             <a:fld id="{4F7776EC-D22A-4955-A078-2C6FF6781A0C}" type="datetimeFigureOut">
               <a:rPr lang="LID4096" smtClean="0"/>
-              <a:t>01/14/2021</a:t>
+              <a:t>01/15/2021</a:t>
             </a:fld>
             <a:endParaRPr lang="LID4096"/>
           </a:p>
@@ -4581,7 +4644,7 @@
           <a:p>
             <a:fld id="{4F7776EC-D22A-4955-A078-2C6FF6781A0C}" type="datetimeFigureOut">
               <a:rPr lang="LID4096" smtClean="0"/>
-              <a:t>01/14/2021</a:t>
+              <a:t>01/15/2021</a:t>
             </a:fld>
             <a:endParaRPr lang="LID4096"/>
           </a:p>
@@ -4839,7 +4902,7 @@
           <a:p>
             <a:fld id="{4F7776EC-D22A-4955-A078-2C6FF6781A0C}" type="datetimeFigureOut">
               <a:rPr lang="LID4096" smtClean="0"/>
-              <a:t>01/14/2021</a:t>
+              <a:t>01/15/2021</a:t>
             </a:fld>
             <a:endParaRPr lang="LID4096"/>
           </a:p>
@@ -5176,7 +5239,7 @@
           <a:p>
             <a:fld id="{A2B887A0-F52D-46CA-8D81-D9F15D418151}" type="datetimeFigureOut">
               <a:rPr lang="LID4096" smtClean="0"/>
-              <a:t>01/14/2021</a:t>
+              <a:t>01/15/2021</a:t>
             </a:fld>
             <a:endParaRPr lang="LID4096"/>
           </a:p>
@@ -5451,7 +5514,7 @@
           <a:p>
             <a:fld id="{A2B887A0-F52D-46CA-8D81-D9F15D418151}" type="datetimeFigureOut">
               <a:rPr lang="LID4096" smtClean="0"/>
-              <a:t>01/14/2021</a:t>
+              <a:t>01/15/2021</a:t>
             </a:fld>
             <a:endParaRPr lang="LID4096"/>
           </a:p>
@@ -5834,7 +5897,7 @@
           <a:p>
             <a:fld id="{A2B887A0-F52D-46CA-8D81-D9F15D418151}" type="datetimeFigureOut">
               <a:rPr lang="LID4096" smtClean="0"/>
-              <a:t>01/14/2021</a:t>
+              <a:t>01/15/2021</a:t>
             </a:fld>
             <a:endParaRPr lang="LID4096"/>
           </a:p>
@@ -5952,7 +6015,7 @@
           <a:p>
             <a:fld id="{A2B887A0-F52D-46CA-8D81-D9F15D418151}" type="datetimeFigureOut">
               <a:rPr lang="LID4096" smtClean="0"/>
-              <a:t>01/14/2021</a:t>
+              <a:t>01/15/2021</a:t>
             </a:fld>
             <a:endParaRPr lang="LID4096"/>
           </a:p>
@@ -6125,7 +6188,7 @@
           <a:p>
             <a:fld id="{A2B887A0-F52D-46CA-8D81-D9F15D418151}" type="datetimeFigureOut">
               <a:rPr lang="LID4096" smtClean="0"/>
-              <a:t>01/14/2021</a:t>
+              <a:t>01/15/2021</a:t>
             </a:fld>
             <a:endParaRPr lang="LID4096"/>
           </a:p>
@@ -6481,7 +6544,7 @@
           <a:p>
             <a:fld id="{A2B887A0-F52D-46CA-8D81-D9F15D418151}" type="datetimeFigureOut">
               <a:rPr lang="LID4096" smtClean="0"/>
-              <a:t>01/14/2021</a:t>
+              <a:t>01/15/2021</a:t>
             </a:fld>
             <a:endParaRPr lang="LID4096"/>
           </a:p>
@@ -6829,7 +6892,7 @@
           <a:p>
             <a:fld id="{A2B887A0-F52D-46CA-8D81-D9F15D418151}" type="datetimeFigureOut">
               <a:rPr lang="LID4096" smtClean="0"/>
-              <a:t>01/14/2021</a:t>
+              <a:t>01/15/2021</a:t>
             </a:fld>
             <a:endParaRPr lang="LID4096"/>
           </a:p>
@@ -7140,7 +7203,7 @@
           <a:p>
             <a:fld id="{A2B887A0-F52D-46CA-8D81-D9F15D418151}" type="datetimeFigureOut">
               <a:rPr lang="LID4096" smtClean="0"/>
-              <a:t>01/14/2021</a:t>
+              <a:t>01/15/2021</a:t>
             </a:fld>
             <a:endParaRPr lang="LID4096"/>
           </a:p>
@@ -7881,7 +7944,7 @@
           <a:p>
             <a:fld id="{4F7776EC-D22A-4955-A078-2C6FF6781A0C}" type="datetimeFigureOut">
               <a:rPr lang="LID4096" smtClean="0"/>
-              <a:t>01/14/2021</a:t>
+              <a:t>01/15/2021</a:t>
             </a:fld>
             <a:endParaRPr lang="LID4096"/>
           </a:p>
@@ -8493,6 +8556,498 @@
     <p:extLst>
       <p:ext uri="{BB962C8B-B14F-4D97-AF65-F5344CB8AC3E}">
         <p14:creationId xmlns:p14="http://schemas.microsoft.com/office/powerpoint/2010/main" val="4068839775"/>
+      </p:ext>
+    </p:extLst>
+  </p:cSld>
+  <p:clrMapOvr>
+    <a:masterClrMapping/>
+  </p:clrMapOvr>
+</p:sld>
+</file>
+
+<file path=ppt/slides/slide10.xml><?xml version="1.0" encoding="utf-8"?>
+<p:sld xmlns:a="http://schemas.openxmlformats.org/drawingml/2006/main" xmlns:r="http://schemas.openxmlformats.org/officeDocument/2006/relationships" xmlns:p="http://schemas.openxmlformats.org/presentationml/2006/main">
+  <p:cSld>
+    <p:bg>
+      <p:bgPr>
+        <a:gradFill rotWithShape="1">
+          <a:gsLst>
+            <a:gs pos="0">
+              <a:schemeClr val="bg1">
+                <a:tint val="96000"/>
+                <a:shade val="99000"/>
+                <a:satMod val="140000"/>
+              </a:schemeClr>
+            </a:gs>
+            <a:gs pos="65000">
+              <a:schemeClr val="bg1">
+                <a:tint val="100000"/>
+                <a:shade val="80000"/>
+                <a:satMod val="130000"/>
+              </a:schemeClr>
+            </a:gs>
+            <a:gs pos="100000">
+              <a:schemeClr val="bg1">
+                <a:tint val="100000"/>
+                <a:shade val="48000"/>
+                <a:satMod val="120000"/>
+              </a:schemeClr>
+            </a:gs>
+          </a:gsLst>
+          <a:lin ang="16200000" scaled="0"/>
+        </a:gradFill>
+        <a:effectLst/>
+      </p:bgPr>
+    </p:bg>
+    <p:spTree>
+      <p:nvGrpSpPr>
+        <p:cNvPr id="1" name=""/>
+        <p:cNvGrpSpPr/>
+        <p:nvPr/>
+      </p:nvGrpSpPr>
+      <p:grpSpPr>
+        <a:xfrm>
+          <a:off x="0" y="0"/>
+          <a:ext cx="0" cy="0"/>
+          <a:chOff x="0" y="0"/>
+          <a:chExt cx="0" cy="0"/>
+        </a:xfrm>
+      </p:grpSpPr>
+      <p:sp>
+        <p:nvSpPr>
+          <p:cNvPr id="30" name="Rectangle 29">
+            <a:extLst>
+              <a:ext uri="{FF2B5EF4-FFF2-40B4-BE49-F238E27FC236}">
+                <a16:creationId xmlns:a16="http://schemas.microsoft.com/office/drawing/2014/main" id="{36E6FEC8-170C-492C-84E0-54394629D120}"/>
+              </a:ext>
+              <a:ext uri="{C183D7F6-B498-43B3-948B-1728B52AA6E4}">
+                <adec:decorative xmlns:adec="http://schemas.microsoft.com/office/drawing/2017/decorative" val="1"/>
+              </a:ext>
+            </a:extLst>
+          </p:cNvPr>
+          <p:cNvSpPr>
+            <a:spLocks noGrp="1" noRot="1" noChangeAspect="1" noMove="1" noResize="1" noEditPoints="1" noAdjustHandles="1" noChangeArrowheads="1" noChangeShapeType="1" noTextEdit="1"/>
+          </p:cNvSpPr>
+          <p:nvPr>
+            <p:extLst>
+              <p:ext uri="{386F3935-93C4-4BCD-93E2-E3B085C9AB24}">
+                <p16:designElem xmlns:p16="http://schemas.microsoft.com/office/powerpoint/2015/main" val="1"/>
+              </p:ext>
+            </p:extLst>
+          </p:nvPr>
+        </p:nvSpPr>
+        <p:spPr>
+          <a:xfrm>
+            <a:off x="3175" y="6400800"/>
+            <a:ext cx="12188825" cy="457200"/>
+          </a:xfrm>
+          <a:prstGeom prst="rect">
+            <a:avLst/>
+          </a:prstGeom>
+          <a:solidFill>
+            <a:schemeClr val="accent1">
+              <a:lumMod val="75000"/>
+            </a:schemeClr>
+          </a:solidFill>
+          <a:ln>
+            <a:noFill/>
+          </a:ln>
+        </p:spPr>
+        <p:style>
+          <a:lnRef idx="2">
+            <a:schemeClr val="accent1">
+              <a:shade val="50000"/>
+            </a:schemeClr>
+          </a:lnRef>
+          <a:fillRef idx="1">
+            <a:schemeClr val="accent1"/>
+          </a:fillRef>
+          <a:effectRef idx="0">
+            <a:schemeClr val="accent1"/>
+          </a:effectRef>
+          <a:fontRef idx="minor">
+            <a:schemeClr val="lt1"/>
+          </a:fontRef>
+        </p:style>
+      </p:sp>
+      <p:sp>
+        <p:nvSpPr>
+          <p:cNvPr id="32" name="Rectangle 31">
+            <a:extLst>
+              <a:ext uri="{FF2B5EF4-FFF2-40B4-BE49-F238E27FC236}">
+                <a16:creationId xmlns:a16="http://schemas.microsoft.com/office/drawing/2014/main" id="{DEE940A1-B9E0-4C5D-A55E-B19742379C83}"/>
+              </a:ext>
+              <a:ext uri="{C183D7F6-B498-43B3-948B-1728B52AA6E4}">
+                <adec:decorative xmlns:adec="http://schemas.microsoft.com/office/drawing/2017/decorative" val="1"/>
+              </a:ext>
+            </a:extLst>
+          </p:cNvPr>
+          <p:cNvSpPr>
+            <a:spLocks noGrp="1" noRot="1" noChangeAspect="1" noMove="1" noResize="1" noEditPoints="1" noAdjustHandles="1" noChangeArrowheads="1" noChangeShapeType="1" noTextEdit="1"/>
+          </p:cNvSpPr>
+          <p:nvPr>
+            <p:extLst>
+              <p:ext uri="{386F3935-93C4-4BCD-93E2-E3B085C9AB24}">
+                <p16:designElem xmlns:p16="http://schemas.microsoft.com/office/powerpoint/2015/main" val="1"/>
+              </p:ext>
+            </p:extLst>
+          </p:nvPr>
+        </p:nvSpPr>
+        <p:spPr>
+          <a:xfrm>
+            <a:off x="15" y="6334316"/>
+            <a:ext cx="12188825" cy="64008"/>
+          </a:xfrm>
+          <a:prstGeom prst="rect">
+            <a:avLst/>
+          </a:prstGeom>
+          <a:solidFill>
+            <a:schemeClr val="accent1"/>
+          </a:solidFill>
+          <a:ln>
+            <a:noFill/>
+          </a:ln>
+        </p:spPr>
+        <p:style>
+          <a:lnRef idx="2">
+            <a:schemeClr val="accent1">
+              <a:shade val="50000"/>
+            </a:schemeClr>
+          </a:lnRef>
+          <a:fillRef idx="1">
+            <a:schemeClr val="accent1"/>
+          </a:fillRef>
+          <a:effectRef idx="0">
+            <a:schemeClr val="accent1"/>
+          </a:effectRef>
+          <a:fontRef idx="minor">
+            <a:schemeClr val="lt1"/>
+          </a:fontRef>
+        </p:style>
+      </p:sp>
+      <p:cxnSp>
+        <p:nvCxnSpPr>
+          <p:cNvPr id="34" name="Straight Connector 33">
+            <a:extLst>
+              <a:ext uri="{FF2B5EF4-FFF2-40B4-BE49-F238E27FC236}">
+                <a16:creationId xmlns:a16="http://schemas.microsoft.com/office/drawing/2014/main" id="{81C8E47B-A563-4B44-A9B0-9316605C2E4E}"/>
+              </a:ext>
+              <a:ext uri="{C183D7F6-B498-43B3-948B-1728B52AA6E4}">
+                <adec:decorative xmlns:adec="http://schemas.microsoft.com/office/drawing/2017/decorative" val="1"/>
+              </a:ext>
+            </a:extLst>
+          </p:cNvPr>
+          <p:cNvCxnSpPr>
+            <a:cxnSpLocks noGrp="1" noRot="1" noChangeAspect="1" noMove="1" noResize="1" noEditPoints="1" noAdjustHandles="1" noChangeArrowheads="1" noChangeShapeType="1"/>
+          </p:cNvCxnSpPr>
+          <p:nvPr>
+            <p:extLst>
+              <p:ext uri="{386F3935-93C4-4BCD-93E2-E3B085C9AB24}">
+                <p16:designElem xmlns:p16="http://schemas.microsoft.com/office/powerpoint/2015/main" val="1"/>
+              </p:ext>
+            </p:extLst>
+          </p:nvPr>
+        </p:nvCxnSpPr>
+        <p:spPr>
+          <a:xfrm>
+            <a:off x="1207658" y="4343400"/>
+            <a:ext cx="9875520" cy="0"/>
+          </a:xfrm>
+          <a:prstGeom prst="line">
+            <a:avLst/>
+          </a:prstGeom>
+          <a:ln w="6350">
+            <a:solidFill>
+              <a:schemeClr val="tx1">
+                <a:lumMod val="50000"/>
+                <a:lumOff val="50000"/>
+              </a:schemeClr>
+            </a:solidFill>
+          </a:ln>
+        </p:spPr>
+        <p:style>
+          <a:lnRef idx="1">
+            <a:schemeClr val="accent1"/>
+          </a:lnRef>
+          <a:fillRef idx="0">
+            <a:schemeClr val="accent1"/>
+          </a:fillRef>
+          <a:effectRef idx="0">
+            <a:schemeClr val="accent1"/>
+          </a:effectRef>
+          <a:fontRef idx="minor">
+            <a:schemeClr val="tx1"/>
+          </a:fontRef>
+        </p:style>
+      </p:cxnSp>
+      <p:pic>
+        <p:nvPicPr>
+          <p:cNvPr id="23" name="Picture 4" descr="A close - up of a plant&#10;&#10;Description automatically generated with low confidence">
+            <a:extLst>
+              <a:ext uri="{FF2B5EF4-FFF2-40B4-BE49-F238E27FC236}">
+                <a16:creationId xmlns:a16="http://schemas.microsoft.com/office/drawing/2014/main" id="{7B683CD9-A946-4643-B54D-00589FEB72CF}"/>
+              </a:ext>
+            </a:extLst>
+          </p:cNvPr>
+          <p:cNvPicPr>
+            <a:picLocks noChangeAspect="1"/>
+          </p:cNvPicPr>
+          <p:nvPr/>
+        </p:nvPicPr>
+        <p:blipFill rotWithShape="1">
+          <a:blip r:embed="rId2">
+            <a:alphaModFix amt="35000"/>
+          </a:blip>
+          <a:srcRect t="7787"/>
+          <a:stretch/>
+        </p:blipFill>
+        <p:spPr>
+          <a:xfrm>
+            <a:off x="20" y="10"/>
+            <a:ext cx="12191980" cy="6857990"/>
+          </a:xfrm>
+          <a:prstGeom prst="rect">
+            <a:avLst/>
+          </a:prstGeom>
+        </p:spPr>
+      </p:pic>
+      <p:sp>
+        <p:nvSpPr>
+          <p:cNvPr id="2" name="Title 1">
+            <a:extLst>
+              <a:ext uri="{FF2B5EF4-FFF2-40B4-BE49-F238E27FC236}">
+                <a16:creationId xmlns:a16="http://schemas.microsoft.com/office/drawing/2014/main" id="{11F177D5-19D7-4A58-8800-4BD97EEAF411}"/>
+              </a:ext>
+            </a:extLst>
+          </p:cNvPr>
+          <p:cNvSpPr>
+            <a:spLocks noGrp="1"/>
+          </p:cNvSpPr>
+          <p:nvPr>
+            <p:ph type="title"/>
+          </p:nvPr>
+        </p:nvSpPr>
+        <p:spPr>
+          <a:xfrm>
+            <a:off x="1097280" y="758952"/>
+            <a:ext cx="10058400" cy="3566160"/>
+          </a:xfrm>
+        </p:spPr>
+        <p:txBody>
+          <a:bodyPr vert="horz" lIns="91440" tIns="45720" rIns="91440" bIns="45720" rtlCol="0" anchor="b">
+            <a:normAutofit/>
+          </a:bodyPr>
+          <a:lstStyle/>
+          <a:p>
+            <a:r>
+              <a:rPr lang="en-US" sz="8000" dirty="0" err="1">
+                <a:solidFill>
+                  <a:srgbClr val="FFFFFF"/>
+                </a:solidFill>
+                <a:latin typeface="Consolas" panose="020B0609020204030204" pitchFamily="49" charset="0"/>
+              </a:rPr>
+              <a:t>Noch</a:t>
+            </a:r>
+            <a:r>
+              <a:rPr lang="en-US" sz="8000" dirty="0">
+                <a:solidFill>
+                  <a:srgbClr val="FFFFFF"/>
+                </a:solidFill>
+                <a:latin typeface="Consolas" panose="020B0609020204030204" pitchFamily="49" charset="0"/>
+              </a:rPr>
+              <a:t> </a:t>
+            </a:r>
+            <a:r>
+              <a:rPr lang="en-US" sz="8000" dirty="0" err="1">
+                <a:solidFill>
+                  <a:srgbClr val="FFFFFF"/>
+                </a:solidFill>
+                <a:latin typeface="Consolas" panose="020B0609020204030204" pitchFamily="49" charset="0"/>
+              </a:rPr>
+              <a:t>Fragen</a:t>
+            </a:r>
+            <a:r>
+              <a:rPr lang="en-US" sz="8000" dirty="0">
+                <a:solidFill>
+                  <a:srgbClr val="FFFFFF"/>
+                </a:solidFill>
+                <a:latin typeface="Consolas" panose="020B0609020204030204" pitchFamily="49" charset="0"/>
+              </a:rPr>
+              <a:t>?</a:t>
+            </a:r>
+          </a:p>
+        </p:txBody>
+      </p:sp>
+      <p:cxnSp>
+        <p:nvCxnSpPr>
+          <p:cNvPr id="36" name="Straight Connector 35">
+            <a:extLst>
+              <a:ext uri="{FF2B5EF4-FFF2-40B4-BE49-F238E27FC236}">
+                <a16:creationId xmlns:a16="http://schemas.microsoft.com/office/drawing/2014/main" id="{DA6F7D32-4B5B-4568-948E-D895DCD55CCF}"/>
+              </a:ext>
+              <a:ext uri="{C183D7F6-B498-43B3-948B-1728B52AA6E4}">
+                <adec:decorative xmlns:adec="http://schemas.microsoft.com/office/drawing/2017/decorative" val="1"/>
+              </a:ext>
+            </a:extLst>
+          </p:cNvPr>
+          <p:cNvCxnSpPr>
+            <a:cxnSpLocks noGrp="1" noRot="1" noChangeAspect="1" noMove="1" noResize="1" noEditPoints="1" noAdjustHandles="1" noChangeArrowheads="1" noChangeShapeType="1"/>
+          </p:cNvCxnSpPr>
+          <p:nvPr>
+            <p:extLst>
+              <p:ext uri="{386F3935-93C4-4BCD-93E2-E3B085C9AB24}">
+                <p16:designElem xmlns:p16="http://schemas.microsoft.com/office/powerpoint/2015/main" val="1"/>
+              </p:ext>
+            </p:extLst>
+          </p:nvPr>
+        </p:nvCxnSpPr>
+        <p:spPr>
+          <a:xfrm>
+            <a:off x="1207658" y="4343400"/>
+            <a:ext cx="9875520" cy="0"/>
+          </a:xfrm>
+          <a:prstGeom prst="line">
+            <a:avLst/>
+          </a:prstGeom>
+          <a:ln w="6350">
+            <a:solidFill>
+              <a:schemeClr val="tx1">
+                <a:alpha val="80000"/>
+              </a:schemeClr>
+            </a:solidFill>
+          </a:ln>
+        </p:spPr>
+        <p:style>
+          <a:lnRef idx="1">
+            <a:schemeClr val="accent1"/>
+          </a:lnRef>
+          <a:fillRef idx="0">
+            <a:schemeClr val="accent1"/>
+          </a:fillRef>
+          <a:effectRef idx="0">
+            <a:schemeClr val="accent1"/>
+          </a:effectRef>
+          <a:fontRef idx="minor">
+            <a:schemeClr val="tx1"/>
+          </a:fontRef>
+        </p:style>
+      </p:cxnSp>
+      <p:sp>
+        <p:nvSpPr>
+          <p:cNvPr id="38" name="Rectangle 37">
+            <a:extLst>
+              <a:ext uri="{FF2B5EF4-FFF2-40B4-BE49-F238E27FC236}">
+                <a16:creationId xmlns:a16="http://schemas.microsoft.com/office/drawing/2014/main" id="{26F036F3-0FAC-4B73-BE94-57ECD9DC49F1}"/>
+              </a:ext>
+              <a:ext uri="{C183D7F6-B498-43B3-948B-1728B52AA6E4}">
+                <adec:decorative xmlns:adec="http://schemas.microsoft.com/office/drawing/2017/decorative" val="1"/>
+              </a:ext>
+            </a:extLst>
+          </p:cNvPr>
+          <p:cNvSpPr>
+            <a:spLocks noGrp="1" noRot="1" noChangeAspect="1" noMove="1" noResize="1" noEditPoints="1" noAdjustHandles="1" noChangeArrowheads="1" noChangeShapeType="1" noTextEdit="1"/>
+          </p:cNvSpPr>
+          <p:nvPr>
+            <p:extLst>
+              <p:ext uri="{386F3935-93C4-4BCD-93E2-E3B085C9AB24}">
+                <p16:designElem xmlns:p16="http://schemas.microsoft.com/office/powerpoint/2015/main" val="1"/>
+              </p:ext>
+            </p:extLst>
+          </p:nvPr>
+        </p:nvSpPr>
+        <p:spPr>
+          <a:xfrm>
+            <a:off x="15" y="6334316"/>
+            <a:ext cx="12191985" cy="66484"/>
+          </a:xfrm>
+          <a:prstGeom prst="rect">
+            <a:avLst/>
+          </a:prstGeom>
+          <a:solidFill>
+            <a:schemeClr val="accent1"/>
+          </a:solidFill>
+          <a:ln>
+            <a:noFill/>
+          </a:ln>
+        </p:spPr>
+        <p:style>
+          <a:lnRef idx="2">
+            <a:schemeClr val="accent1">
+              <a:shade val="50000"/>
+            </a:schemeClr>
+          </a:lnRef>
+          <a:fillRef idx="1">
+            <a:schemeClr val="accent1"/>
+          </a:fillRef>
+          <a:effectRef idx="0">
+            <a:schemeClr val="accent1"/>
+          </a:effectRef>
+          <a:fontRef idx="minor">
+            <a:schemeClr val="lt1"/>
+          </a:fontRef>
+        </p:style>
+      </p:sp>
+      <p:sp>
+        <p:nvSpPr>
+          <p:cNvPr id="40" name="Rectangle 39">
+            <a:extLst>
+              <a:ext uri="{FF2B5EF4-FFF2-40B4-BE49-F238E27FC236}">
+                <a16:creationId xmlns:a16="http://schemas.microsoft.com/office/drawing/2014/main" id="{5B25C48A-208C-4C1B-9D6B-5C13C2C61D79}"/>
+              </a:ext>
+              <a:ext uri="{C183D7F6-B498-43B3-948B-1728B52AA6E4}">
+                <adec:decorative xmlns:adec="http://schemas.microsoft.com/office/drawing/2017/decorative" val="1"/>
+              </a:ext>
+            </a:extLst>
+          </p:cNvPr>
+          <p:cNvSpPr>
+            <a:spLocks noGrp="1" noRot="1" noChangeAspect="1" noMove="1" noResize="1" noEditPoints="1" noAdjustHandles="1" noChangeArrowheads="1" noChangeShapeType="1" noTextEdit="1"/>
+          </p:cNvSpPr>
+          <p:nvPr>
+            <p:extLst>
+              <p:ext uri="{386F3935-93C4-4BCD-93E2-E3B085C9AB24}">
+                <p16:designElem xmlns:p16="http://schemas.microsoft.com/office/powerpoint/2015/main" val="1"/>
+              </p:ext>
+            </p:extLst>
+          </p:nvPr>
+        </p:nvSpPr>
+        <p:spPr>
+          <a:xfrm>
+            <a:off x="1" y="6400800"/>
+            <a:ext cx="12192000" cy="457200"/>
+          </a:xfrm>
+          <a:prstGeom prst="rect">
+            <a:avLst/>
+          </a:prstGeom>
+          <a:solidFill>
+            <a:schemeClr val="accent1">
+              <a:lumMod val="75000"/>
+            </a:schemeClr>
+          </a:solidFill>
+          <a:ln>
+            <a:noFill/>
+          </a:ln>
+        </p:spPr>
+        <p:style>
+          <a:lnRef idx="2">
+            <a:schemeClr val="accent1">
+              <a:shade val="50000"/>
+            </a:schemeClr>
+          </a:lnRef>
+          <a:fillRef idx="1">
+            <a:schemeClr val="accent1"/>
+          </a:fillRef>
+          <a:effectRef idx="0">
+            <a:schemeClr val="accent1"/>
+          </a:effectRef>
+          <a:fontRef idx="minor">
+            <a:schemeClr val="lt1"/>
+          </a:fontRef>
+        </p:style>
+      </p:sp>
+    </p:spTree>
+    <p:extLst>
+      <p:ext uri="{BB962C8B-B14F-4D97-AF65-F5344CB8AC3E}">
+        <p14:creationId xmlns:p14="http://schemas.microsoft.com/office/powerpoint/2010/main" val="2217557167"/>
       </p:ext>
     </p:extLst>
   </p:cSld>
@@ -25366,6 +25921,3119 @@
 </p:sld>
 </file>
 
+<file path=ppt/slides/slide8.xml><?xml version="1.0" encoding="utf-8"?>
+<p:sld xmlns:a="http://schemas.openxmlformats.org/drawingml/2006/main" xmlns:r="http://schemas.openxmlformats.org/officeDocument/2006/relationships" xmlns:p="http://schemas.openxmlformats.org/presentationml/2006/main">
+  <p:cSld>
+    <p:spTree>
+      <p:nvGrpSpPr>
+        <p:cNvPr id="1" name=""/>
+        <p:cNvGrpSpPr/>
+        <p:nvPr/>
+      </p:nvGrpSpPr>
+      <p:grpSpPr>
+        <a:xfrm>
+          <a:off x="0" y="0"/>
+          <a:ext cx="0" cy="0"/>
+          <a:chOff x="0" y="0"/>
+          <a:chExt cx="0" cy="0"/>
+        </a:xfrm>
+      </p:grpSpPr>
+      <p:sp>
+        <p:nvSpPr>
+          <p:cNvPr id="2" name="Title 1">
+            <a:extLst>
+              <a:ext uri="{FF2B5EF4-FFF2-40B4-BE49-F238E27FC236}">
+                <a16:creationId xmlns:a16="http://schemas.microsoft.com/office/drawing/2014/main" id="{B8D7E836-C763-4431-9AFB-51E26A7A9123}"/>
+              </a:ext>
+            </a:extLst>
+          </p:cNvPr>
+          <p:cNvSpPr>
+            <a:spLocks noGrp="1"/>
+          </p:cNvSpPr>
+          <p:nvPr>
+            <p:ph type="title"/>
+          </p:nvPr>
+        </p:nvSpPr>
+        <p:spPr/>
+        <p:txBody>
+          <a:bodyPr/>
+          <a:lstStyle/>
+          <a:p>
+            <a:r>
+              <a:rPr lang="de-DE" dirty="0">
+                <a:latin typeface="Consolas" panose="020B0609020204030204" pitchFamily="49" charset="0"/>
+              </a:rPr>
+              <a:t>Generelle Informationen</a:t>
+            </a:r>
+          </a:p>
+        </p:txBody>
+      </p:sp>
+      <p:sp>
+        <p:nvSpPr>
+          <p:cNvPr id="4" name="Freeform: Shape 3">
+            <a:extLst>
+              <a:ext uri="{FF2B5EF4-FFF2-40B4-BE49-F238E27FC236}">
+                <a16:creationId xmlns:a16="http://schemas.microsoft.com/office/drawing/2014/main" id="{47C78862-D5C1-462C-8DC5-78FC965497CC}"/>
+              </a:ext>
+            </a:extLst>
+          </p:cNvPr>
+          <p:cNvSpPr/>
+          <p:nvPr/>
+        </p:nvSpPr>
+        <p:spPr>
+          <a:xfrm>
+            <a:off x="4249906" y="2058836"/>
+            <a:ext cx="1952625" cy="1952625"/>
+          </a:xfrm>
+          <a:custGeom>
+            <a:avLst/>
+            <a:gdLst>
+              <a:gd name="connsiteX0" fmla="*/ 1952625 w 1952625"/>
+              <a:gd name="connsiteY0" fmla="*/ 0 h 1952625"/>
+              <a:gd name="connsiteX1" fmla="*/ 1952625 w 1952625"/>
+              <a:gd name="connsiteY1" fmla="*/ 920725 h 1952625"/>
+              <a:gd name="connsiteX2" fmla="*/ 920725 w 1952625"/>
+              <a:gd name="connsiteY2" fmla="*/ 1952625 h 1952625"/>
+              <a:gd name="connsiteX3" fmla="*/ 0 w 1952625"/>
+              <a:gd name="connsiteY3" fmla="*/ 1952625 h 1952625"/>
+              <a:gd name="connsiteX4" fmla="*/ 1952625 w 1952625"/>
+              <a:gd name="connsiteY4" fmla="*/ 0 h 1952625"/>
+            </a:gdLst>
+            <a:ahLst/>
+            <a:cxnLst>
+              <a:cxn ang="0">
+                <a:pos x="connsiteX0" y="connsiteY0"/>
+              </a:cxn>
+              <a:cxn ang="0">
+                <a:pos x="connsiteX1" y="connsiteY1"/>
+              </a:cxn>
+              <a:cxn ang="0">
+                <a:pos x="connsiteX2" y="connsiteY2"/>
+              </a:cxn>
+              <a:cxn ang="0">
+                <a:pos x="connsiteX3" y="connsiteY3"/>
+              </a:cxn>
+              <a:cxn ang="0">
+                <a:pos x="connsiteX4" y="connsiteY4"/>
+              </a:cxn>
+            </a:cxnLst>
+            <a:rect l="l" t="t" r="r" b="b"/>
+            <a:pathLst>
+              <a:path w="1952625" h="1952625">
+                <a:moveTo>
+                  <a:pt x="1952625" y="0"/>
+                </a:moveTo>
+                <a:lnTo>
+                  <a:pt x="1952625" y="920725"/>
+                </a:lnTo>
+                <a:cubicBezTo>
+                  <a:pt x="1382722" y="920725"/>
+                  <a:pt x="920725" y="1382722"/>
+                  <a:pt x="920725" y="1952625"/>
+                </a:cubicBezTo>
+                <a:lnTo>
+                  <a:pt x="0" y="1952625"/>
+                </a:lnTo>
+                <a:cubicBezTo>
+                  <a:pt x="0" y="874220"/>
+                  <a:pt x="874220" y="0"/>
+                  <a:pt x="1952625" y="0"/>
+                </a:cubicBezTo>
+                <a:close/>
+              </a:path>
+            </a:pathLst>
+          </a:custGeom>
+          <a:solidFill>
+            <a:srgbClr val="C13018"/>
+          </a:solidFill>
+          <a:ln w="12700" cap="flat" cmpd="sng" algn="ctr">
+            <a:noFill/>
+            <a:prstDash val="solid"/>
+            <a:miter lim="800000"/>
+          </a:ln>
+          <a:effectLst/>
+        </p:spPr>
+        <p:txBody>
+          <a:bodyPr wrap="square" lIns="457200" rtlCol="0" anchor="ctr">
+            <a:noAutofit/>
+          </a:bodyPr>
+          <a:lstStyle/>
+          <a:p>
+            <a:pPr marL="0" marR="0" lvl="0" indent="0" defTabSz="914400" eaLnBrk="1" fontAlgn="auto" latinLnBrk="0" hangingPunct="1">
+              <a:lnSpc>
+                <a:spcPct val="100000"/>
+              </a:lnSpc>
+              <a:spcBef>
+                <a:spcPts val="0"/>
+              </a:spcBef>
+              <a:spcAft>
+                <a:spcPts val="0"/>
+              </a:spcAft>
+              <a:buClrTx/>
+              <a:buSzTx/>
+              <a:buFontTx/>
+              <a:buNone/>
+              <a:tabLst/>
+              <a:defRPr/>
+            </a:pPr>
+            <a:r>
+              <a:rPr kumimoji="0" lang="en-US" sz="2400" b="1" i="0" u="none" strike="noStrike" kern="0" cap="none" spc="0" normalizeH="0" baseline="0" noProof="0" dirty="0">
+                <a:ln>
+                  <a:noFill/>
+                </a:ln>
+                <a:solidFill>
+                  <a:prstClr val="white"/>
+                </a:solidFill>
+                <a:effectLst>
+                  <a:outerShdw blurRad="38100" dist="38100" dir="2700000" algn="tl">
+                    <a:srgbClr val="000000">
+                      <a:alpha val="43137"/>
+                    </a:srgbClr>
+                  </a:outerShdw>
+                </a:effectLst>
+                <a:uLnTx/>
+                <a:uFillTx/>
+                <a:latin typeface="Calibri" panose="020F0502020204030204"/>
+                <a:ea typeface="+mn-ea"/>
+                <a:cs typeface="+mn-cs"/>
+              </a:rPr>
+              <a:t>04</a:t>
+            </a:r>
+          </a:p>
+        </p:txBody>
+      </p:sp>
+      <p:sp>
+        <p:nvSpPr>
+          <p:cNvPr id="5" name="Freeform: Shape 4">
+            <a:extLst>
+              <a:ext uri="{FF2B5EF4-FFF2-40B4-BE49-F238E27FC236}">
+                <a16:creationId xmlns:a16="http://schemas.microsoft.com/office/drawing/2014/main" id="{CE5CBCF9-E61B-449A-BAD2-DB6D3514E598}"/>
+              </a:ext>
+            </a:extLst>
+          </p:cNvPr>
+          <p:cNvSpPr/>
+          <p:nvPr/>
+        </p:nvSpPr>
+        <p:spPr>
+          <a:xfrm>
+            <a:off x="6202531" y="2058836"/>
+            <a:ext cx="1952625" cy="1952625"/>
+          </a:xfrm>
+          <a:custGeom>
+            <a:avLst/>
+            <a:gdLst>
+              <a:gd name="connsiteX0" fmla="*/ 0 w 1952625"/>
+              <a:gd name="connsiteY0" fmla="*/ 0 h 1952625"/>
+              <a:gd name="connsiteX1" fmla="*/ 1952625 w 1952625"/>
+              <a:gd name="connsiteY1" fmla="*/ 1952625 h 1952625"/>
+              <a:gd name="connsiteX2" fmla="*/ 1031900 w 1952625"/>
+              <a:gd name="connsiteY2" fmla="*/ 1952625 h 1952625"/>
+              <a:gd name="connsiteX3" fmla="*/ 0 w 1952625"/>
+              <a:gd name="connsiteY3" fmla="*/ 920725 h 1952625"/>
+            </a:gdLst>
+            <a:ahLst/>
+            <a:cxnLst>
+              <a:cxn ang="0">
+                <a:pos x="connsiteX0" y="connsiteY0"/>
+              </a:cxn>
+              <a:cxn ang="0">
+                <a:pos x="connsiteX1" y="connsiteY1"/>
+              </a:cxn>
+              <a:cxn ang="0">
+                <a:pos x="connsiteX2" y="connsiteY2"/>
+              </a:cxn>
+              <a:cxn ang="0">
+                <a:pos x="connsiteX3" y="connsiteY3"/>
+              </a:cxn>
+            </a:cxnLst>
+            <a:rect l="l" t="t" r="r" b="b"/>
+            <a:pathLst>
+              <a:path w="1952625" h="1952625">
+                <a:moveTo>
+                  <a:pt x="0" y="0"/>
+                </a:moveTo>
+                <a:cubicBezTo>
+                  <a:pt x="1078405" y="0"/>
+                  <a:pt x="1952625" y="874220"/>
+                  <a:pt x="1952625" y="1952625"/>
+                </a:cubicBezTo>
+                <a:lnTo>
+                  <a:pt x="1031900" y="1952625"/>
+                </a:lnTo>
+                <a:cubicBezTo>
+                  <a:pt x="1031900" y="1382722"/>
+                  <a:pt x="569903" y="920725"/>
+                  <a:pt x="0" y="920725"/>
+                </a:cubicBezTo>
+                <a:close/>
+              </a:path>
+            </a:pathLst>
+          </a:custGeom>
+          <a:solidFill>
+            <a:srgbClr val="F7931F"/>
+          </a:solidFill>
+          <a:ln w="12700" cap="flat" cmpd="sng" algn="ctr">
+            <a:noFill/>
+            <a:prstDash val="solid"/>
+            <a:miter lim="800000"/>
+          </a:ln>
+          <a:effectLst/>
+        </p:spPr>
+        <p:txBody>
+          <a:bodyPr wrap="square" rIns="457200" rtlCol="0" anchor="ctr">
+            <a:noAutofit/>
+          </a:bodyPr>
+          <a:lstStyle/>
+          <a:p>
+            <a:pPr marL="0" marR="0" lvl="0" indent="0" algn="r" defTabSz="914400" eaLnBrk="1" fontAlgn="auto" latinLnBrk="0" hangingPunct="1">
+              <a:lnSpc>
+                <a:spcPct val="100000"/>
+              </a:lnSpc>
+              <a:spcBef>
+                <a:spcPts val="0"/>
+              </a:spcBef>
+              <a:spcAft>
+                <a:spcPts val="0"/>
+              </a:spcAft>
+              <a:buClrTx/>
+              <a:buSzTx/>
+              <a:buFontTx/>
+              <a:buNone/>
+              <a:tabLst/>
+              <a:defRPr/>
+            </a:pPr>
+            <a:r>
+              <a:rPr kumimoji="0" lang="en-US" sz="2400" b="1" i="0" u="none" strike="noStrike" kern="0" cap="none" spc="0" normalizeH="0" baseline="0" noProof="0" dirty="0">
+                <a:ln>
+                  <a:noFill/>
+                </a:ln>
+                <a:solidFill>
+                  <a:prstClr val="black">
+                    <a:lumMod val="85000"/>
+                    <a:lumOff val="15000"/>
+                  </a:prstClr>
+                </a:solidFill>
+                <a:effectLst/>
+                <a:uLnTx/>
+                <a:uFillTx/>
+                <a:latin typeface="Calibri" panose="020F0502020204030204"/>
+                <a:ea typeface="+mn-ea"/>
+                <a:cs typeface="+mn-cs"/>
+              </a:rPr>
+              <a:t>01</a:t>
+            </a:r>
+          </a:p>
+        </p:txBody>
+      </p:sp>
+      <p:sp>
+        <p:nvSpPr>
+          <p:cNvPr id="6" name="Freeform: Shape 5">
+            <a:extLst>
+              <a:ext uri="{FF2B5EF4-FFF2-40B4-BE49-F238E27FC236}">
+                <a16:creationId xmlns:a16="http://schemas.microsoft.com/office/drawing/2014/main" id="{82CC0BE6-D2CC-4237-9800-19601A04EC5E}"/>
+              </a:ext>
+            </a:extLst>
+          </p:cNvPr>
+          <p:cNvSpPr/>
+          <p:nvPr/>
+        </p:nvSpPr>
+        <p:spPr>
+          <a:xfrm>
+            <a:off x="6202531" y="4011461"/>
+            <a:ext cx="1952625" cy="1952625"/>
+          </a:xfrm>
+          <a:custGeom>
+            <a:avLst/>
+            <a:gdLst>
+              <a:gd name="connsiteX0" fmla="*/ 1031900 w 1952625"/>
+              <a:gd name="connsiteY0" fmla="*/ 0 h 1952625"/>
+              <a:gd name="connsiteX1" fmla="*/ 1952625 w 1952625"/>
+              <a:gd name="connsiteY1" fmla="*/ 0 h 1952625"/>
+              <a:gd name="connsiteX2" fmla="*/ 0 w 1952625"/>
+              <a:gd name="connsiteY2" fmla="*/ 1952625 h 1952625"/>
+              <a:gd name="connsiteX3" fmla="*/ 0 w 1952625"/>
+              <a:gd name="connsiteY3" fmla="*/ 1031900 h 1952625"/>
+              <a:gd name="connsiteX4" fmla="*/ 1031900 w 1952625"/>
+              <a:gd name="connsiteY4" fmla="*/ 0 h 1952625"/>
+            </a:gdLst>
+            <a:ahLst/>
+            <a:cxnLst>
+              <a:cxn ang="0">
+                <a:pos x="connsiteX0" y="connsiteY0"/>
+              </a:cxn>
+              <a:cxn ang="0">
+                <a:pos x="connsiteX1" y="connsiteY1"/>
+              </a:cxn>
+              <a:cxn ang="0">
+                <a:pos x="connsiteX2" y="connsiteY2"/>
+              </a:cxn>
+              <a:cxn ang="0">
+                <a:pos x="connsiteX3" y="connsiteY3"/>
+              </a:cxn>
+              <a:cxn ang="0">
+                <a:pos x="connsiteX4" y="connsiteY4"/>
+              </a:cxn>
+            </a:cxnLst>
+            <a:rect l="l" t="t" r="r" b="b"/>
+            <a:pathLst>
+              <a:path w="1952625" h="1952625">
+                <a:moveTo>
+                  <a:pt x="1031900" y="0"/>
+                </a:moveTo>
+                <a:lnTo>
+                  <a:pt x="1952625" y="0"/>
+                </a:lnTo>
+                <a:cubicBezTo>
+                  <a:pt x="1952625" y="1078405"/>
+                  <a:pt x="1078405" y="1952625"/>
+                  <a:pt x="0" y="1952625"/>
+                </a:cubicBezTo>
+                <a:lnTo>
+                  <a:pt x="0" y="1031900"/>
+                </a:lnTo>
+                <a:cubicBezTo>
+                  <a:pt x="569903" y="1031900"/>
+                  <a:pt x="1031900" y="569903"/>
+                  <a:pt x="1031900" y="0"/>
+                </a:cubicBezTo>
+                <a:close/>
+              </a:path>
+            </a:pathLst>
+          </a:custGeom>
+          <a:solidFill>
+            <a:srgbClr val="A2B969"/>
+          </a:solidFill>
+          <a:ln w="12700" cap="flat" cmpd="sng" algn="ctr">
+            <a:noFill/>
+            <a:prstDash val="solid"/>
+            <a:miter lim="800000"/>
+          </a:ln>
+          <a:effectLst/>
+        </p:spPr>
+        <p:txBody>
+          <a:bodyPr wrap="square" rIns="457200" rtlCol="0" anchor="ctr">
+            <a:noAutofit/>
+          </a:bodyPr>
+          <a:lstStyle/>
+          <a:p>
+            <a:pPr marL="0" marR="0" lvl="0" indent="0" algn="r" defTabSz="914400" eaLnBrk="1" fontAlgn="auto" latinLnBrk="0" hangingPunct="1">
+              <a:lnSpc>
+                <a:spcPct val="100000"/>
+              </a:lnSpc>
+              <a:spcBef>
+                <a:spcPts val="0"/>
+              </a:spcBef>
+              <a:spcAft>
+                <a:spcPts val="0"/>
+              </a:spcAft>
+              <a:buClrTx/>
+              <a:buSzTx/>
+              <a:buFontTx/>
+              <a:buNone/>
+              <a:tabLst/>
+              <a:defRPr/>
+            </a:pPr>
+            <a:r>
+              <a:rPr kumimoji="0" lang="en-US" sz="2400" b="1" i="0" u="none" strike="noStrike" kern="0" cap="none" spc="0" normalizeH="0" baseline="0" noProof="0" dirty="0">
+                <a:ln>
+                  <a:noFill/>
+                </a:ln>
+                <a:solidFill>
+                  <a:prstClr val="black">
+                    <a:lumMod val="85000"/>
+                    <a:lumOff val="15000"/>
+                  </a:prstClr>
+                </a:solidFill>
+                <a:effectLst/>
+                <a:uLnTx/>
+                <a:uFillTx/>
+                <a:latin typeface="Calibri" panose="020F0502020204030204"/>
+                <a:ea typeface="+mn-ea"/>
+                <a:cs typeface="+mn-cs"/>
+              </a:rPr>
+              <a:t>02</a:t>
+            </a:r>
+          </a:p>
+        </p:txBody>
+      </p:sp>
+      <p:sp>
+        <p:nvSpPr>
+          <p:cNvPr id="7" name="Freeform: Shape 6">
+            <a:extLst>
+              <a:ext uri="{FF2B5EF4-FFF2-40B4-BE49-F238E27FC236}">
+                <a16:creationId xmlns:a16="http://schemas.microsoft.com/office/drawing/2014/main" id="{D1161C7D-3B03-4C62-9ECB-B6064848DDD5}"/>
+              </a:ext>
+            </a:extLst>
+          </p:cNvPr>
+          <p:cNvSpPr/>
+          <p:nvPr/>
+        </p:nvSpPr>
+        <p:spPr>
+          <a:xfrm>
+            <a:off x="4249906" y="4011461"/>
+            <a:ext cx="1952625" cy="1952625"/>
+          </a:xfrm>
+          <a:custGeom>
+            <a:avLst/>
+            <a:gdLst>
+              <a:gd name="connsiteX0" fmla="*/ 0 w 1952625"/>
+              <a:gd name="connsiteY0" fmla="*/ 0 h 1952625"/>
+              <a:gd name="connsiteX1" fmla="*/ 920725 w 1952625"/>
+              <a:gd name="connsiteY1" fmla="*/ 0 h 1952625"/>
+              <a:gd name="connsiteX2" fmla="*/ 1952625 w 1952625"/>
+              <a:gd name="connsiteY2" fmla="*/ 1031900 h 1952625"/>
+              <a:gd name="connsiteX3" fmla="*/ 1952625 w 1952625"/>
+              <a:gd name="connsiteY3" fmla="*/ 1952625 h 1952625"/>
+              <a:gd name="connsiteX4" fmla="*/ 0 w 1952625"/>
+              <a:gd name="connsiteY4" fmla="*/ 0 h 1952625"/>
+            </a:gdLst>
+            <a:ahLst/>
+            <a:cxnLst>
+              <a:cxn ang="0">
+                <a:pos x="connsiteX0" y="connsiteY0"/>
+              </a:cxn>
+              <a:cxn ang="0">
+                <a:pos x="connsiteX1" y="connsiteY1"/>
+              </a:cxn>
+              <a:cxn ang="0">
+                <a:pos x="connsiteX2" y="connsiteY2"/>
+              </a:cxn>
+              <a:cxn ang="0">
+                <a:pos x="connsiteX3" y="connsiteY3"/>
+              </a:cxn>
+              <a:cxn ang="0">
+                <a:pos x="connsiteX4" y="connsiteY4"/>
+              </a:cxn>
+            </a:cxnLst>
+            <a:rect l="l" t="t" r="r" b="b"/>
+            <a:pathLst>
+              <a:path w="1952625" h="1952625">
+                <a:moveTo>
+                  <a:pt x="0" y="0"/>
+                </a:moveTo>
+                <a:lnTo>
+                  <a:pt x="920725" y="0"/>
+                </a:lnTo>
+                <a:cubicBezTo>
+                  <a:pt x="920725" y="569903"/>
+                  <a:pt x="1382722" y="1031900"/>
+                  <a:pt x="1952625" y="1031900"/>
+                </a:cubicBezTo>
+                <a:lnTo>
+                  <a:pt x="1952625" y="1952625"/>
+                </a:lnTo>
+                <a:cubicBezTo>
+                  <a:pt x="874220" y="1952625"/>
+                  <a:pt x="0" y="1078405"/>
+                  <a:pt x="0" y="0"/>
+                </a:cubicBezTo>
+                <a:close/>
+              </a:path>
+            </a:pathLst>
+          </a:custGeom>
+          <a:solidFill>
+            <a:srgbClr val="4CC1EF"/>
+          </a:solidFill>
+          <a:ln w="12700" cap="flat" cmpd="sng" algn="ctr">
+            <a:noFill/>
+            <a:prstDash val="solid"/>
+            <a:miter lim="800000"/>
+          </a:ln>
+          <a:effectLst/>
+        </p:spPr>
+        <p:txBody>
+          <a:bodyPr wrap="square" lIns="457200" rtlCol="0" anchor="ctr">
+            <a:noAutofit/>
+          </a:bodyPr>
+          <a:lstStyle/>
+          <a:p>
+            <a:pPr marL="0" marR="0" lvl="0" indent="0" defTabSz="914400" eaLnBrk="1" fontAlgn="auto" latinLnBrk="0" hangingPunct="1">
+              <a:lnSpc>
+                <a:spcPct val="100000"/>
+              </a:lnSpc>
+              <a:spcBef>
+                <a:spcPts val="0"/>
+              </a:spcBef>
+              <a:spcAft>
+                <a:spcPts val="0"/>
+              </a:spcAft>
+              <a:buClrTx/>
+              <a:buSzTx/>
+              <a:buFontTx/>
+              <a:buNone/>
+              <a:tabLst/>
+              <a:defRPr/>
+            </a:pPr>
+            <a:r>
+              <a:rPr kumimoji="0" lang="en-US" sz="2400" b="1" i="0" u="none" strike="noStrike" kern="0" cap="none" spc="0" normalizeH="0" baseline="0" noProof="0" dirty="0">
+                <a:ln>
+                  <a:noFill/>
+                </a:ln>
+                <a:solidFill>
+                  <a:prstClr val="black">
+                    <a:lumMod val="85000"/>
+                    <a:lumOff val="15000"/>
+                  </a:prstClr>
+                </a:solidFill>
+                <a:effectLst/>
+                <a:uLnTx/>
+                <a:uFillTx/>
+                <a:latin typeface="Calibri" panose="020F0502020204030204"/>
+                <a:ea typeface="+mn-ea"/>
+                <a:cs typeface="+mn-cs"/>
+              </a:rPr>
+              <a:t>03</a:t>
+            </a:r>
+          </a:p>
+        </p:txBody>
+      </p:sp>
+      <p:sp>
+        <p:nvSpPr>
+          <p:cNvPr id="8" name="Freeform: Shape 7">
+            <a:extLst>
+              <a:ext uri="{FF2B5EF4-FFF2-40B4-BE49-F238E27FC236}">
+                <a16:creationId xmlns:a16="http://schemas.microsoft.com/office/drawing/2014/main" id="{21BEEC80-94F8-4A96-89D6-C2364563ABE4}"/>
+              </a:ext>
+            </a:extLst>
+          </p:cNvPr>
+          <p:cNvSpPr/>
+          <p:nvPr/>
+        </p:nvSpPr>
+        <p:spPr>
+          <a:xfrm>
+            <a:off x="6431248" y="2735287"/>
+            <a:ext cx="1096844" cy="1666402"/>
+          </a:xfrm>
+          <a:custGeom>
+            <a:avLst/>
+            <a:gdLst>
+              <a:gd name="connsiteX0" fmla="*/ 139200 w 1096844"/>
+              <a:gd name="connsiteY0" fmla="*/ 0 h 1666402"/>
+              <a:gd name="connsiteX1" fmla="*/ 165463 w 1096844"/>
+              <a:gd name="connsiteY1" fmla="*/ 6753 h 1666402"/>
+              <a:gd name="connsiteX2" fmla="*/ 1096844 w 1096844"/>
+              <a:gd name="connsiteY2" fmla="*/ 1272721 h 1666402"/>
+              <a:gd name="connsiteX3" fmla="*/ 1069914 w 1096844"/>
+              <a:gd name="connsiteY3" fmla="*/ 1539868 h 1666402"/>
+              <a:gd name="connsiteX4" fmla="*/ 1037378 w 1096844"/>
+              <a:gd name="connsiteY4" fmla="*/ 1666402 h 1666402"/>
+              <a:gd name="connsiteX5" fmla="*/ 876182 w 1096844"/>
+              <a:gd name="connsiteY5" fmla="*/ 1561923 h 1666402"/>
+              <a:gd name="connsiteX6" fmla="*/ 563318 w 1096844"/>
+              <a:gd name="connsiteY6" fmla="*/ 1538458 h 1666402"/>
+              <a:gd name="connsiteX7" fmla="*/ 593314 w 1096844"/>
+              <a:gd name="connsiteY7" fmla="*/ 1441825 h 1666402"/>
+              <a:gd name="connsiteX8" fmla="*/ 610361 w 1096844"/>
+              <a:gd name="connsiteY8" fmla="*/ 1272721 h 1666402"/>
+              <a:gd name="connsiteX9" fmla="*/ 20797 w 1096844"/>
+              <a:gd name="connsiteY9" fmla="*/ 471364 h 1666402"/>
+              <a:gd name="connsiteX10" fmla="*/ 0 w 1096844"/>
+              <a:gd name="connsiteY10" fmla="*/ 466016 h 1666402"/>
+            </a:gdLst>
+            <a:ahLst/>
+            <a:cxnLst>
+              <a:cxn ang="0">
+                <a:pos x="connsiteX0" y="connsiteY0"/>
+              </a:cxn>
+              <a:cxn ang="0">
+                <a:pos x="connsiteX1" y="connsiteY1"/>
+              </a:cxn>
+              <a:cxn ang="0">
+                <a:pos x="connsiteX2" y="connsiteY2"/>
+              </a:cxn>
+              <a:cxn ang="0">
+                <a:pos x="connsiteX3" y="connsiteY3"/>
+              </a:cxn>
+              <a:cxn ang="0">
+                <a:pos x="connsiteX4" y="connsiteY4"/>
+              </a:cxn>
+              <a:cxn ang="0">
+                <a:pos x="connsiteX5" y="connsiteY5"/>
+              </a:cxn>
+              <a:cxn ang="0">
+                <a:pos x="connsiteX6" y="connsiteY6"/>
+              </a:cxn>
+              <a:cxn ang="0">
+                <a:pos x="connsiteX7" y="connsiteY7"/>
+              </a:cxn>
+              <a:cxn ang="0">
+                <a:pos x="connsiteX8" y="connsiteY8"/>
+              </a:cxn>
+              <a:cxn ang="0">
+                <a:pos x="connsiteX9" y="connsiteY9"/>
+              </a:cxn>
+              <a:cxn ang="0">
+                <a:pos x="connsiteX10" y="connsiteY10"/>
+              </a:cxn>
+            </a:cxnLst>
+            <a:rect l="l" t="t" r="r" b="b"/>
+            <a:pathLst>
+              <a:path w="1096844" h="1666402">
+                <a:moveTo>
+                  <a:pt x="139200" y="0"/>
+                </a:moveTo>
+                <a:lnTo>
+                  <a:pt x="165463" y="6753"/>
+                </a:lnTo>
+                <a:cubicBezTo>
+                  <a:pt x="705058" y="174584"/>
+                  <a:pt x="1096844" y="677900"/>
+                  <a:pt x="1096844" y="1272721"/>
+                </a:cubicBezTo>
+                <a:cubicBezTo>
+                  <a:pt x="1096844" y="1364232"/>
+                  <a:pt x="1087571" y="1453577"/>
+                  <a:pt x="1069914" y="1539868"/>
+                </a:cubicBezTo>
+                <a:lnTo>
+                  <a:pt x="1037378" y="1666402"/>
+                </a:lnTo>
+                <a:lnTo>
+                  <a:pt x="876182" y="1561923"/>
+                </a:lnTo>
+                <a:lnTo>
+                  <a:pt x="563318" y="1538458"/>
+                </a:lnTo>
+                <a:lnTo>
+                  <a:pt x="593314" y="1441825"/>
+                </a:lnTo>
+                <a:cubicBezTo>
+                  <a:pt x="604491" y="1387203"/>
+                  <a:pt x="610361" y="1330648"/>
+                  <a:pt x="610361" y="1272721"/>
+                </a:cubicBezTo>
+                <a:cubicBezTo>
+                  <a:pt x="610361" y="896199"/>
+                  <a:pt x="362361" y="577601"/>
+                  <a:pt x="20797" y="471364"/>
+                </a:cubicBezTo>
+                <a:lnTo>
+                  <a:pt x="0" y="466016"/>
+                </a:lnTo>
+                <a:close/>
+              </a:path>
+            </a:pathLst>
+          </a:custGeom>
+          <a:solidFill>
+            <a:srgbClr val="E68208"/>
+          </a:solidFill>
+          <a:ln w="12700" cap="flat" cmpd="sng" algn="ctr">
+            <a:noFill/>
+            <a:prstDash val="solid"/>
+            <a:miter lim="800000"/>
+          </a:ln>
+          <a:effectLst/>
+        </p:spPr>
+        <p:txBody>
+          <a:bodyPr wrap="square" rtlCol="0" anchor="ctr">
+            <a:noAutofit/>
+          </a:bodyPr>
+          <a:lstStyle/>
+          <a:p>
+            <a:pPr marL="0" marR="0" lvl="0" indent="0" algn="ctr" defTabSz="914400" eaLnBrk="1" fontAlgn="auto" latinLnBrk="0" hangingPunct="1">
+              <a:lnSpc>
+                <a:spcPct val="100000"/>
+              </a:lnSpc>
+              <a:spcBef>
+                <a:spcPts val="0"/>
+              </a:spcBef>
+              <a:spcAft>
+                <a:spcPts val="0"/>
+              </a:spcAft>
+              <a:buClrTx/>
+              <a:buSzTx/>
+              <a:buFontTx/>
+              <a:buNone/>
+              <a:tabLst/>
+              <a:defRPr/>
+            </a:pPr>
+            <a:endParaRPr kumimoji="0" lang="en-US" sz="1800" b="0" i="0" u="none" strike="noStrike" kern="0" cap="none" spc="0" normalizeH="0" baseline="0" noProof="0">
+              <a:ln>
+                <a:noFill/>
+              </a:ln>
+              <a:solidFill>
+                <a:prstClr val="white"/>
+              </a:solidFill>
+              <a:effectLst/>
+              <a:uLnTx/>
+              <a:uFillTx/>
+              <a:latin typeface="Calibri" panose="020F0502020204030204"/>
+              <a:ea typeface="+mn-ea"/>
+              <a:cs typeface="+mn-cs"/>
+            </a:endParaRPr>
+          </a:p>
+        </p:txBody>
+      </p:sp>
+      <p:sp>
+        <p:nvSpPr>
+          <p:cNvPr id="9" name="Freeform: Shape 8">
+            <a:extLst>
+              <a:ext uri="{FF2B5EF4-FFF2-40B4-BE49-F238E27FC236}">
+                <a16:creationId xmlns:a16="http://schemas.microsoft.com/office/drawing/2014/main" id="{D6549B0A-0A6C-4477-B218-498404A7C71C}"/>
+              </a:ext>
+            </a:extLst>
+          </p:cNvPr>
+          <p:cNvSpPr/>
+          <p:nvPr/>
+        </p:nvSpPr>
+        <p:spPr>
+          <a:xfrm>
+            <a:off x="4929161" y="2682445"/>
+            <a:ext cx="1615271" cy="1083848"/>
+          </a:xfrm>
+          <a:custGeom>
+            <a:avLst/>
+            <a:gdLst>
+              <a:gd name="connsiteX0" fmla="*/ 1273368 w 1615271"/>
+              <a:gd name="connsiteY0" fmla="*/ 0 h 1083848"/>
+              <a:gd name="connsiteX1" fmla="*/ 1540515 w 1615271"/>
+              <a:gd name="connsiteY1" fmla="*/ 26931 h 1083848"/>
+              <a:gd name="connsiteX2" fmla="*/ 1615271 w 1615271"/>
+              <a:gd name="connsiteY2" fmla="*/ 46153 h 1083848"/>
+              <a:gd name="connsiteX3" fmla="*/ 1559119 w 1615271"/>
+              <a:gd name="connsiteY3" fmla="*/ 300315 h 1083848"/>
+              <a:gd name="connsiteX4" fmla="*/ 1501915 w 1615271"/>
+              <a:gd name="connsiteY4" fmla="*/ 521982 h 1083848"/>
+              <a:gd name="connsiteX5" fmla="*/ 1442471 w 1615271"/>
+              <a:gd name="connsiteY5" fmla="*/ 503529 h 1083848"/>
+              <a:gd name="connsiteX6" fmla="*/ 1273367 w 1615271"/>
+              <a:gd name="connsiteY6" fmla="*/ 486482 h 1083848"/>
+              <a:gd name="connsiteX7" fmla="*/ 472010 w 1615271"/>
+              <a:gd name="connsiteY7" fmla="*/ 1076046 h 1083848"/>
+              <a:gd name="connsiteX8" fmla="*/ 470004 w 1615271"/>
+              <a:gd name="connsiteY8" fmla="*/ 1083848 h 1083848"/>
+              <a:gd name="connsiteX9" fmla="*/ 0 w 1615271"/>
+              <a:gd name="connsiteY9" fmla="*/ 960163 h 1083848"/>
+              <a:gd name="connsiteX10" fmla="*/ 7400 w 1615271"/>
+              <a:gd name="connsiteY10" fmla="*/ 931381 h 1083848"/>
+              <a:gd name="connsiteX11" fmla="*/ 1273368 w 1615271"/>
+              <a:gd name="connsiteY11" fmla="*/ 0 h 1083848"/>
+            </a:gdLst>
+            <a:ahLst/>
+            <a:cxnLst>
+              <a:cxn ang="0">
+                <a:pos x="connsiteX0" y="connsiteY0"/>
+              </a:cxn>
+              <a:cxn ang="0">
+                <a:pos x="connsiteX1" y="connsiteY1"/>
+              </a:cxn>
+              <a:cxn ang="0">
+                <a:pos x="connsiteX2" y="connsiteY2"/>
+              </a:cxn>
+              <a:cxn ang="0">
+                <a:pos x="connsiteX3" y="connsiteY3"/>
+              </a:cxn>
+              <a:cxn ang="0">
+                <a:pos x="connsiteX4" y="connsiteY4"/>
+              </a:cxn>
+              <a:cxn ang="0">
+                <a:pos x="connsiteX5" y="connsiteY5"/>
+              </a:cxn>
+              <a:cxn ang="0">
+                <a:pos x="connsiteX6" y="connsiteY6"/>
+              </a:cxn>
+              <a:cxn ang="0">
+                <a:pos x="connsiteX7" y="connsiteY7"/>
+              </a:cxn>
+              <a:cxn ang="0">
+                <a:pos x="connsiteX8" y="connsiteY8"/>
+              </a:cxn>
+              <a:cxn ang="0">
+                <a:pos x="connsiteX9" y="connsiteY9"/>
+              </a:cxn>
+              <a:cxn ang="0">
+                <a:pos x="connsiteX10" y="connsiteY10"/>
+              </a:cxn>
+              <a:cxn ang="0">
+                <a:pos x="connsiteX11" y="connsiteY11"/>
+              </a:cxn>
+            </a:cxnLst>
+            <a:rect l="l" t="t" r="r" b="b"/>
+            <a:pathLst>
+              <a:path w="1615271" h="1083848">
+                <a:moveTo>
+                  <a:pt x="1273368" y="0"/>
+                </a:moveTo>
+                <a:cubicBezTo>
+                  <a:pt x="1364879" y="0"/>
+                  <a:pt x="1454224" y="9273"/>
+                  <a:pt x="1540515" y="26931"/>
+                </a:cubicBezTo>
+                <a:lnTo>
+                  <a:pt x="1615271" y="46153"/>
+                </a:lnTo>
+                <a:lnTo>
+                  <a:pt x="1559119" y="300315"/>
+                </a:lnTo>
+                <a:lnTo>
+                  <a:pt x="1501915" y="521982"/>
+                </a:lnTo>
+                <a:lnTo>
+                  <a:pt x="1442471" y="503529"/>
+                </a:lnTo>
+                <a:cubicBezTo>
+                  <a:pt x="1387849" y="492352"/>
+                  <a:pt x="1331294" y="486482"/>
+                  <a:pt x="1273367" y="486482"/>
+                </a:cubicBezTo>
+                <a:cubicBezTo>
+                  <a:pt x="896845" y="486482"/>
+                  <a:pt x="578247" y="734482"/>
+                  <a:pt x="472010" y="1076046"/>
+                </a:cubicBezTo>
+                <a:lnTo>
+                  <a:pt x="470004" y="1083848"/>
+                </a:lnTo>
+                <a:lnTo>
+                  <a:pt x="0" y="960163"/>
+                </a:lnTo>
+                <a:lnTo>
+                  <a:pt x="7400" y="931381"/>
+                </a:lnTo>
+                <a:cubicBezTo>
+                  <a:pt x="175232" y="391786"/>
+                  <a:pt x="678547" y="0"/>
+                  <a:pt x="1273368" y="0"/>
+                </a:cubicBezTo>
+                <a:close/>
+              </a:path>
+            </a:pathLst>
+          </a:custGeom>
+          <a:solidFill>
+            <a:srgbClr val="B22C16"/>
+          </a:solidFill>
+          <a:ln w="12700" cap="flat" cmpd="sng" algn="ctr">
+            <a:noFill/>
+            <a:prstDash val="solid"/>
+            <a:miter lim="800000"/>
+          </a:ln>
+          <a:effectLst/>
+        </p:spPr>
+        <p:txBody>
+          <a:bodyPr wrap="square" rtlCol="0" anchor="ctr">
+            <a:noAutofit/>
+          </a:bodyPr>
+          <a:lstStyle/>
+          <a:p>
+            <a:pPr marL="0" marR="0" lvl="0" indent="0" algn="ctr" defTabSz="914400" eaLnBrk="1" fontAlgn="auto" latinLnBrk="0" hangingPunct="1">
+              <a:lnSpc>
+                <a:spcPct val="100000"/>
+              </a:lnSpc>
+              <a:spcBef>
+                <a:spcPts val="0"/>
+              </a:spcBef>
+              <a:spcAft>
+                <a:spcPts val="0"/>
+              </a:spcAft>
+              <a:buClrTx/>
+              <a:buSzTx/>
+              <a:buFontTx/>
+              <a:buNone/>
+              <a:tabLst/>
+              <a:defRPr/>
+            </a:pPr>
+            <a:endParaRPr kumimoji="0" lang="en-US" sz="1800" b="0" i="0" u="none" strike="noStrike" kern="0" cap="none" spc="0" normalizeH="0" baseline="0" noProof="0">
+              <a:ln>
+                <a:noFill/>
+              </a:ln>
+              <a:solidFill>
+                <a:prstClr val="black"/>
+              </a:solidFill>
+              <a:effectLst/>
+              <a:uLnTx/>
+              <a:uFillTx/>
+              <a:latin typeface="Calibri" panose="020F0502020204030204"/>
+              <a:ea typeface="+mn-ea"/>
+              <a:cs typeface="+mn-cs"/>
+            </a:endParaRPr>
+          </a:p>
+        </p:txBody>
+      </p:sp>
+      <p:sp>
+        <p:nvSpPr>
+          <p:cNvPr id="10" name="Freeform: Shape 9">
+            <a:extLst>
+              <a:ext uri="{FF2B5EF4-FFF2-40B4-BE49-F238E27FC236}">
+                <a16:creationId xmlns:a16="http://schemas.microsoft.com/office/drawing/2014/main" id="{96A8B555-E7A6-42F8-BD2D-0F678EDFDC78}"/>
+              </a:ext>
+            </a:extLst>
+          </p:cNvPr>
+          <p:cNvSpPr/>
+          <p:nvPr/>
+        </p:nvSpPr>
+        <p:spPr>
+          <a:xfrm>
+            <a:off x="5824214" y="4230249"/>
+            <a:ext cx="1655785" cy="1103323"/>
+          </a:xfrm>
+          <a:custGeom>
+            <a:avLst/>
+            <a:gdLst>
+              <a:gd name="connsiteX0" fmla="*/ 1186686 w 1655785"/>
+              <a:gd name="connsiteY0" fmla="*/ 0 h 1103323"/>
+              <a:gd name="connsiteX1" fmla="*/ 1655785 w 1655785"/>
+              <a:gd name="connsiteY1" fmla="*/ 127214 h 1103323"/>
+              <a:gd name="connsiteX2" fmla="*/ 1644285 w 1655785"/>
+              <a:gd name="connsiteY2" fmla="*/ 171942 h 1103323"/>
+              <a:gd name="connsiteX3" fmla="*/ 378316 w 1655785"/>
+              <a:gd name="connsiteY3" fmla="*/ 1103323 h 1103323"/>
+              <a:gd name="connsiteX4" fmla="*/ 111169 w 1655785"/>
+              <a:gd name="connsiteY4" fmla="*/ 1076393 h 1103323"/>
+              <a:gd name="connsiteX5" fmla="*/ 0 w 1655785"/>
+              <a:gd name="connsiteY5" fmla="*/ 1047808 h 1103323"/>
+              <a:gd name="connsiteX6" fmla="*/ 128883 w 1655785"/>
+              <a:gd name="connsiteY6" fmla="*/ 579140 h 1103323"/>
+              <a:gd name="connsiteX7" fmla="*/ 209211 w 1655785"/>
+              <a:gd name="connsiteY7" fmla="*/ 599794 h 1103323"/>
+              <a:gd name="connsiteX8" fmla="*/ 378315 w 1655785"/>
+              <a:gd name="connsiteY8" fmla="*/ 616841 h 1103323"/>
+              <a:gd name="connsiteX9" fmla="*/ 1179673 w 1655785"/>
+              <a:gd name="connsiteY9" fmla="*/ 27277 h 1103323"/>
+            </a:gdLst>
+            <a:ahLst/>
+            <a:cxnLst>
+              <a:cxn ang="0">
+                <a:pos x="connsiteX0" y="connsiteY0"/>
+              </a:cxn>
+              <a:cxn ang="0">
+                <a:pos x="connsiteX1" y="connsiteY1"/>
+              </a:cxn>
+              <a:cxn ang="0">
+                <a:pos x="connsiteX2" y="connsiteY2"/>
+              </a:cxn>
+              <a:cxn ang="0">
+                <a:pos x="connsiteX3" y="connsiteY3"/>
+              </a:cxn>
+              <a:cxn ang="0">
+                <a:pos x="connsiteX4" y="connsiteY4"/>
+              </a:cxn>
+              <a:cxn ang="0">
+                <a:pos x="connsiteX5" y="connsiteY5"/>
+              </a:cxn>
+              <a:cxn ang="0">
+                <a:pos x="connsiteX6" y="connsiteY6"/>
+              </a:cxn>
+              <a:cxn ang="0">
+                <a:pos x="connsiteX7" y="connsiteY7"/>
+              </a:cxn>
+              <a:cxn ang="0">
+                <a:pos x="connsiteX8" y="connsiteY8"/>
+              </a:cxn>
+              <a:cxn ang="0">
+                <a:pos x="connsiteX9" y="connsiteY9"/>
+              </a:cxn>
+            </a:cxnLst>
+            <a:rect l="l" t="t" r="r" b="b"/>
+            <a:pathLst>
+              <a:path w="1655785" h="1103323">
+                <a:moveTo>
+                  <a:pt x="1186686" y="0"/>
+                </a:moveTo>
+                <a:lnTo>
+                  <a:pt x="1655785" y="127214"/>
+                </a:lnTo>
+                <a:lnTo>
+                  <a:pt x="1644285" y="171942"/>
+                </a:lnTo>
+                <a:cubicBezTo>
+                  <a:pt x="1476453" y="711537"/>
+                  <a:pt x="973138" y="1103323"/>
+                  <a:pt x="378316" y="1103323"/>
+                </a:cubicBezTo>
+                <a:cubicBezTo>
+                  <a:pt x="286805" y="1103323"/>
+                  <a:pt x="197460" y="1094050"/>
+                  <a:pt x="111169" y="1076393"/>
+                </a:cubicBezTo>
+                <a:lnTo>
+                  <a:pt x="0" y="1047808"/>
+                </a:lnTo>
+                <a:lnTo>
+                  <a:pt x="128883" y="579140"/>
+                </a:lnTo>
+                <a:lnTo>
+                  <a:pt x="209211" y="599794"/>
+                </a:lnTo>
+                <a:cubicBezTo>
+                  <a:pt x="263833" y="610971"/>
+                  <a:pt x="320389" y="616841"/>
+                  <a:pt x="378315" y="616841"/>
+                </a:cubicBezTo>
+                <a:cubicBezTo>
+                  <a:pt x="754838" y="616841"/>
+                  <a:pt x="1073436" y="368841"/>
+                  <a:pt x="1179673" y="27277"/>
+                </a:cubicBezTo>
+                <a:close/>
+              </a:path>
+            </a:pathLst>
+          </a:custGeom>
+          <a:solidFill>
+            <a:srgbClr val="94AE52"/>
+          </a:solidFill>
+          <a:ln w="12700" cap="flat" cmpd="sng" algn="ctr">
+            <a:noFill/>
+            <a:prstDash val="solid"/>
+            <a:miter lim="800000"/>
+          </a:ln>
+          <a:effectLst/>
+        </p:spPr>
+        <p:txBody>
+          <a:bodyPr wrap="square" rtlCol="0" anchor="ctr">
+            <a:noAutofit/>
+          </a:bodyPr>
+          <a:lstStyle/>
+          <a:p>
+            <a:pPr marL="0" marR="0" lvl="0" indent="0" algn="ctr" defTabSz="914400" eaLnBrk="1" fontAlgn="auto" latinLnBrk="0" hangingPunct="1">
+              <a:lnSpc>
+                <a:spcPct val="100000"/>
+              </a:lnSpc>
+              <a:spcBef>
+                <a:spcPts val="0"/>
+              </a:spcBef>
+              <a:spcAft>
+                <a:spcPts val="0"/>
+              </a:spcAft>
+              <a:buClrTx/>
+              <a:buSzTx/>
+              <a:buFontTx/>
+              <a:buNone/>
+              <a:tabLst/>
+              <a:defRPr/>
+            </a:pPr>
+            <a:endParaRPr kumimoji="0" lang="en-US" sz="1800" b="0" i="0" u="none" strike="noStrike" kern="0" cap="none" spc="0" normalizeH="0" baseline="0" noProof="0">
+              <a:ln>
+                <a:noFill/>
+              </a:ln>
+              <a:solidFill>
+                <a:prstClr val="white"/>
+              </a:solidFill>
+              <a:effectLst/>
+              <a:uLnTx/>
+              <a:uFillTx/>
+              <a:latin typeface="Calibri" panose="020F0502020204030204"/>
+              <a:ea typeface="+mn-ea"/>
+              <a:cs typeface="+mn-cs"/>
+            </a:endParaRPr>
+          </a:p>
+        </p:txBody>
+      </p:sp>
+      <p:sp>
+        <p:nvSpPr>
+          <p:cNvPr id="11" name="Freeform: Shape 10">
+            <a:extLst>
+              <a:ext uri="{FF2B5EF4-FFF2-40B4-BE49-F238E27FC236}">
+                <a16:creationId xmlns:a16="http://schemas.microsoft.com/office/drawing/2014/main" id="{96E4E202-4AC9-4B42-B233-9D92B4921F63}"/>
+              </a:ext>
+            </a:extLst>
+          </p:cNvPr>
+          <p:cNvSpPr/>
+          <p:nvPr/>
+        </p:nvSpPr>
+        <p:spPr>
+          <a:xfrm>
+            <a:off x="4876966" y="3641874"/>
+            <a:ext cx="1040910" cy="1631979"/>
+          </a:xfrm>
+          <a:custGeom>
+            <a:avLst/>
+            <a:gdLst>
+              <a:gd name="connsiteX0" fmla="*/ 52383 w 1040910"/>
+              <a:gd name="connsiteY0" fmla="*/ 0 h 1631979"/>
+              <a:gd name="connsiteX1" fmla="*/ 528340 w 1040910"/>
+              <a:gd name="connsiteY1" fmla="*/ 117100 h 1631979"/>
+              <a:gd name="connsiteX2" fmla="*/ 503528 w 1040910"/>
+              <a:gd name="connsiteY2" fmla="*/ 197030 h 1631979"/>
+              <a:gd name="connsiteX3" fmla="*/ 486481 w 1040910"/>
+              <a:gd name="connsiteY3" fmla="*/ 366134 h 1631979"/>
+              <a:gd name="connsiteX4" fmla="*/ 998954 w 1040910"/>
+              <a:gd name="connsiteY4" fmla="*/ 1139276 h 1631979"/>
+              <a:gd name="connsiteX5" fmla="*/ 1040910 w 1040910"/>
+              <a:gd name="connsiteY5" fmla="*/ 1154632 h 1631979"/>
+              <a:gd name="connsiteX6" fmla="*/ 931045 w 1040910"/>
+              <a:gd name="connsiteY6" fmla="*/ 1631979 h 1631979"/>
+              <a:gd name="connsiteX7" fmla="*/ 809594 w 1040910"/>
+              <a:gd name="connsiteY7" fmla="*/ 1587528 h 1631979"/>
+              <a:gd name="connsiteX8" fmla="*/ 0 w 1040910"/>
+              <a:gd name="connsiteY8" fmla="*/ 366134 h 1631979"/>
+              <a:gd name="connsiteX9" fmla="*/ 26931 w 1040910"/>
+              <a:gd name="connsiteY9" fmla="*/ 98987 h 1631979"/>
+            </a:gdLst>
+            <a:ahLst/>
+            <a:cxnLst>
+              <a:cxn ang="0">
+                <a:pos x="connsiteX0" y="connsiteY0"/>
+              </a:cxn>
+              <a:cxn ang="0">
+                <a:pos x="connsiteX1" y="connsiteY1"/>
+              </a:cxn>
+              <a:cxn ang="0">
+                <a:pos x="connsiteX2" y="connsiteY2"/>
+              </a:cxn>
+              <a:cxn ang="0">
+                <a:pos x="connsiteX3" y="connsiteY3"/>
+              </a:cxn>
+              <a:cxn ang="0">
+                <a:pos x="connsiteX4" y="connsiteY4"/>
+              </a:cxn>
+              <a:cxn ang="0">
+                <a:pos x="connsiteX5" y="connsiteY5"/>
+              </a:cxn>
+              <a:cxn ang="0">
+                <a:pos x="connsiteX6" y="connsiteY6"/>
+              </a:cxn>
+              <a:cxn ang="0">
+                <a:pos x="connsiteX7" y="connsiteY7"/>
+              </a:cxn>
+              <a:cxn ang="0">
+                <a:pos x="connsiteX8" y="connsiteY8"/>
+              </a:cxn>
+              <a:cxn ang="0">
+                <a:pos x="connsiteX9" y="connsiteY9"/>
+              </a:cxn>
+            </a:cxnLst>
+            <a:rect l="l" t="t" r="r" b="b"/>
+            <a:pathLst>
+              <a:path w="1040910" h="1631979">
+                <a:moveTo>
+                  <a:pt x="52383" y="0"/>
+                </a:moveTo>
+                <a:lnTo>
+                  <a:pt x="528340" y="117100"/>
+                </a:lnTo>
+                <a:lnTo>
+                  <a:pt x="503528" y="197030"/>
+                </a:lnTo>
+                <a:cubicBezTo>
+                  <a:pt x="492351" y="251652"/>
+                  <a:pt x="486481" y="308208"/>
+                  <a:pt x="486481" y="366134"/>
+                </a:cubicBezTo>
+                <a:cubicBezTo>
+                  <a:pt x="486481" y="713693"/>
+                  <a:pt x="697795" y="1011897"/>
+                  <a:pt x="998954" y="1139276"/>
+                </a:cubicBezTo>
+                <a:lnTo>
+                  <a:pt x="1040910" y="1154632"/>
+                </a:lnTo>
+                <a:lnTo>
+                  <a:pt x="931045" y="1631979"/>
+                </a:lnTo>
+                <a:lnTo>
+                  <a:pt x="809594" y="1587528"/>
+                </a:lnTo>
+                <a:cubicBezTo>
+                  <a:pt x="333830" y="1386296"/>
+                  <a:pt x="0" y="915200"/>
+                  <a:pt x="0" y="366134"/>
+                </a:cubicBezTo>
+                <a:cubicBezTo>
+                  <a:pt x="0" y="274623"/>
+                  <a:pt x="9273" y="185278"/>
+                  <a:pt x="26931" y="98987"/>
+                </a:cubicBezTo>
+                <a:close/>
+              </a:path>
+            </a:pathLst>
+          </a:custGeom>
+          <a:solidFill>
+            <a:srgbClr val="2CB5EC"/>
+          </a:solidFill>
+          <a:ln w="12700" cap="flat" cmpd="sng" algn="ctr">
+            <a:noFill/>
+            <a:prstDash val="solid"/>
+            <a:miter lim="800000"/>
+          </a:ln>
+          <a:effectLst/>
+        </p:spPr>
+        <p:txBody>
+          <a:bodyPr wrap="square" rtlCol="0" anchor="ctr">
+            <a:noAutofit/>
+          </a:bodyPr>
+          <a:lstStyle/>
+          <a:p>
+            <a:pPr marL="0" marR="0" lvl="0" indent="0" algn="ctr" defTabSz="914400" eaLnBrk="1" fontAlgn="auto" latinLnBrk="0" hangingPunct="1">
+              <a:lnSpc>
+                <a:spcPct val="100000"/>
+              </a:lnSpc>
+              <a:spcBef>
+                <a:spcPts val="0"/>
+              </a:spcBef>
+              <a:spcAft>
+                <a:spcPts val="0"/>
+              </a:spcAft>
+              <a:buClrTx/>
+              <a:buSzTx/>
+              <a:buFontTx/>
+              <a:buNone/>
+              <a:tabLst/>
+              <a:defRPr/>
+            </a:pPr>
+            <a:endParaRPr kumimoji="0" lang="en-US" sz="1800" b="0" i="0" u="none" strike="noStrike" kern="0" cap="none" spc="0" normalizeH="0" baseline="0" noProof="0">
+              <a:ln>
+                <a:noFill/>
+              </a:ln>
+              <a:solidFill>
+                <a:prstClr val="black"/>
+              </a:solidFill>
+              <a:effectLst/>
+              <a:uLnTx/>
+              <a:uFillTx/>
+              <a:latin typeface="Calibri" panose="020F0502020204030204"/>
+              <a:ea typeface="+mn-ea"/>
+              <a:cs typeface="+mn-cs"/>
+            </a:endParaRPr>
+          </a:p>
+        </p:txBody>
+      </p:sp>
+      <p:sp>
+        <p:nvSpPr>
+          <p:cNvPr id="12" name="Isosceles Triangle 11">
+            <a:extLst>
+              <a:ext uri="{FF2B5EF4-FFF2-40B4-BE49-F238E27FC236}">
+                <a16:creationId xmlns:a16="http://schemas.microsoft.com/office/drawing/2014/main" id="{AEDAC3FB-746C-455D-B20F-730A2B462F4D}"/>
+              </a:ext>
+            </a:extLst>
+          </p:cNvPr>
+          <p:cNvSpPr/>
+          <p:nvPr/>
+        </p:nvSpPr>
+        <p:spPr>
+          <a:xfrm rot="900000">
+            <a:off x="4790446" y="3370902"/>
+            <a:ext cx="849312" cy="457200"/>
+          </a:xfrm>
+          <a:prstGeom prst="triangle">
+            <a:avLst/>
+          </a:prstGeom>
+          <a:solidFill>
+            <a:srgbClr val="2CB5EC"/>
+          </a:solidFill>
+          <a:ln w="12700" cap="flat" cmpd="sng" algn="ctr">
+            <a:noFill/>
+            <a:prstDash val="solid"/>
+            <a:miter lim="800000"/>
+          </a:ln>
+          <a:effectLst/>
+        </p:spPr>
+        <p:txBody>
+          <a:bodyPr rtlCol="0" anchor="ctr"/>
+          <a:lstStyle/>
+          <a:p>
+            <a:pPr marL="0" marR="0" lvl="0" indent="0" algn="ctr" defTabSz="914400" eaLnBrk="1" fontAlgn="auto" latinLnBrk="0" hangingPunct="1">
+              <a:lnSpc>
+                <a:spcPct val="100000"/>
+              </a:lnSpc>
+              <a:spcBef>
+                <a:spcPts val="0"/>
+              </a:spcBef>
+              <a:spcAft>
+                <a:spcPts val="0"/>
+              </a:spcAft>
+              <a:buClrTx/>
+              <a:buSzTx/>
+              <a:buFontTx/>
+              <a:buNone/>
+              <a:tabLst/>
+              <a:defRPr/>
+            </a:pPr>
+            <a:endParaRPr kumimoji="0" lang="en-US" sz="1800" b="0" i="0" u="none" strike="noStrike" kern="0" cap="none" spc="0" normalizeH="0" baseline="0" noProof="0">
+              <a:ln>
+                <a:noFill/>
+              </a:ln>
+              <a:solidFill>
+                <a:prstClr val="white"/>
+              </a:solidFill>
+              <a:effectLst/>
+              <a:uLnTx/>
+              <a:uFillTx/>
+              <a:latin typeface="Calibri" panose="020F0502020204030204"/>
+              <a:ea typeface="+mn-ea"/>
+              <a:cs typeface="+mn-cs"/>
+            </a:endParaRPr>
+          </a:p>
+        </p:txBody>
+      </p:sp>
+      <p:sp>
+        <p:nvSpPr>
+          <p:cNvPr id="13" name="Isosceles Triangle 12">
+            <a:extLst>
+              <a:ext uri="{FF2B5EF4-FFF2-40B4-BE49-F238E27FC236}">
+                <a16:creationId xmlns:a16="http://schemas.microsoft.com/office/drawing/2014/main" id="{41B7B77D-C21F-4061-9B51-35D24254F456}"/>
+              </a:ext>
+            </a:extLst>
+          </p:cNvPr>
+          <p:cNvSpPr/>
+          <p:nvPr/>
+        </p:nvSpPr>
+        <p:spPr>
+          <a:xfrm rot="6300000">
+            <a:off x="6189828" y="2795431"/>
+            <a:ext cx="849312" cy="457200"/>
+          </a:xfrm>
+          <a:prstGeom prst="triangle">
+            <a:avLst/>
+          </a:prstGeom>
+          <a:solidFill>
+            <a:srgbClr val="B22C16"/>
+          </a:solidFill>
+          <a:ln w="12700" cap="flat" cmpd="sng" algn="ctr">
+            <a:noFill/>
+            <a:prstDash val="solid"/>
+            <a:miter lim="800000"/>
+          </a:ln>
+          <a:effectLst/>
+        </p:spPr>
+        <p:txBody>
+          <a:bodyPr rtlCol="0" anchor="ctr"/>
+          <a:lstStyle/>
+          <a:p>
+            <a:pPr marL="0" marR="0" lvl="0" indent="0" algn="ctr" defTabSz="914400" eaLnBrk="1" fontAlgn="auto" latinLnBrk="0" hangingPunct="1">
+              <a:lnSpc>
+                <a:spcPct val="100000"/>
+              </a:lnSpc>
+              <a:spcBef>
+                <a:spcPts val="0"/>
+              </a:spcBef>
+              <a:spcAft>
+                <a:spcPts val="0"/>
+              </a:spcAft>
+              <a:buClrTx/>
+              <a:buSzTx/>
+              <a:buFontTx/>
+              <a:buNone/>
+              <a:tabLst/>
+              <a:defRPr/>
+            </a:pPr>
+            <a:endParaRPr kumimoji="0" lang="en-US" sz="1800" b="0" i="0" u="none" strike="noStrike" kern="0" cap="none" spc="0" normalizeH="0" baseline="0" noProof="0" dirty="0">
+              <a:ln>
+                <a:noFill/>
+              </a:ln>
+              <a:solidFill>
+                <a:prstClr val="white"/>
+              </a:solidFill>
+              <a:effectLst/>
+              <a:uLnTx/>
+              <a:uFillTx/>
+              <a:latin typeface="Calibri" panose="020F0502020204030204"/>
+              <a:ea typeface="+mn-ea"/>
+              <a:cs typeface="+mn-cs"/>
+            </a:endParaRPr>
+          </a:p>
+        </p:txBody>
+      </p:sp>
+      <p:sp>
+        <p:nvSpPr>
+          <p:cNvPr id="14" name="Isosceles Triangle 13">
+            <a:extLst>
+              <a:ext uri="{FF2B5EF4-FFF2-40B4-BE49-F238E27FC236}">
+                <a16:creationId xmlns:a16="http://schemas.microsoft.com/office/drawing/2014/main" id="{68703719-A602-4594-9126-6215436735C6}"/>
+              </a:ext>
+            </a:extLst>
+          </p:cNvPr>
+          <p:cNvSpPr/>
+          <p:nvPr/>
+        </p:nvSpPr>
+        <p:spPr>
+          <a:xfrm rot="11700000">
+            <a:off x="6765299" y="4191365"/>
+            <a:ext cx="849312" cy="457200"/>
+          </a:xfrm>
+          <a:prstGeom prst="triangle">
+            <a:avLst/>
+          </a:prstGeom>
+          <a:solidFill>
+            <a:srgbClr val="E68208"/>
+          </a:solidFill>
+          <a:ln w="12700" cap="flat" cmpd="sng" algn="ctr">
+            <a:noFill/>
+            <a:prstDash val="solid"/>
+            <a:miter lim="800000"/>
+          </a:ln>
+          <a:effectLst/>
+        </p:spPr>
+        <p:txBody>
+          <a:bodyPr rtlCol="0" anchor="ctr"/>
+          <a:lstStyle/>
+          <a:p>
+            <a:pPr marL="0" marR="0" lvl="0" indent="0" algn="ctr" defTabSz="914400" eaLnBrk="1" fontAlgn="auto" latinLnBrk="0" hangingPunct="1">
+              <a:lnSpc>
+                <a:spcPct val="100000"/>
+              </a:lnSpc>
+              <a:spcBef>
+                <a:spcPts val="0"/>
+              </a:spcBef>
+              <a:spcAft>
+                <a:spcPts val="0"/>
+              </a:spcAft>
+              <a:buClrTx/>
+              <a:buSzTx/>
+              <a:buFontTx/>
+              <a:buNone/>
+              <a:tabLst/>
+              <a:defRPr/>
+            </a:pPr>
+            <a:endParaRPr kumimoji="0" lang="en-US" sz="1800" b="0" i="0" u="none" strike="noStrike" kern="0" cap="none" spc="0" normalizeH="0" baseline="0" noProof="0">
+              <a:ln>
+                <a:noFill/>
+              </a:ln>
+              <a:solidFill>
+                <a:prstClr val="white"/>
+              </a:solidFill>
+              <a:effectLst/>
+              <a:uLnTx/>
+              <a:uFillTx/>
+              <a:latin typeface="Calibri" panose="020F0502020204030204"/>
+              <a:ea typeface="+mn-ea"/>
+              <a:cs typeface="+mn-cs"/>
+            </a:endParaRPr>
+          </a:p>
+        </p:txBody>
+      </p:sp>
+      <p:sp>
+        <p:nvSpPr>
+          <p:cNvPr id="15" name="Isosceles Triangle 14">
+            <a:extLst>
+              <a:ext uri="{FF2B5EF4-FFF2-40B4-BE49-F238E27FC236}">
+                <a16:creationId xmlns:a16="http://schemas.microsoft.com/office/drawing/2014/main" id="{ECE30154-9C43-453F-8D19-2C316EE6038C}"/>
+              </a:ext>
+            </a:extLst>
+          </p:cNvPr>
+          <p:cNvSpPr/>
+          <p:nvPr/>
+        </p:nvSpPr>
+        <p:spPr>
+          <a:xfrm rot="17100000">
+            <a:off x="5364358" y="4770292"/>
+            <a:ext cx="849312" cy="457200"/>
+          </a:xfrm>
+          <a:prstGeom prst="triangle">
+            <a:avLst/>
+          </a:prstGeom>
+          <a:solidFill>
+            <a:srgbClr val="94AE52"/>
+          </a:solidFill>
+          <a:ln w="12700" cap="flat" cmpd="sng" algn="ctr">
+            <a:noFill/>
+            <a:prstDash val="solid"/>
+            <a:miter lim="800000"/>
+          </a:ln>
+          <a:effectLst/>
+        </p:spPr>
+        <p:txBody>
+          <a:bodyPr rtlCol="0" anchor="ctr"/>
+          <a:lstStyle/>
+          <a:p>
+            <a:pPr marL="0" marR="0" lvl="0" indent="0" algn="ctr" defTabSz="914400" eaLnBrk="1" fontAlgn="auto" latinLnBrk="0" hangingPunct="1">
+              <a:lnSpc>
+                <a:spcPct val="100000"/>
+              </a:lnSpc>
+              <a:spcBef>
+                <a:spcPts val="0"/>
+              </a:spcBef>
+              <a:spcAft>
+                <a:spcPts val="0"/>
+              </a:spcAft>
+              <a:buClrTx/>
+              <a:buSzTx/>
+              <a:buFontTx/>
+              <a:buNone/>
+              <a:tabLst/>
+              <a:defRPr/>
+            </a:pPr>
+            <a:endParaRPr kumimoji="0" lang="en-US" sz="1800" b="0" i="0" u="none" strike="noStrike" kern="0" cap="none" spc="0" normalizeH="0" baseline="0" noProof="0">
+              <a:ln>
+                <a:noFill/>
+              </a:ln>
+              <a:solidFill>
+                <a:prstClr val="white"/>
+              </a:solidFill>
+              <a:effectLst/>
+              <a:uLnTx/>
+              <a:uFillTx/>
+              <a:latin typeface="Calibri" panose="020F0502020204030204"/>
+              <a:ea typeface="+mn-ea"/>
+              <a:cs typeface="+mn-cs"/>
+            </a:endParaRPr>
+          </a:p>
+        </p:txBody>
+      </p:sp>
+      <p:grpSp>
+        <p:nvGrpSpPr>
+          <p:cNvPr id="16" name="Group 15">
+            <a:extLst>
+              <a:ext uri="{FF2B5EF4-FFF2-40B4-BE49-F238E27FC236}">
+                <a16:creationId xmlns:a16="http://schemas.microsoft.com/office/drawing/2014/main" id="{0389F90C-71BA-4BCC-AA10-5510273BDA97}"/>
+              </a:ext>
+            </a:extLst>
+          </p:cNvPr>
+          <p:cNvGrpSpPr/>
+          <p:nvPr/>
+        </p:nvGrpSpPr>
+        <p:grpSpPr>
+          <a:xfrm>
+            <a:off x="9034012" y="4342697"/>
+            <a:ext cx="2926080" cy="1474819"/>
+            <a:chOff x="8921977" y="4073386"/>
+            <a:chExt cx="2926080" cy="1474819"/>
+          </a:xfrm>
+        </p:grpSpPr>
+        <p:sp>
+          <p:nvSpPr>
+            <p:cNvPr id="17" name="TextBox 16">
+              <a:extLst>
+                <a:ext uri="{FF2B5EF4-FFF2-40B4-BE49-F238E27FC236}">
+                  <a16:creationId xmlns:a16="http://schemas.microsoft.com/office/drawing/2014/main" id="{645EF0AC-FD9D-4397-B176-95ACF0676CD9}"/>
+                </a:ext>
+              </a:extLst>
+            </p:cNvPr>
+            <p:cNvSpPr txBox="1"/>
+            <p:nvPr/>
+          </p:nvSpPr>
+          <p:spPr>
+            <a:xfrm>
+              <a:off x="8921977" y="4073386"/>
+              <a:ext cx="2926080" cy="461665"/>
+            </a:xfrm>
+            <a:prstGeom prst="rect">
+              <a:avLst/>
+            </a:prstGeom>
+            <a:noFill/>
+          </p:spPr>
+          <p:txBody>
+            <a:bodyPr wrap="square" lIns="0" rIns="0" rtlCol="0" anchor="b">
+              <a:spAutoFit/>
+            </a:bodyPr>
+            <a:lstStyle/>
+            <a:p>
+              <a:pPr marL="0" marR="0" lvl="0" indent="0" defTabSz="914400" eaLnBrk="1" fontAlgn="auto" latinLnBrk="0" hangingPunct="1">
+                <a:lnSpc>
+                  <a:spcPct val="100000"/>
+                </a:lnSpc>
+                <a:spcBef>
+                  <a:spcPts val="0"/>
+                </a:spcBef>
+                <a:spcAft>
+                  <a:spcPts val="0"/>
+                </a:spcAft>
+                <a:buClrTx/>
+                <a:buSzTx/>
+                <a:buFontTx/>
+                <a:buNone/>
+                <a:tabLst/>
+                <a:defRPr/>
+              </a:pPr>
+              <a:r>
+                <a:rPr kumimoji="0" lang="en-US" sz="2400" b="1" i="0" u="none" strike="noStrike" kern="0" cap="none" spc="0" normalizeH="0" baseline="0" noProof="1">
+                  <a:ln>
+                    <a:noFill/>
+                  </a:ln>
+                  <a:solidFill>
+                    <a:prstClr val="white"/>
+                  </a:solidFill>
+                  <a:effectLst/>
+                  <a:uLnTx/>
+                  <a:uFillTx/>
+                </a:rPr>
+                <a:t>Zeitaufwand</a:t>
+              </a:r>
+            </a:p>
+          </p:txBody>
+        </p:sp>
+        <p:sp>
+          <p:nvSpPr>
+            <p:cNvPr id="18" name="TextBox 17">
+              <a:extLst>
+                <a:ext uri="{FF2B5EF4-FFF2-40B4-BE49-F238E27FC236}">
+                  <a16:creationId xmlns:a16="http://schemas.microsoft.com/office/drawing/2014/main" id="{283762F5-D83E-4C95-B9E6-4F4255D986FC}"/>
+                </a:ext>
+              </a:extLst>
+            </p:cNvPr>
+            <p:cNvSpPr txBox="1"/>
+            <p:nvPr/>
+          </p:nvSpPr>
+          <p:spPr>
+            <a:xfrm>
+              <a:off x="8921977" y="4532542"/>
+              <a:ext cx="2926080" cy="1015663"/>
+            </a:xfrm>
+            <a:prstGeom prst="rect">
+              <a:avLst/>
+            </a:prstGeom>
+            <a:noFill/>
+          </p:spPr>
+          <p:txBody>
+            <a:bodyPr wrap="square" lIns="0" rIns="0" rtlCol="0" anchor="t">
+              <a:spAutoFit/>
+            </a:bodyPr>
+            <a:lstStyle/>
+            <a:p>
+              <a:pPr marL="171450" marR="0" lvl="0" indent="-171450" algn="just" defTabSz="914400" eaLnBrk="1" fontAlgn="auto" latinLnBrk="0" hangingPunct="1">
+                <a:lnSpc>
+                  <a:spcPct val="100000"/>
+                </a:lnSpc>
+                <a:spcBef>
+                  <a:spcPts val="0"/>
+                </a:spcBef>
+                <a:spcAft>
+                  <a:spcPts val="0"/>
+                </a:spcAft>
+                <a:buClrTx/>
+                <a:buSzTx/>
+                <a:buFont typeface="Arial" panose="020B0604020202020204" pitchFamily="34" charset="0"/>
+                <a:buChar char="•"/>
+                <a:tabLst/>
+                <a:defRPr/>
+              </a:pPr>
+              <a:r>
+                <a:rPr kumimoji="0" lang="en-US" sz="1200" b="0" i="0" u="none" strike="noStrike" kern="0" cap="none" spc="0" normalizeH="0" baseline="0" noProof="1">
+                  <a:ln>
+                    <a:noFill/>
+                  </a:ln>
+                  <a:solidFill>
+                    <a:prstClr val="white">
+                      <a:lumMod val="75000"/>
+                    </a:prstClr>
+                  </a:solidFill>
+                  <a:effectLst/>
+                  <a:uLnTx/>
+                  <a:uFillTx/>
+                </a:rPr>
+                <a:t>Nicht comperativ</a:t>
+              </a:r>
+            </a:p>
+            <a:p>
+              <a:pPr marL="171450" marR="0" lvl="0" indent="-171450" algn="just" defTabSz="914400" eaLnBrk="1" fontAlgn="auto" latinLnBrk="0" hangingPunct="1">
+                <a:lnSpc>
+                  <a:spcPct val="100000"/>
+                </a:lnSpc>
+                <a:spcBef>
+                  <a:spcPts val="0"/>
+                </a:spcBef>
+                <a:spcAft>
+                  <a:spcPts val="0"/>
+                </a:spcAft>
+                <a:buClrTx/>
+                <a:buSzTx/>
+                <a:buFont typeface="Arial" panose="020B0604020202020204" pitchFamily="34" charset="0"/>
+                <a:buChar char="•"/>
+                <a:tabLst/>
+                <a:defRPr/>
+              </a:pPr>
+              <a:r>
+                <a:rPr kumimoji="0" lang="en-US" sz="1200" b="0" i="0" u="none" strike="noStrike" kern="0" cap="none" spc="0" normalizeH="0" baseline="0" noProof="1">
+                  <a:ln>
+                    <a:noFill/>
+                  </a:ln>
+                  <a:solidFill>
+                    <a:prstClr val="white">
+                      <a:lumMod val="75000"/>
+                    </a:prstClr>
+                  </a:solidFill>
+                  <a:effectLst/>
+                  <a:uLnTx/>
+                  <a:uFillTx/>
+                </a:rPr>
+                <a:t>Worst case: O(d(n+b))</a:t>
+              </a:r>
+            </a:p>
+            <a:p>
+              <a:pPr marL="171450" marR="0" lvl="0" indent="-171450" algn="just" defTabSz="914400" eaLnBrk="1" fontAlgn="auto" latinLnBrk="0" hangingPunct="1">
+                <a:lnSpc>
+                  <a:spcPct val="100000"/>
+                </a:lnSpc>
+                <a:spcBef>
+                  <a:spcPts val="0"/>
+                </a:spcBef>
+                <a:spcAft>
+                  <a:spcPts val="0"/>
+                </a:spcAft>
+                <a:buClrTx/>
+                <a:buSzTx/>
+                <a:buFont typeface="Symbol" panose="05050102010706020507" pitchFamily="18" charset="2"/>
+                <a:buChar char="-"/>
+                <a:tabLst/>
+                <a:defRPr/>
+              </a:pPr>
+              <a:r>
+                <a:rPr kumimoji="0" lang="en-US" sz="1200" b="0" i="0" u="none" strike="noStrike" kern="0" cap="none" spc="0" normalizeH="0" baseline="0" noProof="1">
+                  <a:ln>
+                    <a:noFill/>
+                  </a:ln>
+                  <a:solidFill>
+                    <a:prstClr val="white">
+                      <a:lumMod val="75000"/>
+                    </a:prstClr>
+                  </a:solidFill>
+                  <a:effectLst/>
+                  <a:uLnTx/>
+                  <a:uFillTx/>
+                </a:rPr>
+                <a:t>n die Anzahl an Elementen.</a:t>
+              </a:r>
+            </a:p>
+            <a:p>
+              <a:pPr marL="171450" marR="0" lvl="0" indent="-171450" algn="just" defTabSz="914400" eaLnBrk="1" fontAlgn="auto" latinLnBrk="0" hangingPunct="1">
+                <a:lnSpc>
+                  <a:spcPct val="100000"/>
+                </a:lnSpc>
+                <a:spcBef>
+                  <a:spcPts val="0"/>
+                </a:spcBef>
+                <a:spcAft>
+                  <a:spcPts val="0"/>
+                </a:spcAft>
+                <a:buClrTx/>
+                <a:buSzTx/>
+                <a:buFont typeface="Symbol" panose="05050102010706020507" pitchFamily="18" charset="2"/>
+                <a:buChar char="-"/>
+                <a:tabLst/>
+                <a:defRPr/>
+              </a:pPr>
+              <a:r>
+                <a:rPr kumimoji="0" lang="en-US" sz="1200" b="0" i="0" u="none" strike="noStrike" kern="0" cap="none" spc="0" normalizeH="0" baseline="0" noProof="1">
+                  <a:ln>
+                    <a:noFill/>
+                  </a:ln>
+                  <a:solidFill>
+                    <a:prstClr val="white">
+                      <a:lumMod val="75000"/>
+                    </a:prstClr>
+                  </a:solidFill>
+                  <a:effectLst/>
+                  <a:uLnTx/>
+                  <a:uFillTx/>
+                </a:rPr>
+                <a:t>d die jeweiligen Stellen des Elements.</a:t>
+              </a:r>
+            </a:p>
+            <a:p>
+              <a:pPr marL="171450" marR="0" lvl="0" indent="-171450" algn="just" defTabSz="914400" eaLnBrk="1" fontAlgn="auto" latinLnBrk="0" hangingPunct="1">
+                <a:lnSpc>
+                  <a:spcPct val="100000"/>
+                </a:lnSpc>
+                <a:spcBef>
+                  <a:spcPts val="0"/>
+                </a:spcBef>
+                <a:spcAft>
+                  <a:spcPts val="0"/>
+                </a:spcAft>
+                <a:buClrTx/>
+                <a:buSzTx/>
+                <a:buFont typeface="Symbol" panose="05050102010706020507" pitchFamily="18" charset="2"/>
+                <a:buChar char="-"/>
+                <a:tabLst/>
+                <a:defRPr/>
+              </a:pPr>
+              <a:r>
+                <a:rPr kumimoji="0" lang="en-US" sz="1200" b="0" i="0" u="none" strike="noStrike" kern="0" cap="none" spc="0" normalizeH="0" baseline="0" noProof="1">
+                  <a:ln>
+                    <a:noFill/>
+                  </a:ln>
+                  <a:solidFill>
+                    <a:prstClr val="white">
+                      <a:lumMod val="75000"/>
+                    </a:prstClr>
+                  </a:solidFill>
+                  <a:effectLst/>
+                  <a:uLnTx/>
+                  <a:uFillTx/>
+                </a:rPr>
+                <a:t>b die Anzahl an Schlüsseln.</a:t>
+              </a:r>
+            </a:p>
+          </p:txBody>
+        </p:sp>
+      </p:grpSp>
+      <p:grpSp>
+        <p:nvGrpSpPr>
+          <p:cNvPr id="19" name="Group 18">
+            <a:extLst>
+              <a:ext uri="{FF2B5EF4-FFF2-40B4-BE49-F238E27FC236}">
+                <a16:creationId xmlns:a16="http://schemas.microsoft.com/office/drawing/2014/main" id="{9A059BCA-AAB3-4743-8D43-07AE31B7C7B5}"/>
+              </a:ext>
+            </a:extLst>
+          </p:cNvPr>
+          <p:cNvGrpSpPr/>
+          <p:nvPr/>
+        </p:nvGrpSpPr>
+        <p:grpSpPr>
+          <a:xfrm>
+            <a:off x="444971" y="4342697"/>
+            <a:ext cx="2926080" cy="1290153"/>
+            <a:chOff x="332936" y="4652338"/>
+            <a:chExt cx="2926080" cy="1290153"/>
+          </a:xfrm>
+        </p:grpSpPr>
+        <p:sp>
+          <p:nvSpPr>
+            <p:cNvPr id="20" name="TextBox 19">
+              <a:extLst>
+                <a:ext uri="{FF2B5EF4-FFF2-40B4-BE49-F238E27FC236}">
+                  <a16:creationId xmlns:a16="http://schemas.microsoft.com/office/drawing/2014/main" id="{A14DE685-34B3-404B-A2E2-A2CC2CBEC963}"/>
+                </a:ext>
+              </a:extLst>
+            </p:cNvPr>
+            <p:cNvSpPr txBox="1"/>
+            <p:nvPr/>
+          </p:nvSpPr>
+          <p:spPr>
+            <a:xfrm>
+              <a:off x="332936" y="4652338"/>
+              <a:ext cx="2926080" cy="461665"/>
+            </a:xfrm>
+            <a:prstGeom prst="rect">
+              <a:avLst/>
+            </a:prstGeom>
+            <a:noFill/>
+          </p:spPr>
+          <p:txBody>
+            <a:bodyPr wrap="square" lIns="0" rIns="0" rtlCol="0" anchor="b">
+              <a:spAutoFit/>
+            </a:bodyPr>
+            <a:lstStyle/>
+            <a:p>
+              <a:pPr marL="0" marR="0" lvl="0" indent="0" algn="r" defTabSz="914400" eaLnBrk="1" fontAlgn="auto" latinLnBrk="0" hangingPunct="1">
+                <a:lnSpc>
+                  <a:spcPct val="100000"/>
+                </a:lnSpc>
+                <a:spcBef>
+                  <a:spcPts val="0"/>
+                </a:spcBef>
+                <a:spcAft>
+                  <a:spcPts val="0"/>
+                </a:spcAft>
+                <a:buClrTx/>
+                <a:buSzTx/>
+                <a:buFontTx/>
+                <a:buNone/>
+                <a:tabLst/>
+                <a:defRPr/>
+              </a:pPr>
+              <a:r>
+                <a:rPr kumimoji="0" lang="en-US" sz="2400" b="1" i="0" u="none" strike="noStrike" kern="0" cap="none" spc="0" normalizeH="0" baseline="0" noProof="1">
+                  <a:ln>
+                    <a:noFill/>
+                  </a:ln>
+                  <a:solidFill>
+                    <a:prstClr val="white"/>
+                  </a:solidFill>
+                  <a:effectLst/>
+                  <a:uLnTx/>
+                  <a:uFillTx/>
+                </a:rPr>
+                <a:t>Zussamensetzung</a:t>
+              </a:r>
+            </a:p>
+          </p:txBody>
+        </p:sp>
+        <p:sp>
+          <p:nvSpPr>
+            <p:cNvPr id="21" name="TextBox 20">
+              <a:extLst>
+                <a:ext uri="{FF2B5EF4-FFF2-40B4-BE49-F238E27FC236}">
+                  <a16:creationId xmlns:a16="http://schemas.microsoft.com/office/drawing/2014/main" id="{77B8F025-B0EC-4D5E-8545-3BB3E51ADA39}"/>
+                </a:ext>
+              </a:extLst>
+            </p:cNvPr>
+            <p:cNvSpPr txBox="1"/>
+            <p:nvPr/>
+          </p:nvSpPr>
+          <p:spPr>
+            <a:xfrm>
+              <a:off x="332936" y="5111494"/>
+              <a:ext cx="2926080" cy="830997"/>
+            </a:xfrm>
+            <a:prstGeom prst="rect">
+              <a:avLst/>
+            </a:prstGeom>
+            <a:noFill/>
+          </p:spPr>
+          <p:txBody>
+            <a:bodyPr wrap="square" lIns="0" rIns="0" rtlCol="0" anchor="t">
+              <a:spAutoFit/>
+            </a:bodyPr>
+            <a:lstStyle/>
+            <a:p>
+              <a:pPr marL="171450" marR="0" lvl="0" indent="-171450" defTabSz="914400" eaLnBrk="1" fontAlgn="auto" latinLnBrk="0" hangingPunct="1">
+                <a:lnSpc>
+                  <a:spcPct val="100000"/>
+                </a:lnSpc>
+                <a:spcBef>
+                  <a:spcPts val="0"/>
+                </a:spcBef>
+                <a:spcAft>
+                  <a:spcPts val="0"/>
+                </a:spcAft>
+                <a:buClrTx/>
+                <a:buSzTx/>
+                <a:buFont typeface="Arial" panose="020B0604020202020204" pitchFamily="34" charset="0"/>
+                <a:buChar char="•"/>
+                <a:tabLst/>
+                <a:defRPr/>
+              </a:pPr>
+              <a:r>
+                <a:rPr kumimoji="0" lang="en-US" sz="1200" b="0" i="0" u="none" strike="noStrike" kern="0" cap="none" spc="0" normalizeH="0" baseline="0" noProof="1">
+                  <a:ln>
+                    <a:noFill/>
+                  </a:ln>
+                  <a:solidFill>
+                    <a:prstClr val="white">
+                      <a:lumMod val="75000"/>
+                    </a:prstClr>
+                  </a:solidFill>
+                  <a:effectLst/>
+                  <a:uLnTx/>
+                  <a:uFillTx/>
+                </a:rPr>
+                <a:t>Wiederholter Countingsort für jede Stelle (d)</a:t>
+              </a:r>
+            </a:p>
+            <a:p>
+              <a:pPr marL="171450" marR="0" lvl="0" indent="-171450" defTabSz="914400" eaLnBrk="1" fontAlgn="auto" latinLnBrk="0" hangingPunct="1">
+                <a:lnSpc>
+                  <a:spcPct val="100000"/>
+                </a:lnSpc>
+                <a:spcBef>
+                  <a:spcPts val="0"/>
+                </a:spcBef>
+                <a:spcAft>
+                  <a:spcPts val="0"/>
+                </a:spcAft>
+                <a:buClrTx/>
+                <a:buSzTx/>
+                <a:buFont typeface="Arial" panose="020B0604020202020204" pitchFamily="34" charset="0"/>
+                <a:buChar char="•"/>
+                <a:tabLst/>
+                <a:defRPr/>
+              </a:pPr>
+              <a:r>
+                <a:rPr kumimoji="0" lang="en-US" sz="1200" b="0" i="0" u="none" strike="noStrike" kern="0" cap="none" spc="0" normalizeH="0" baseline="0" noProof="1">
+                  <a:ln>
+                    <a:noFill/>
+                  </a:ln>
+                  <a:solidFill>
+                    <a:prstClr val="white">
+                      <a:lumMod val="75000"/>
+                    </a:prstClr>
+                  </a:solidFill>
+                  <a:effectLst/>
+                  <a:uLnTx/>
+                  <a:uFillTx/>
+                </a:rPr>
+                <a:t>Aufteilung in Zähl- und Sammelphase</a:t>
+              </a:r>
+            </a:p>
+            <a:p>
+              <a:pPr marL="0" marR="0" lvl="0" indent="0" algn="just" defTabSz="914400" eaLnBrk="1" fontAlgn="auto" latinLnBrk="0" hangingPunct="1">
+                <a:lnSpc>
+                  <a:spcPct val="100000"/>
+                </a:lnSpc>
+                <a:spcBef>
+                  <a:spcPts val="0"/>
+                </a:spcBef>
+                <a:spcAft>
+                  <a:spcPts val="0"/>
+                </a:spcAft>
+                <a:buClrTx/>
+                <a:buSzTx/>
+                <a:buFontTx/>
+                <a:buNone/>
+                <a:tabLst/>
+                <a:defRPr/>
+              </a:pPr>
+              <a:endParaRPr kumimoji="0" lang="en-US" sz="1200" b="0" i="0" u="none" strike="noStrike" kern="0" cap="none" spc="0" normalizeH="0" baseline="0" noProof="1">
+                <a:ln>
+                  <a:noFill/>
+                </a:ln>
+                <a:solidFill>
+                  <a:prstClr val="white">
+                    <a:lumMod val="75000"/>
+                  </a:prstClr>
+                </a:solidFill>
+                <a:effectLst/>
+                <a:uLnTx/>
+                <a:uFillTx/>
+              </a:endParaRPr>
+            </a:p>
+          </p:txBody>
+        </p:sp>
+      </p:grpSp>
+      <p:grpSp>
+        <p:nvGrpSpPr>
+          <p:cNvPr id="22" name="Group 21">
+            <a:extLst>
+              <a:ext uri="{FF2B5EF4-FFF2-40B4-BE49-F238E27FC236}">
+                <a16:creationId xmlns:a16="http://schemas.microsoft.com/office/drawing/2014/main" id="{DB278DBA-5391-4A91-9708-4519EC479273}"/>
+              </a:ext>
+            </a:extLst>
+          </p:cNvPr>
+          <p:cNvGrpSpPr/>
+          <p:nvPr/>
+        </p:nvGrpSpPr>
+        <p:grpSpPr>
+          <a:xfrm>
+            <a:off x="9034012" y="2390072"/>
+            <a:ext cx="2926080" cy="1659485"/>
+            <a:chOff x="8921977" y="1466725"/>
+            <a:chExt cx="2926080" cy="1659485"/>
+          </a:xfrm>
+        </p:grpSpPr>
+        <p:sp>
+          <p:nvSpPr>
+            <p:cNvPr id="23" name="TextBox 22">
+              <a:extLst>
+                <a:ext uri="{FF2B5EF4-FFF2-40B4-BE49-F238E27FC236}">
+                  <a16:creationId xmlns:a16="http://schemas.microsoft.com/office/drawing/2014/main" id="{B0534D22-0364-46D7-A75A-CFB70D038CD4}"/>
+                </a:ext>
+              </a:extLst>
+            </p:cNvPr>
+            <p:cNvSpPr txBox="1"/>
+            <p:nvPr/>
+          </p:nvSpPr>
+          <p:spPr>
+            <a:xfrm>
+              <a:off x="8921977" y="1466725"/>
+              <a:ext cx="2926080" cy="461665"/>
+            </a:xfrm>
+            <a:prstGeom prst="rect">
+              <a:avLst/>
+            </a:prstGeom>
+            <a:noFill/>
+          </p:spPr>
+          <p:txBody>
+            <a:bodyPr wrap="square" lIns="0" rIns="0" rtlCol="0" anchor="b">
+              <a:spAutoFit/>
+            </a:bodyPr>
+            <a:lstStyle/>
+            <a:p>
+              <a:pPr marL="0" marR="0" lvl="0" indent="0" defTabSz="914400" eaLnBrk="1" fontAlgn="auto" latinLnBrk="0" hangingPunct="1">
+                <a:lnSpc>
+                  <a:spcPct val="100000"/>
+                </a:lnSpc>
+                <a:spcBef>
+                  <a:spcPts val="0"/>
+                </a:spcBef>
+                <a:spcAft>
+                  <a:spcPts val="0"/>
+                </a:spcAft>
+                <a:buClrTx/>
+                <a:buSzTx/>
+                <a:buFontTx/>
+                <a:buNone/>
+                <a:tabLst/>
+                <a:defRPr/>
+              </a:pPr>
+              <a:r>
+                <a:rPr kumimoji="0" lang="en-US" sz="2400" b="1" i="0" u="none" strike="noStrike" kern="0" cap="none" spc="0" normalizeH="0" baseline="0" noProof="1">
+                  <a:ln>
+                    <a:noFill/>
+                  </a:ln>
+                  <a:solidFill>
+                    <a:prstClr val="white"/>
+                  </a:solidFill>
+                  <a:effectLst/>
+                  <a:uLnTx/>
+                  <a:uFillTx/>
+                </a:rPr>
+                <a:t>Vorraussetzung</a:t>
+              </a:r>
+            </a:p>
+          </p:txBody>
+        </p:sp>
+        <p:sp>
+          <p:nvSpPr>
+            <p:cNvPr id="24" name="TextBox 23">
+              <a:extLst>
+                <a:ext uri="{FF2B5EF4-FFF2-40B4-BE49-F238E27FC236}">
+                  <a16:creationId xmlns:a16="http://schemas.microsoft.com/office/drawing/2014/main" id="{6FBFE4CB-252F-4598-BA21-975A2DC9EE07}"/>
+                </a:ext>
+              </a:extLst>
+            </p:cNvPr>
+            <p:cNvSpPr txBox="1"/>
+            <p:nvPr/>
+          </p:nvSpPr>
+          <p:spPr>
+            <a:xfrm>
+              <a:off x="8921977" y="1925881"/>
+              <a:ext cx="2926080" cy="1200329"/>
+            </a:xfrm>
+            <a:prstGeom prst="rect">
+              <a:avLst/>
+            </a:prstGeom>
+            <a:noFill/>
+          </p:spPr>
+          <p:txBody>
+            <a:bodyPr wrap="square" lIns="0" rIns="0" rtlCol="0" anchor="t">
+              <a:spAutoFit/>
+            </a:bodyPr>
+            <a:lstStyle/>
+            <a:p>
+              <a:pPr marL="171450" marR="0" lvl="0" indent="-171450" algn="just" defTabSz="914400" eaLnBrk="1" fontAlgn="auto" latinLnBrk="0" hangingPunct="1">
+                <a:lnSpc>
+                  <a:spcPct val="100000"/>
+                </a:lnSpc>
+                <a:spcBef>
+                  <a:spcPts val="0"/>
+                </a:spcBef>
+                <a:spcAft>
+                  <a:spcPts val="0"/>
+                </a:spcAft>
+                <a:buClrTx/>
+                <a:buSzTx/>
+                <a:buFont typeface="Arial" panose="020B0604020202020204" pitchFamily="34" charset="0"/>
+                <a:buChar char="•"/>
+                <a:tabLst/>
+                <a:defRPr/>
+              </a:pPr>
+              <a:r>
+                <a:rPr kumimoji="0" lang="en-US" sz="1200" b="0" i="0" u="none" strike="noStrike" kern="0" cap="none" spc="0" normalizeH="0" baseline="0" noProof="1">
+                  <a:ln>
+                    <a:noFill/>
+                  </a:ln>
+                  <a:solidFill>
+                    <a:prstClr val="white">
+                      <a:lumMod val="75000"/>
+                    </a:prstClr>
+                  </a:solidFill>
+                  <a:effectLst/>
+                  <a:uLnTx/>
+                  <a:uFillTx/>
+                </a:rPr>
+                <a:t>Zu sortierende Schlüssel (b) im vorhinein bekannt</a:t>
+              </a:r>
+            </a:p>
+            <a:p>
+              <a:pPr marL="171450" marR="0" lvl="0" indent="-171450" algn="just" defTabSz="914400" eaLnBrk="1" fontAlgn="auto" latinLnBrk="0" hangingPunct="1">
+                <a:lnSpc>
+                  <a:spcPct val="100000"/>
+                </a:lnSpc>
+                <a:spcBef>
+                  <a:spcPts val="0"/>
+                </a:spcBef>
+                <a:spcAft>
+                  <a:spcPts val="0"/>
+                </a:spcAft>
+                <a:buClrTx/>
+                <a:buSzTx/>
+                <a:buFont typeface="Symbol" panose="05050102010706020507" pitchFamily="18" charset="2"/>
+                <a:buChar char="-"/>
+                <a:tabLst/>
+                <a:defRPr/>
+              </a:pPr>
+              <a:r>
+                <a:rPr kumimoji="0" lang="en-US" sz="1200" b="0" i="0" u="none" strike="noStrike" kern="0" cap="none" spc="0" normalizeH="0" baseline="0" noProof="1">
+                  <a:ln>
+                    <a:noFill/>
+                  </a:ln>
+                  <a:solidFill>
+                    <a:prstClr val="white">
+                      <a:lumMod val="75000"/>
+                    </a:prstClr>
+                  </a:solidFill>
+                  <a:effectLst/>
+                  <a:uLnTx/>
+                  <a:uFillTx/>
+                </a:rPr>
+                <a:t>Bsp: Zehnerbasis</a:t>
+              </a:r>
+            </a:p>
+            <a:p>
+              <a:pPr marL="171450" marR="0" lvl="0" indent="-171450" algn="just" defTabSz="914400" eaLnBrk="1" fontAlgn="auto" latinLnBrk="0" hangingPunct="1">
+                <a:lnSpc>
+                  <a:spcPct val="100000"/>
+                </a:lnSpc>
+                <a:spcBef>
+                  <a:spcPts val="0"/>
+                </a:spcBef>
+                <a:spcAft>
+                  <a:spcPts val="0"/>
+                </a:spcAft>
+                <a:buClrTx/>
+                <a:buSzTx/>
+                <a:buFont typeface="Arial" panose="020B0604020202020204" pitchFamily="34" charset="0"/>
+                <a:buChar char="•"/>
+                <a:tabLst/>
+                <a:defRPr/>
+              </a:pPr>
+              <a:r>
+                <a:rPr kumimoji="0" lang="en-US" sz="1200" b="0" i="0" u="none" strike="noStrike" kern="0" cap="none" spc="0" normalizeH="0" baseline="0" noProof="1">
+                  <a:ln>
+                    <a:noFill/>
+                  </a:ln>
+                  <a:solidFill>
+                    <a:prstClr val="white">
+                      <a:lumMod val="75000"/>
+                    </a:prstClr>
+                  </a:solidFill>
+                  <a:effectLst/>
+                  <a:uLnTx/>
+                  <a:uFillTx/>
+                </a:rPr>
+                <a:t>Anzahl der Schlüssel muss endlich sein</a:t>
+              </a:r>
+            </a:p>
+            <a:p>
+              <a:pPr marL="171450" marR="0" lvl="0" indent="-171450" algn="just" defTabSz="914400" eaLnBrk="1" fontAlgn="auto" latinLnBrk="0" hangingPunct="1">
+                <a:lnSpc>
+                  <a:spcPct val="100000"/>
+                </a:lnSpc>
+                <a:spcBef>
+                  <a:spcPts val="0"/>
+                </a:spcBef>
+                <a:spcAft>
+                  <a:spcPts val="0"/>
+                </a:spcAft>
+                <a:buClrTx/>
+                <a:buSzTx/>
+                <a:buFont typeface="Arial" panose="020B0604020202020204" pitchFamily="34" charset="0"/>
+                <a:buChar char="•"/>
+                <a:tabLst/>
+                <a:defRPr/>
+              </a:pPr>
+              <a:r>
+                <a:rPr kumimoji="0" lang="en-US" sz="1200" b="0" i="0" u="none" strike="noStrike" kern="0" cap="none" spc="0" normalizeH="0" baseline="0" noProof="1">
+                  <a:ln>
+                    <a:noFill/>
+                  </a:ln>
+                  <a:solidFill>
+                    <a:prstClr val="white">
+                      <a:lumMod val="75000"/>
+                    </a:prstClr>
+                  </a:solidFill>
+                  <a:effectLst/>
+                  <a:uLnTx/>
+                  <a:uFillTx/>
+                </a:rPr>
+                <a:t>Länge des grössten Elements (d) bekannt</a:t>
+              </a:r>
+            </a:p>
+            <a:p>
+              <a:pPr marL="171450" marR="0" lvl="0" indent="-171450" algn="just" defTabSz="914400" eaLnBrk="1" fontAlgn="auto" latinLnBrk="0" hangingPunct="1">
+                <a:lnSpc>
+                  <a:spcPct val="100000"/>
+                </a:lnSpc>
+                <a:spcBef>
+                  <a:spcPts val="0"/>
+                </a:spcBef>
+                <a:spcAft>
+                  <a:spcPts val="0"/>
+                </a:spcAft>
+                <a:buClrTx/>
+                <a:buSzTx/>
+                <a:buFont typeface="Arial" panose="020B0604020202020204" pitchFamily="34" charset="0"/>
+                <a:buChar char="•"/>
+                <a:tabLst/>
+                <a:defRPr/>
+              </a:pPr>
+              <a:endParaRPr kumimoji="0" lang="en-US" sz="1200" b="0" i="0" u="none" strike="noStrike" kern="0" cap="none" spc="0" normalizeH="0" baseline="0" noProof="1">
+                <a:ln>
+                  <a:noFill/>
+                </a:ln>
+                <a:solidFill>
+                  <a:prstClr val="white">
+                    <a:lumMod val="75000"/>
+                  </a:prstClr>
+                </a:solidFill>
+                <a:effectLst/>
+                <a:uLnTx/>
+                <a:uFillTx/>
+              </a:endParaRPr>
+            </a:p>
+          </p:txBody>
+        </p:sp>
+      </p:grpSp>
+      <p:grpSp>
+        <p:nvGrpSpPr>
+          <p:cNvPr id="25" name="Group 24">
+            <a:extLst>
+              <a:ext uri="{FF2B5EF4-FFF2-40B4-BE49-F238E27FC236}">
+                <a16:creationId xmlns:a16="http://schemas.microsoft.com/office/drawing/2014/main" id="{3DF62CE3-629C-4358-92F4-8D0307C079A0}"/>
+              </a:ext>
+            </a:extLst>
+          </p:cNvPr>
+          <p:cNvGrpSpPr/>
+          <p:nvPr/>
+        </p:nvGrpSpPr>
+        <p:grpSpPr>
+          <a:xfrm>
+            <a:off x="444971" y="2390072"/>
+            <a:ext cx="2926080" cy="1474819"/>
+            <a:chOff x="332936" y="2627766"/>
+            <a:chExt cx="2926080" cy="1474819"/>
+          </a:xfrm>
+        </p:grpSpPr>
+        <p:sp>
+          <p:nvSpPr>
+            <p:cNvPr id="26" name="TextBox 25">
+              <a:extLst>
+                <a:ext uri="{FF2B5EF4-FFF2-40B4-BE49-F238E27FC236}">
+                  <a16:creationId xmlns:a16="http://schemas.microsoft.com/office/drawing/2014/main" id="{C8470D68-4F03-49B7-90F5-13B1E471A554}"/>
+                </a:ext>
+              </a:extLst>
+            </p:cNvPr>
+            <p:cNvSpPr txBox="1"/>
+            <p:nvPr/>
+          </p:nvSpPr>
+          <p:spPr>
+            <a:xfrm>
+              <a:off x="332936" y="2627766"/>
+              <a:ext cx="2926080" cy="461665"/>
+            </a:xfrm>
+            <a:prstGeom prst="rect">
+              <a:avLst/>
+            </a:prstGeom>
+            <a:noFill/>
+          </p:spPr>
+          <p:txBody>
+            <a:bodyPr wrap="square" lIns="0" rIns="0" rtlCol="0" anchor="b">
+              <a:spAutoFit/>
+            </a:bodyPr>
+            <a:lstStyle/>
+            <a:p>
+              <a:pPr marL="0" marR="0" lvl="0" indent="0" algn="r" defTabSz="914400" eaLnBrk="1" fontAlgn="auto" latinLnBrk="0" hangingPunct="1">
+                <a:lnSpc>
+                  <a:spcPct val="100000"/>
+                </a:lnSpc>
+                <a:spcBef>
+                  <a:spcPts val="0"/>
+                </a:spcBef>
+                <a:spcAft>
+                  <a:spcPts val="0"/>
+                </a:spcAft>
+                <a:buClrTx/>
+                <a:buSzTx/>
+                <a:buFontTx/>
+                <a:buNone/>
+                <a:tabLst/>
+                <a:defRPr/>
+              </a:pPr>
+              <a:r>
+                <a:rPr kumimoji="0" lang="en-US" sz="2400" b="1" i="0" u="none" strike="noStrike" kern="0" cap="none" spc="0" normalizeH="0" baseline="0" noProof="1">
+                  <a:ln>
+                    <a:noFill/>
+                  </a:ln>
+                  <a:solidFill>
+                    <a:prstClr val="white"/>
+                  </a:solidFill>
+                  <a:effectLst/>
+                  <a:uLnTx/>
+                  <a:uFillTx/>
+                </a:rPr>
+                <a:t>Output</a:t>
+              </a:r>
+            </a:p>
+          </p:txBody>
+        </p:sp>
+        <p:sp>
+          <p:nvSpPr>
+            <p:cNvPr id="27" name="TextBox 26">
+              <a:extLst>
+                <a:ext uri="{FF2B5EF4-FFF2-40B4-BE49-F238E27FC236}">
+                  <a16:creationId xmlns:a16="http://schemas.microsoft.com/office/drawing/2014/main" id="{C4D72FA6-830C-4161-9DB3-F275D48A1DF7}"/>
+                </a:ext>
+              </a:extLst>
+            </p:cNvPr>
+            <p:cNvSpPr txBox="1"/>
+            <p:nvPr/>
+          </p:nvSpPr>
+          <p:spPr>
+            <a:xfrm>
+              <a:off x="332936" y="3086922"/>
+              <a:ext cx="2926080" cy="1015663"/>
+            </a:xfrm>
+            <a:prstGeom prst="rect">
+              <a:avLst/>
+            </a:prstGeom>
+            <a:noFill/>
+          </p:spPr>
+          <p:txBody>
+            <a:bodyPr wrap="square" lIns="0" rIns="0" rtlCol="0" anchor="t">
+              <a:spAutoFit/>
+            </a:bodyPr>
+            <a:lstStyle/>
+            <a:p>
+              <a:pPr marL="171450" marR="0" lvl="0" indent="-171450" algn="just" defTabSz="914400" eaLnBrk="1" fontAlgn="auto" latinLnBrk="0" hangingPunct="1">
+                <a:lnSpc>
+                  <a:spcPct val="100000"/>
+                </a:lnSpc>
+                <a:spcBef>
+                  <a:spcPts val="0"/>
+                </a:spcBef>
+                <a:spcAft>
+                  <a:spcPts val="0"/>
+                </a:spcAft>
+                <a:buClrTx/>
+                <a:buSzTx/>
+                <a:buFont typeface="Arial" panose="020B0604020202020204" pitchFamily="34" charset="0"/>
+                <a:buChar char="•"/>
+                <a:tabLst/>
+                <a:defRPr/>
+              </a:pPr>
+              <a:r>
+                <a:rPr kumimoji="0" lang="en-US" sz="1200" b="0" i="0" u="none" strike="noStrike" kern="0" cap="none" spc="0" normalizeH="0" baseline="0" noProof="1">
+                  <a:ln>
+                    <a:noFill/>
+                  </a:ln>
+                  <a:solidFill>
+                    <a:prstClr val="white">
+                      <a:lumMod val="75000"/>
+                    </a:prstClr>
+                  </a:solidFill>
+                  <a:effectLst/>
+                  <a:uLnTx/>
+                  <a:uFillTx/>
+                </a:rPr>
+                <a:t>Out-of-place</a:t>
+              </a:r>
+            </a:p>
+            <a:p>
+              <a:pPr marL="171450" marR="0" lvl="0" indent="-171450" algn="just" defTabSz="914400" eaLnBrk="1" fontAlgn="auto" latinLnBrk="0" hangingPunct="1">
+                <a:lnSpc>
+                  <a:spcPct val="100000"/>
+                </a:lnSpc>
+                <a:spcBef>
+                  <a:spcPts val="0"/>
+                </a:spcBef>
+                <a:spcAft>
+                  <a:spcPts val="0"/>
+                </a:spcAft>
+                <a:buClrTx/>
+                <a:buSzTx/>
+                <a:buFont typeface="Symbol" panose="05050102010706020507" pitchFamily="18" charset="2"/>
+                <a:buChar char="-"/>
+                <a:tabLst/>
+                <a:defRPr/>
+              </a:pPr>
+              <a:r>
+                <a:rPr kumimoji="0" lang="en-US" sz="1200" b="0" i="0" u="none" strike="noStrike" kern="0" cap="none" spc="0" normalizeH="0" baseline="0" noProof="1">
+                  <a:ln>
+                    <a:noFill/>
+                  </a:ln>
+                  <a:solidFill>
+                    <a:prstClr val="white">
+                      <a:lumMod val="75000"/>
+                    </a:prstClr>
+                  </a:solidFill>
+                  <a:effectLst/>
+                  <a:uLnTx/>
+                  <a:uFillTx/>
+                </a:rPr>
+                <a:t>Output ist nicht das original Array.</a:t>
+              </a:r>
+            </a:p>
+            <a:p>
+              <a:pPr marL="171450" marR="0" lvl="0" indent="-171450" algn="just" defTabSz="914400" eaLnBrk="1" fontAlgn="auto" latinLnBrk="0" hangingPunct="1">
+                <a:lnSpc>
+                  <a:spcPct val="100000"/>
+                </a:lnSpc>
+                <a:spcBef>
+                  <a:spcPts val="0"/>
+                </a:spcBef>
+                <a:spcAft>
+                  <a:spcPts val="0"/>
+                </a:spcAft>
+                <a:buClrTx/>
+                <a:buSzTx/>
+                <a:buFont typeface="Arial" panose="020B0604020202020204" pitchFamily="34" charset="0"/>
+                <a:buChar char="•"/>
+                <a:tabLst/>
+                <a:defRPr/>
+              </a:pPr>
+              <a:r>
+                <a:rPr kumimoji="0" lang="en-US" sz="1200" b="0" i="0" u="none" strike="noStrike" kern="0" cap="none" spc="0" normalizeH="0" baseline="0" noProof="1">
+                  <a:ln>
+                    <a:noFill/>
+                  </a:ln>
+                  <a:solidFill>
+                    <a:prstClr val="white">
+                      <a:lumMod val="75000"/>
+                    </a:prstClr>
+                  </a:solidFill>
+                  <a:effectLst/>
+                  <a:uLnTx/>
+                  <a:uFillTx/>
+                </a:rPr>
+                <a:t>Stable</a:t>
+              </a:r>
+            </a:p>
+            <a:p>
+              <a:pPr marL="171450" marR="0" lvl="0" indent="-171450" algn="just" defTabSz="914400" eaLnBrk="1" fontAlgn="auto" latinLnBrk="0" hangingPunct="1">
+                <a:lnSpc>
+                  <a:spcPct val="100000"/>
+                </a:lnSpc>
+                <a:spcBef>
+                  <a:spcPts val="0"/>
+                </a:spcBef>
+                <a:spcAft>
+                  <a:spcPts val="0"/>
+                </a:spcAft>
+                <a:buClrTx/>
+                <a:buSzTx/>
+                <a:buFont typeface="Symbol" panose="05050102010706020507" pitchFamily="18" charset="2"/>
+                <a:buChar char="-"/>
+                <a:tabLst/>
+                <a:defRPr/>
+              </a:pPr>
+              <a:r>
+                <a:rPr kumimoji="0" lang="en-US" sz="1200" b="0" i="0" u="none" strike="noStrike" kern="0" cap="none" spc="0" normalizeH="0" baseline="0" noProof="1">
+                  <a:ln>
+                    <a:noFill/>
+                  </a:ln>
+                  <a:solidFill>
+                    <a:prstClr val="white">
+                      <a:lumMod val="75000"/>
+                    </a:prstClr>
+                  </a:solidFill>
+                  <a:effectLst/>
+                  <a:uLnTx/>
+                  <a:uFillTx/>
+                </a:rPr>
+                <a:t>Bereits sortierte Elemente werden nicht verschoben.</a:t>
+              </a:r>
+            </a:p>
+          </p:txBody>
+        </p:sp>
+      </p:grpSp>
+      <p:pic>
+        <p:nvPicPr>
+          <p:cNvPr id="28" name="Graphic 27" descr="Bullseye">
+            <a:extLst>
+              <a:ext uri="{FF2B5EF4-FFF2-40B4-BE49-F238E27FC236}">
+                <a16:creationId xmlns:a16="http://schemas.microsoft.com/office/drawing/2014/main" id="{E17DDDED-20C7-46D5-8ACC-8DA84759507B}"/>
+              </a:ext>
+            </a:extLst>
+          </p:cNvPr>
+          <p:cNvPicPr>
+            <a:picLocks noChangeAspect="1"/>
+          </p:cNvPicPr>
+          <p:nvPr/>
+        </p:nvPicPr>
+        <p:blipFill>
+          <a:blip r:embed="rId3">
+            <a:extLst>
+              <a:ext uri="{28A0092B-C50C-407E-A947-70E740481C1C}">
+                <a14:useLocalDpi xmlns:a14="http://schemas.microsoft.com/office/drawing/2010/main" val="0"/>
+              </a:ext>
+              <a:ext uri="{96DAC541-7B7A-43D3-8B79-37D633B846F1}">
+                <asvg:svgBlip xmlns:asvg="http://schemas.microsoft.com/office/drawing/2016/SVG/main" r:embed="rId4"/>
+              </a:ext>
+            </a:extLst>
+          </a:blip>
+          <a:stretch>
+            <a:fillRect/>
+          </a:stretch>
+        </p:blipFill>
+        <p:spPr>
+          <a:xfrm>
+            <a:off x="3598447" y="2715108"/>
+            <a:ext cx="640080" cy="640080"/>
+          </a:xfrm>
+          <a:prstGeom prst="rect">
+            <a:avLst/>
+          </a:prstGeom>
+        </p:spPr>
+      </p:pic>
+      <p:pic>
+        <p:nvPicPr>
+          <p:cNvPr id="29" name="Graphic 28" descr="Lights On">
+            <a:extLst>
+              <a:ext uri="{FF2B5EF4-FFF2-40B4-BE49-F238E27FC236}">
+                <a16:creationId xmlns:a16="http://schemas.microsoft.com/office/drawing/2014/main" id="{4747E38F-CFC3-4BB9-AF32-0BE4A581394D}"/>
+              </a:ext>
+            </a:extLst>
+          </p:cNvPr>
+          <p:cNvPicPr>
+            <a:picLocks noChangeAspect="1"/>
+          </p:cNvPicPr>
+          <p:nvPr/>
+        </p:nvPicPr>
+        <p:blipFill>
+          <a:blip r:embed="rId5">
+            <a:extLst>
+              <a:ext uri="{28A0092B-C50C-407E-A947-70E740481C1C}">
+                <a14:useLocalDpi xmlns:a14="http://schemas.microsoft.com/office/drawing/2010/main" val="0"/>
+              </a:ext>
+              <a:ext uri="{96DAC541-7B7A-43D3-8B79-37D633B846F1}">
+                <asvg:svgBlip xmlns:asvg="http://schemas.microsoft.com/office/drawing/2016/SVG/main" r:embed="rId6"/>
+              </a:ext>
+            </a:extLst>
+          </a:blip>
+          <a:stretch>
+            <a:fillRect/>
+          </a:stretch>
+        </p:blipFill>
+        <p:spPr>
+          <a:xfrm>
+            <a:off x="8166536" y="2715108"/>
+            <a:ext cx="640080" cy="640080"/>
+          </a:xfrm>
+          <a:prstGeom prst="rect">
+            <a:avLst/>
+          </a:prstGeom>
+        </p:spPr>
+      </p:pic>
+      <p:pic>
+        <p:nvPicPr>
+          <p:cNvPr id="30" name="Graphic 29" descr="Stopwatch 66%">
+            <a:extLst>
+              <a:ext uri="{FF2B5EF4-FFF2-40B4-BE49-F238E27FC236}">
+                <a16:creationId xmlns:a16="http://schemas.microsoft.com/office/drawing/2014/main" id="{75AAE874-2083-4774-8ABB-56B5E621E164}"/>
+              </a:ext>
+            </a:extLst>
+          </p:cNvPr>
+          <p:cNvPicPr>
+            <a:picLocks noChangeAspect="1"/>
+          </p:cNvPicPr>
+          <p:nvPr/>
+        </p:nvPicPr>
+        <p:blipFill>
+          <a:blip r:embed="rId7">
+            <a:extLst>
+              <a:ext uri="{28A0092B-C50C-407E-A947-70E740481C1C}">
+                <a14:useLocalDpi xmlns:a14="http://schemas.microsoft.com/office/drawing/2010/main" val="0"/>
+              </a:ext>
+              <a:ext uri="{96DAC541-7B7A-43D3-8B79-37D633B846F1}">
+                <asvg:svgBlip xmlns:asvg="http://schemas.microsoft.com/office/drawing/2016/SVG/main" r:embed="rId8"/>
+              </a:ext>
+            </a:extLst>
+          </a:blip>
+          <a:stretch>
+            <a:fillRect/>
+          </a:stretch>
+        </p:blipFill>
+        <p:spPr>
+          <a:xfrm>
+            <a:off x="8166536" y="4667733"/>
+            <a:ext cx="640080" cy="640080"/>
+          </a:xfrm>
+          <a:prstGeom prst="rect">
+            <a:avLst/>
+          </a:prstGeom>
+        </p:spPr>
+      </p:pic>
+      <p:pic>
+        <p:nvPicPr>
+          <p:cNvPr id="31" name="Graphic 30" descr="Research">
+            <a:extLst>
+              <a:ext uri="{FF2B5EF4-FFF2-40B4-BE49-F238E27FC236}">
+                <a16:creationId xmlns:a16="http://schemas.microsoft.com/office/drawing/2014/main" id="{E536CF33-7BDE-4F1B-97E1-2794B68B367D}"/>
+              </a:ext>
+            </a:extLst>
+          </p:cNvPr>
+          <p:cNvPicPr>
+            <a:picLocks noChangeAspect="1"/>
+          </p:cNvPicPr>
+          <p:nvPr/>
+        </p:nvPicPr>
+        <p:blipFill>
+          <a:blip r:embed="rId9">
+            <a:extLst>
+              <a:ext uri="{28A0092B-C50C-407E-A947-70E740481C1C}">
+                <a14:useLocalDpi xmlns:a14="http://schemas.microsoft.com/office/drawing/2010/main" val="0"/>
+              </a:ext>
+              <a:ext uri="{96DAC541-7B7A-43D3-8B79-37D633B846F1}">
+                <asvg:svgBlip xmlns:asvg="http://schemas.microsoft.com/office/drawing/2016/SVG/main" r:embed="rId10"/>
+              </a:ext>
+            </a:extLst>
+          </a:blip>
+          <a:stretch>
+            <a:fillRect/>
+          </a:stretch>
+        </p:blipFill>
+        <p:spPr>
+          <a:xfrm>
+            <a:off x="3598447" y="4667733"/>
+            <a:ext cx="640080" cy="640080"/>
+          </a:xfrm>
+          <a:prstGeom prst="rect">
+            <a:avLst/>
+          </a:prstGeom>
+        </p:spPr>
+      </p:pic>
+    </p:spTree>
+    <p:extLst>
+      <p:ext uri="{BB962C8B-B14F-4D97-AF65-F5344CB8AC3E}">
+        <p14:creationId xmlns:p14="http://schemas.microsoft.com/office/powerpoint/2010/main" val="206082184"/>
+      </p:ext>
+    </p:extLst>
+  </p:cSld>
+  <p:clrMapOvr>
+    <a:masterClrMapping/>
+  </p:clrMapOvr>
+</p:sld>
+</file>
+
+<file path=ppt/slides/slide9.xml><?xml version="1.0" encoding="utf-8"?>
+<p:sld xmlns:a="http://schemas.openxmlformats.org/drawingml/2006/main" xmlns:r="http://schemas.openxmlformats.org/officeDocument/2006/relationships" xmlns:p="http://schemas.openxmlformats.org/presentationml/2006/main">
+  <p:cSld>
+    <p:bg>
+      <p:bgPr>
+        <a:solidFill>
+          <a:schemeClr val="bg1">
+            <a:tint val="90000"/>
+            <a:shade val="97000"/>
+            <a:satMod val="130000"/>
+          </a:schemeClr>
+        </a:solidFill>
+        <a:effectLst/>
+      </p:bgPr>
+    </p:bg>
+    <p:spTree>
+      <p:nvGrpSpPr>
+        <p:cNvPr id="1" name=""/>
+        <p:cNvGrpSpPr/>
+        <p:nvPr/>
+      </p:nvGrpSpPr>
+      <p:grpSpPr>
+        <a:xfrm>
+          <a:off x="0" y="0"/>
+          <a:ext cx="0" cy="0"/>
+          <a:chOff x="0" y="0"/>
+          <a:chExt cx="0" cy="0"/>
+        </a:xfrm>
+      </p:grpSpPr>
+      <p:sp useBgFill="1">
+        <p:nvSpPr>
+          <p:cNvPr id="8" name="Rectangle 7">
+            <a:extLst>
+              <a:ext uri="{FF2B5EF4-FFF2-40B4-BE49-F238E27FC236}">
+                <a16:creationId xmlns:a16="http://schemas.microsoft.com/office/drawing/2014/main" id="{C8DD82D3-D002-45B0-B16A-82B3DA4EFDDB}"/>
+              </a:ext>
+              <a:ext uri="{C183D7F6-B498-43B3-948B-1728B52AA6E4}">
+                <adec:decorative xmlns:adec="http://schemas.microsoft.com/office/drawing/2017/decorative" val="1"/>
+              </a:ext>
+            </a:extLst>
+          </p:cNvPr>
+          <p:cNvSpPr>
+            <a:spLocks noGrp="1" noRot="1" noChangeAspect="1" noMove="1" noResize="1" noEditPoints="1" noAdjustHandles="1" noChangeArrowheads="1" noChangeShapeType="1" noTextEdit="1"/>
+          </p:cNvSpPr>
+          <p:nvPr>
+            <p:extLst>
+              <p:ext uri="{386F3935-93C4-4BCD-93E2-E3B085C9AB24}">
+                <p16:designElem xmlns:p16="http://schemas.microsoft.com/office/powerpoint/2015/main" val="1"/>
+              </p:ext>
+            </p:extLst>
+          </p:nvPr>
+        </p:nvSpPr>
+        <p:spPr>
+          <a:xfrm>
+            <a:off x="3175" y="0"/>
+            <a:ext cx="12188952" cy="6858000"/>
+          </a:xfrm>
+          <a:prstGeom prst="rect">
+            <a:avLst/>
+          </a:prstGeom>
+          <a:ln>
+            <a:noFill/>
+          </a:ln>
+        </p:spPr>
+        <p:style>
+          <a:lnRef idx="2">
+            <a:schemeClr val="accent1">
+              <a:shade val="50000"/>
+            </a:schemeClr>
+          </a:lnRef>
+          <a:fillRef idx="1">
+            <a:schemeClr val="accent1"/>
+          </a:fillRef>
+          <a:effectRef idx="0">
+            <a:schemeClr val="accent1"/>
+          </a:effectRef>
+          <a:fontRef idx="minor">
+            <a:schemeClr val="lt1"/>
+          </a:fontRef>
+        </p:style>
+        <p:txBody>
+          <a:bodyPr rtlCol="0" anchor="ctr"/>
+          <a:lstStyle/>
+          <a:p>
+            <a:pPr algn="ctr"/>
+            <a:endParaRPr lang="en-US"/>
+          </a:p>
+        </p:txBody>
+      </p:sp>
+      <p:sp>
+        <p:nvSpPr>
+          <p:cNvPr id="2" name="Title 1">
+            <a:extLst>
+              <a:ext uri="{FF2B5EF4-FFF2-40B4-BE49-F238E27FC236}">
+                <a16:creationId xmlns:a16="http://schemas.microsoft.com/office/drawing/2014/main" id="{47CAF909-4EEA-43D5-9D35-83DEA99357DC}"/>
+              </a:ext>
+            </a:extLst>
+          </p:cNvPr>
+          <p:cNvSpPr>
+            <a:spLocks noGrp="1"/>
+          </p:cNvSpPr>
+          <p:nvPr>
+            <p:ph type="title"/>
+          </p:nvPr>
+        </p:nvSpPr>
+        <p:spPr>
+          <a:xfrm>
+            <a:off x="949047" y="643466"/>
+            <a:ext cx="2771273" cy="5225627"/>
+          </a:xfrm>
+        </p:spPr>
+        <p:txBody>
+          <a:bodyPr anchor="ctr">
+            <a:normAutofit/>
+          </a:bodyPr>
+          <a:lstStyle/>
+          <a:p>
+            <a:r>
+              <a:rPr lang="en-US" sz="3600" dirty="0" err="1"/>
+              <a:t>Quellen</a:t>
+            </a:r>
+            <a:endParaRPr lang="de-DE" sz="3600" dirty="0"/>
+          </a:p>
+        </p:txBody>
+      </p:sp>
+      <p:cxnSp>
+        <p:nvCxnSpPr>
+          <p:cNvPr id="10" name="Straight Connector 9">
+            <a:extLst>
+              <a:ext uri="{FF2B5EF4-FFF2-40B4-BE49-F238E27FC236}">
+                <a16:creationId xmlns:a16="http://schemas.microsoft.com/office/drawing/2014/main" id="{9F09C252-16FE-4557-AD6D-BB5CA773496C}"/>
+              </a:ext>
+              <a:ext uri="{C183D7F6-B498-43B3-948B-1728B52AA6E4}">
+                <adec:decorative xmlns:adec="http://schemas.microsoft.com/office/drawing/2017/decorative" val="1"/>
+              </a:ext>
+            </a:extLst>
+          </p:cNvPr>
+          <p:cNvCxnSpPr>
+            <a:cxnSpLocks noGrp="1" noRot="1" noChangeAspect="1" noMove="1" noResize="1" noEditPoints="1" noAdjustHandles="1" noChangeArrowheads="1" noChangeShapeType="1"/>
+          </p:cNvCxnSpPr>
+          <p:nvPr>
+            <p:extLst>
+              <p:ext uri="{386F3935-93C4-4BCD-93E2-E3B085C9AB24}">
+                <p16:designElem xmlns:p16="http://schemas.microsoft.com/office/powerpoint/2015/main" val="1"/>
+              </p:ext>
+            </p:extLst>
+          </p:nvPr>
+        </p:nvCxnSpPr>
+        <p:spPr>
+          <a:xfrm>
+            <a:off x="4042053" y="1570271"/>
+            <a:ext cx="0" cy="3200400"/>
+          </a:xfrm>
+          <a:prstGeom prst="line">
+            <a:avLst/>
+          </a:prstGeom>
+          <a:ln w="31750">
+            <a:solidFill>
+              <a:schemeClr val="accent1"/>
+            </a:solidFill>
+            <a:miter lim="800000"/>
+          </a:ln>
+        </p:spPr>
+        <p:style>
+          <a:lnRef idx="1">
+            <a:schemeClr val="accent1"/>
+          </a:lnRef>
+          <a:fillRef idx="0">
+            <a:schemeClr val="accent1"/>
+          </a:fillRef>
+          <a:effectRef idx="0">
+            <a:schemeClr val="accent1"/>
+          </a:effectRef>
+          <a:fontRef idx="minor">
+            <a:schemeClr val="tx1"/>
+          </a:fontRef>
+        </p:style>
+      </p:cxnSp>
+      <p:sp>
+        <p:nvSpPr>
+          <p:cNvPr id="3" name="Content Placeholder 2">
+            <a:extLst>
+              <a:ext uri="{FF2B5EF4-FFF2-40B4-BE49-F238E27FC236}">
+                <a16:creationId xmlns:a16="http://schemas.microsoft.com/office/drawing/2014/main" id="{6B2FE6B5-874B-49C8-BB46-3BF4BAEFDAD2}"/>
+              </a:ext>
+            </a:extLst>
+          </p:cNvPr>
+          <p:cNvSpPr>
+            <a:spLocks noGrp="1"/>
+          </p:cNvSpPr>
+          <p:nvPr>
+            <p:ph idx="1"/>
+          </p:nvPr>
+        </p:nvSpPr>
+        <p:spPr>
+          <a:xfrm>
+            <a:off x="4666192" y="643465"/>
+            <a:ext cx="6895973" cy="5225628"/>
+          </a:xfrm>
+        </p:spPr>
+        <p:txBody>
+          <a:bodyPr anchor="ctr">
+            <a:normAutofit/>
+          </a:bodyPr>
+          <a:lstStyle/>
+          <a:p>
+            <a:pPr marL="0" indent="0">
+              <a:buNone/>
+            </a:pPr>
+            <a:r>
+              <a:rPr lang="en-US" sz="2400" dirty="0"/>
+              <a:t>Videos: </a:t>
+            </a:r>
+            <a:br>
+              <a:rPr lang="en-US" dirty="0"/>
+            </a:br>
+            <a:r>
+              <a:rPr lang="en-US" dirty="0">
+                <a:hlinkClick r:id="rId2"/>
+              </a:rPr>
+              <a:t>https://www.youtube.com/watch?v=XiuSW_mEn7g</a:t>
+            </a:r>
+            <a:endParaRPr lang="en-US" dirty="0"/>
+          </a:p>
+          <a:p>
+            <a:pPr marL="0" indent="0">
+              <a:buNone/>
+            </a:pPr>
+            <a:r>
+              <a:rPr lang="de-DE" dirty="0">
+                <a:hlinkClick r:id="rId3"/>
+              </a:rPr>
+              <a:t>https://www.youtube.com/watch?v=_KhZ7F-jOlI</a:t>
+            </a:r>
+            <a:endParaRPr lang="de-DE" dirty="0"/>
+          </a:p>
+          <a:p>
+            <a:pPr marL="0" indent="0">
+              <a:buNone/>
+            </a:pPr>
+            <a:r>
+              <a:rPr lang="de-DE" sz="2400" dirty="0"/>
+              <a:t>Websites: </a:t>
+            </a:r>
+          </a:p>
+          <a:p>
+            <a:pPr marL="0" indent="0">
+              <a:buNone/>
+            </a:pPr>
+            <a:r>
+              <a:rPr lang="de-DE" dirty="0">
+                <a:hlinkClick r:id="rId4"/>
+              </a:rPr>
+              <a:t>https://medium.com/basecs/getting-to-the-root-of-sorting-with-radix-sort-f8e9240d4224</a:t>
+            </a:r>
+            <a:endParaRPr lang="de-DE" dirty="0"/>
+          </a:p>
+          <a:p>
+            <a:pPr marL="0" indent="0">
+              <a:buNone/>
+            </a:pPr>
+            <a:r>
+              <a:rPr lang="de-DE" sz="2400" dirty="0" err="1"/>
+              <a:t>Github</a:t>
+            </a:r>
+            <a:r>
+              <a:rPr lang="de-DE" sz="2400" dirty="0"/>
+              <a:t> </a:t>
+            </a:r>
+            <a:r>
+              <a:rPr lang="de-DE" sz="2400" dirty="0" err="1"/>
+              <a:t>repo</a:t>
+            </a:r>
+            <a:r>
+              <a:rPr lang="de-DE" sz="2400" dirty="0"/>
+              <a:t>:</a:t>
+            </a:r>
+          </a:p>
+          <a:p>
+            <a:pPr marL="0" indent="0">
+              <a:buNone/>
+            </a:pPr>
+            <a:r>
+              <a:rPr lang="de-DE" dirty="0">
+                <a:hlinkClick r:id="rId5"/>
+              </a:rPr>
+              <a:t>https://github.com/IsAvaible/Radix-Sort/tree/main</a:t>
+            </a:r>
+            <a:endParaRPr lang="de-DE" dirty="0"/>
+          </a:p>
+          <a:p>
+            <a:pPr marL="0" indent="0">
+              <a:buNone/>
+            </a:pPr>
+            <a:endParaRPr lang="de-DE" dirty="0"/>
+          </a:p>
+        </p:txBody>
+      </p:sp>
+      <p:sp>
+        <p:nvSpPr>
+          <p:cNvPr id="12" name="Rectangle 11">
+            <a:extLst>
+              <a:ext uri="{FF2B5EF4-FFF2-40B4-BE49-F238E27FC236}">
+                <a16:creationId xmlns:a16="http://schemas.microsoft.com/office/drawing/2014/main" id="{4C15B19B-E7BB-4060-B12F-3CDA8EF16A52}"/>
+              </a:ext>
+              <a:ext uri="{C183D7F6-B498-43B3-948B-1728B52AA6E4}">
+                <adec:decorative xmlns:adec="http://schemas.microsoft.com/office/drawing/2017/decorative" val="1"/>
+              </a:ext>
+            </a:extLst>
+          </p:cNvPr>
+          <p:cNvSpPr>
+            <a:spLocks noGrp="1" noRot="1" noChangeAspect="1" noMove="1" noResize="1" noEditPoints="1" noAdjustHandles="1" noChangeArrowheads="1" noChangeShapeType="1" noTextEdit="1"/>
+          </p:cNvSpPr>
+          <p:nvPr>
+            <p:extLst>
+              <p:ext uri="{386F3935-93C4-4BCD-93E2-E3B085C9AB24}">
+                <p16:designElem xmlns:p16="http://schemas.microsoft.com/office/powerpoint/2015/main" val="1"/>
+              </p:ext>
+            </p:extLst>
+          </p:nvPr>
+        </p:nvSpPr>
+        <p:spPr>
+          <a:xfrm>
+            <a:off x="3175" y="6336792"/>
+            <a:ext cx="12188825" cy="521208"/>
+          </a:xfrm>
+          <a:prstGeom prst="rect">
+            <a:avLst/>
+          </a:prstGeom>
+          <a:solidFill>
+            <a:schemeClr val="bg1">
+              <a:lumMod val="75000"/>
+              <a:lumOff val="25000"/>
+            </a:schemeClr>
+          </a:solidFill>
+          <a:ln>
+            <a:noFill/>
+          </a:ln>
+        </p:spPr>
+        <p:style>
+          <a:lnRef idx="2">
+            <a:schemeClr val="accent1">
+              <a:shade val="50000"/>
+            </a:schemeClr>
+          </a:lnRef>
+          <a:fillRef idx="1">
+            <a:schemeClr val="accent1"/>
+          </a:fillRef>
+          <a:effectRef idx="0">
+            <a:schemeClr val="accent1"/>
+          </a:effectRef>
+          <a:fontRef idx="minor">
+            <a:schemeClr val="lt1"/>
+          </a:fontRef>
+        </p:style>
+      </p:sp>
+    </p:spTree>
+    <p:extLst>
+      <p:ext uri="{BB962C8B-B14F-4D97-AF65-F5344CB8AC3E}">
+        <p14:creationId xmlns:p14="http://schemas.microsoft.com/office/powerpoint/2010/main" val="1808044824"/>
+      </p:ext>
+    </p:extLst>
+  </p:cSld>
+  <p:clrMapOvr>
+    <a:masterClrMapping/>
+  </p:clrMapOvr>
+</p:sld>
+</file>
+
 <file path=ppt/theme/theme1.xml><?xml version="1.0" encoding="utf-8"?>
 <a:theme xmlns:a="http://schemas.openxmlformats.org/drawingml/2006/main" name="Retrospect">
   <a:themeElements>

--- a/RadixSort.pptx
+++ b/RadixSort.pptx
@@ -2,23 +2,23 @@
 <file path=ppt/presentation.xml><?xml version="1.0" encoding="utf-8"?>
 <p:presentation xmlns:a="http://schemas.openxmlformats.org/drawingml/2006/main" xmlns:r="http://schemas.openxmlformats.org/officeDocument/2006/relationships" xmlns:p="http://schemas.openxmlformats.org/presentationml/2006/main" saveSubsetFonts="1">
   <p:sldMasterIdLst>
-    <p:sldMasterId id="2147483840" r:id="rId1"/>
-    <p:sldMasterId id="2147483852" r:id="rId2"/>
+    <p:sldMasterId id="2147483840" r:id="rId4"/>
+    <p:sldMasterId id="2147483852" r:id="rId5"/>
   </p:sldMasterIdLst>
   <p:notesMasterIdLst>
-    <p:notesMasterId r:id="rId13"/>
+    <p:notesMasterId r:id="rId16"/>
   </p:notesMasterIdLst>
   <p:sldIdLst>
-    <p:sldId id="256" r:id="rId3"/>
-    <p:sldId id="272" r:id="rId4"/>
-    <p:sldId id="257" r:id="rId5"/>
-    <p:sldId id="259" r:id="rId6"/>
-    <p:sldId id="258" r:id="rId7"/>
-    <p:sldId id="260" r:id="rId8"/>
-    <p:sldId id="271" r:id="rId9"/>
-    <p:sldId id="275" r:id="rId10"/>
-    <p:sldId id="273" r:id="rId11"/>
-    <p:sldId id="274" r:id="rId12"/>
+    <p:sldId id="256" r:id="rId6"/>
+    <p:sldId id="272" r:id="rId7"/>
+    <p:sldId id="257" r:id="rId8"/>
+    <p:sldId id="259" r:id="rId9"/>
+    <p:sldId id="258" r:id="rId10"/>
+    <p:sldId id="260" r:id="rId11"/>
+    <p:sldId id="271" r:id="rId12"/>
+    <p:sldId id="276" r:id="rId13"/>
+    <p:sldId id="273" r:id="rId14"/>
+    <p:sldId id="274" r:id="rId15"/>
   </p:sldIdLst>
   <p:sldSz cx="12192000" cy="6858000"/>
   <p:notesSz cx="6858000" cy="9144000"/>
@@ -207,7 +207,7 @@
           <a:p>
             <a:fld id="{E3102468-19B6-40A7-816E-A58C9291E90D}" type="datetimeFigureOut">
               <a:rPr lang="de-DE" smtClean="0"/>
-              <a:t>15.01.2021</a:t>
+              <a:t>18.01.2021</a:t>
             </a:fld>
             <a:endParaRPr lang="de-DE"/>
           </a:p>
@@ -1097,7 +1097,7 @@
     </p:spTree>
     <p:extLst>
       <p:ext uri="{BB962C8B-B14F-4D97-AF65-F5344CB8AC3E}">
-        <p14:creationId xmlns:p14="http://schemas.microsoft.com/office/powerpoint/2010/main" val="1074601818"/>
+        <p14:creationId xmlns:p14="http://schemas.microsoft.com/office/powerpoint/2010/main" val="1091963325"/>
       </p:ext>
     </p:extLst>
   </p:cSld>
@@ -1335,7 +1335,7 @@
           <a:p>
             <a:fld id="{A2B887A0-F52D-46CA-8D81-D9F15D418151}" type="datetimeFigureOut">
               <a:rPr lang="LID4096" smtClean="0"/>
-              <a:t>01/15/2021</a:t>
+              <a:t>01/18/2021</a:t>
             </a:fld>
             <a:endParaRPr lang="LID4096"/>
           </a:p>
@@ -1543,7 +1543,7 @@
           <a:p>
             <a:fld id="{A2B887A0-F52D-46CA-8D81-D9F15D418151}" type="datetimeFigureOut">
               <a:rPr lang="LID4096" smtClean="0"/>
-              <a:t>01/15/2021</a:t>
+              <a:t>01/18/2021</a:t>
             </a:fld>
             <a:endParaRPr lang="LID4096"/>
           </a:p>
@@ -1801,7 +1801,7 @@
           <a:p>
             <a:fld id="{A2B887A0-F52D-46CA-8D81-D9F15D418151}" type="datetimeFigureOut">
               <a:rPr lang="LID4096" smtClean="0"/>
-              <a:t>01/15/2021</a:t>
+              <a:t>01/18/2021</a:t>
             </a:fld>
             <a:endParaRPr lang="LID4096"/>
           </a:p>
@@ -2090,7 +2090,7 @@
           <a:p>
             <a:fld id="{4F7776EC-D22A-4955-A078-2C6FF6781A0C}" type="datetimeFigureOut">
               <a:rPr lang="LID4096" smtClean="0"/>
-              <a:t>01/15/2021</a:t>
+              <a:t>01/18/2021</a:t>
             </a:fld>
             <a:endParaRPr lang="LID4096"/>
           </a:p>
@@ -2298,7 +2298,7 @@
           <a:p>
             <a:fld id="{4F7776EC-D22A-4955-A078-2C6FF6781A0C}" type="datetimeFigureOut">
               <a:rPr lang="LID4096" smtClean="0"/>
-              <a:t>01/15/2021</a:t>
+              <a:t>01/18/2021</a:t>
             </a:fld>
             <a:endParaRPr lang="LID4096"/>
           </a:p>
@@ -2635,7 +2635,7 @@
           <a:p>
             <a:fld id="{4F7776EC-D22A-4955-A078-2C6FF6781A0C}" type="datetimeFigureOut">
               <a:rPr lang="LID4096" smtClean="0"/>
-              <a:t>01/15/2021</a:t>
+              <a:t>01/18/2021</a:t>
             </a:fld>
             <a:endParaRPr lang="LID4096"/>
           </a:p>
@@ -2910,7 +2910,7 @@
           <a:p>
             <a:fld id="{4F7776EC-D22A-4955-A078-2C6FF6781A0C}" type="datetimeFigureOut">
               <a:rPr lang="LID4096" smtClean="0"/>
-              <a:t>01/15/2021</a:t>
+              <a:t>01/18/2021</a:t>
             </a:fld>
             <a:endParaRPr lang="LID4096"/>
           </a:p>
@@ -3293,7 +3293,7 @@
           <a:p>
             <a:fld id="{4F7776EC-D22A-4955-A078-2C6FF6781A0C}" type="datetimeFigureOut">
               <a:rPr lang="LID4096" smtClean="0"/>
-              <a:t>01/15/2021</a:t>
+              <a:t>01/18/2021</a:t>
             </a:fld>
             <a:endParaRPr lang="LID4096"/>
           </a:p>
@@ -3411,7 +3411,7 @@
           <a:p>
             <a:fld id="{4F7776EC-D22A-4955-A078-2C6FF6781A0C}" type="datetimeFigureOut">
               <a:rPr lang="LID4096" smtClean="0"/>
-              <a:t>01/15/2021</a:t>
+              <a:t>01/18/2021</a:t>
             </a:fld>
             <a:endParaRPr lang="LID4096"/>
           </a:p>
@@ -3584,7 +3584,7 @@
           <a:p>
             <a:fld id="{4F7776EC-D22A-4955-A078-2C6FF6781A0C}" type="datetimeFigureOut">
               <a:rPr lang="LID4096" smtClean="0"/>
-              <a:t>01/15/2021</a:t>
+              <a:t>01/18/2021</a:t>
             </a:fld>
             <a:endParaRPr lang="LID4096"/>
           </a:p>
@@ -3940,7 +3940,7 @@
           <a:p>
             <a:fld id="{4F7776EC-D22A-4955-A078-2C6FF6781A0C}" type="datetimeFigureOut">
               <a:rPr lang="LID4096" smtClean="0"/>
-              <a:t>01/15/2021</a:t>
+              <a:t>01/18/2021</a:t>
             </a:fld>
             <a:endParaRPr lang="LID4096"/>
           </a:p>
@@ -4131,7 +4131,7 @@
           <a:p>
             <a:fld id="{A2B887A0-F52D-46CA-8D81-D9F15D418151}" type="datetimeFigureOut">
               <a:rPr lang="LID4096" smtClean="0"/>
-              <a:t>01/15/2021</a:t>
+              <a:t>01/18/2021</a:t>
             </a:fld>
             <a:endParaRPr lang="LID4096"/>
           </a:p>
@@ -4458,7 +4458,7 @@
           <a:p>
             <a:fld id="{4F7776EC-D22A-4955-A078-2C6FF6781A0C}" type="datetimeFigureOut">
               <a:rPr lang="LID4096" smtClean="0"/>
-              <a:t>01/15/2021</a:t>
+              <a:t>01/18/2021</a:t>
             </a:fld>
             <a:endParaRPr lang="LID4096"/>
           </a:p>
@@ -4644,7 +4644,7 @@
           <a:p>
             <a:fld id="{4F7776EC-D22A-4955-A078-2C6FF6781A0C}" type="datetimeFigureOut">
               <a:rPr lang="LID4096" smtClean="0"/>
-              <a:t>01/15/2021</a:t>
+              <a:t>01/18/2021</a:t>
             </a:fld>
             <a:endParaRPr lang="LID4096"/>
           </a:p>
@@ -4902,7 +4902,7 @@
           <a:p>
             <a:fld id="{4F7776EC-D22A-4955-A078-2C6FF6781A0C}" type="datetimeFigureOut">
               <a:rPr lang="LID4096" smtClean="0"/>
-              <a:t>01/15/2021</a:t>
+              <a:t>01/18/2021</a:t>
             </a:fld>
             <a:endParaRPr lang="LID4096"/>
           </a:p>
@@ -5239,7 +5239,7 @@
           <a:p>
             <a:fld id="{A2B887A0-F52D-46CA-8D81-D9F15D418151}" type="datetimeFigureOut">
               <a:rPr lang="LID4096" smtClean="0"/>
-              <a:t>01/15/2021</a:t>
+              <a:t>01/18/2021</a:t>
             </a:fld>
             <a:endParaRPr lang="LID4096"/>
           </a:p>
@@ -5514,7 +5514,7 @@
           <a:p>
             <a:fld id="{A2B887A0-F52D-46CA-8D81-D9F15D418151}" type="datetimeFigureOut">
               <a:rPr lang="LID4096" smtClean="0"/>
-              <a:t>01/15/2021</a:t>
+              <a:t>01/18/2021</a:t>
             </a:fld>
             <a:endParaRPr lang="LID4096"/>
           </a:p>
@@ -5897,7 +5897,7 @@
           <a:p>
             <a:fld id="{A2B887A0-F52D-46CA-8D81-D9F15D418151}" type="datetimeFigureOut">
               <a:rPr lang="LID4096" smtClean="0"/>
-              <a:t>01/15/2021</a:t>
+              <a:t>01/18/2021</a:t>
             </a:fld>
             <a:endParaRPr lang="LID4096"/>
           </a:p>
@@ -6015,7 +6015,7 @@
           <a:p>
             <a:fld id="{A2B887A0-F52D-46CA-8D81-D9F15D418151}" type="datetimeFigureOut">
               <a:rPr lang="LID4096" smtClean="0"/>
-              <a:t>01/15/2021</a:t>
+              <a:t>01/18/2021</a:t>
             </a:fld>
             <a:endParaRPr lang="LID4096"/>
           </a:p>
@@ -6188,7 +6188,7 @@
           <a:p>
             <a:fld id="{A2B887A0-F52D-46CA-8D81-D9F15D418151}" type="datetimeFigureOut">
               <a:rPr lang="LID4096" smtClean="0"/>
-              <a:t>01/15/2021</a:t>
+              <a:t>01/18/2021</a:t>
             </a:fld>
             <a:endParaRPr lang="LID4096"/>
           </a:p>
@@ -6544,7 +6544,7 @@
           <a:p>
             <a:fld id="{A2B887A0-F52D-46CA-8D81-D9F15D418151}" type="datetimeFigureOut">
               <a:rPr lang="LID4096" smtClean="0"/>
-              <a:t>01/15/2021</a:t>
+              <a:t>01/18/2021</a:t>
             </a:fld>
             <a:endParaRPr lang="LID4096"/>
           </a:p>
@@ -6892,7 +6892,7 @@
           <a:p>
             <a:fld id="{A2B887A0-F52D-46CA-8D81-D9F15D418151}" type="datetimeFigureOut">
               <a:rPr lang="LID4096" smtClean="0"/>
-              <a:t>01/15/2021</a:t>
+              <a:t>01/18/2021</a:t>
             </a:fld>
             <a:endParaRPr lang="LID4096"/>
           </a:p>
@@ -7203,7 +7203,7 @@
           <a:p>
             <a:fld id="{A2B887A0-F52D-46CA-8D81-D9F15D418151}" type="datetimeFigureOut">
               <a:rPr lang="LID4096" smtClean="0"/>
-              <a:t>01/15/2021</a:t>
+              <a:t>01/18/2021</a:t>
             </a:fld>
             <a:endParaRPr lang="LID4096"/>
           </a:p>
@@ -7944,7 +7944,7 @@
           <a:p>
             <a:fld id="{4F7776EC-D22A-4955-A078-2C6FF6781A0C}" type="datetimeFigureOut">
               <a:rPr lang="LID4096" smtClean="0"/>
-              <a:t>01/15/2021</a:t>
+              <a:t>01/18/2021</a:t>
             </a:fld>
             <a:endParaRPr lang="LID4096"/>
           </a:p>
@@ -8499,7 +8499,7 @@
               <a:rPr lang="en-GB" dirty="0">
                 <a:latin typeface="Consolas" panose="020B0609020204030204" pitchFamily="49" charset="0"/>
               </a:rPr>
-              <a:t> sort</a:t>
+              <a:t> sort (LSD)</a:t>
             </a:r>
             <a:endParaRPr lang="LID4096" dirty="0">
               <a:latin typeface="Consolas" panose="020B0609020204030204" pitchFamily="49" charset="0"/>
@@ -9313,7 +9313,7 @@
                 </a:solidFill>
                 <a:latin typeface="Cooper Black" panose="0208090404030B020404" pitchFamily="18" charset="0"/>
               </a:rPr>
-              <a:t>Kirche</a:t>
+              <a:t>Kirsche</a:t>
             </a:r>
             <a:endParaRPr lang="en-US" sz="3600" dirty="0">
               <a:solidFill>
@@ -9529,7 +9529,7 @@
         </p:nvSpPr>
         <p:spPr>
           <a:xfrm>
-            <a:off x="2085309" y="2510143"/>
+            <a:off x="2085305" y="2509245"/>
             <a:ext cx="8183405" cy="655438"/>
           </a:xfrm>
           <a:prstGeom prst="rect">
@@ -9681,7 +9681,7 @@
                 </a:solidFill>
                 <a:latin typeface="Cooper Black" panose="0208090404030B020404" pitchFamily="18" charset="0"/>
               </a:rPr>
-              <a:t>irche</a:t>
+              <a:t>irsche</a:t>
             </a:r>
             <a:endParaRPr lang="en-US" sz="3600" dirty="0">
               <a:solidFill>
@@ -9889,7 +9889,7 @@
                 </a:solidFill>
                 <a:latin typeface="Cooper Black" panose="0208090404030B020404" pitchFamily="18" charset="0"/>
               </a:rPr>
-              <a:t>irche</a:t>
+              <a:t>irsche</a:t>
             </a:r>
             <a:r>
               <a:rPr lang="en-US" sz="3600" dirty="0">
@@ -9941,7 +9941,7 @@
         </p:nvSpPr>
         <p:spPr>
           <a:xfrm>
-            <a:off x="2085306" y="3865474"/>
+            <a:off x="2085304" y="3861458"/>
             <a:ext cx="8183405" cy="655438"/>
           </a:xfrm>
           <a:prstGeom prst="rect">
@@ -10096,7 +10096,7 @@
                 </a:solidFill>
                 <a:latin typeface="Cooper Black" panose="0208090404030B020404" pitchFamily="18" charset="0"/>
               </a:rPr>
-              <a:t>rche</a:t>
+              <a:t>rsche</a:t>
             </a:r>
             <a:r>
               <a:rPr lang="en-US" sz="3600" dirty="0">
@@ -10358,7 +10358,7 @@
                 </a:solidFill>
                 <a:latin typeface="Cooper Black" panose="0208090404030B020404" pitchFamily="18" charset="0"/>
               </a:rPr>
-              <a:t>rche</a:t>
+              <a:t>rsche</a:t>
             </a:r>
             <a:r>
               <a:rPr lang="en-US" sz="3600" dirty="0">
@@ -12964,7 +12964,7 @@
                   <a:uLnTx/>
                   <a:uFillTx/>
                 </a:rPr>
-                <a:t>Worst case: O(d(n+b))</a:t>
+                <a:t>O(d(n+b)) -&gt; linear, nicht quadratisch</a:t>
               </a:r>
             </a:p>
             <a:p>
@@ -13430,7 +13430,7 @@
                   <a:uLnTx/>
                   <a:uFillTx/>
                 </a:rPr>
-                <a:t>Zu sortierende Schlüssel (b) im vorhinein bekannt</a:t>
+                <a:t>Länge des zu sortierende Schlüssel (b) im vorhinein bekannt</a:t>
               </a:r>
             </a:p>
             <a:p>
@@ -13465,7 +13465,7 @@
                   <a:uLnTx/>
                   <a:uFillTx/>
                 </a:rPr>
-                <a:t>Bsp: Zehnerbasis</a:t>
+                <a:t>Bsp: Dezimalzahlen (Zehnerbasis)</a:t>
               </a:r>
             </a:p>
             <a:p>
@@ -13500,7 +13500,7 @@
                   <a:uLnTx/>
                   <a:uFillTx/>
                 </a:rPr>
-                <a:t>Anzahl der Schlüssel muss endlich sein</a:t>
+                <a:t>Laufzeit skaliert mit Länge des Schlüssels</a:t>
               </a:r>
             </a:p>
             <a:p>
@@ -13981,6 +13981,860 @@
           </a:prstGeom>
         </p:spPr>
       </p:pic>
+      <p:graphicFrame>
+        <p:nvGraphicFramePr>
+          <p:cNvPr id="32" name="Table 19">
+            <a:extLst>
+              <a:ext uri="{FF2B5EF4-FFF2-40B4-BE49-F238E27FC236}">
+                <a16:creationId xmlns:a16="http://schemas.microsoft.com/office/drawing/2014/main" id="{B1561CD8-B599-4350-8F8D-F3DFCB070D16}"/>
+              </a:ext>
+            </a:extLst>
+          </p:cNvPr>
+          <p:cNvGraphicFramePr>
+            <a:graphicFrameLocks noGrp="1"/>
+          </p:cNvGraphicFramePr>
+          <p:nvPr>
+            <p:extLst>
+              <p:ext uri="{D42A27DB-BD31-4B8C-83A1-F6EECF244321}">
+                <p14:modId xmlns:p14="http://schemas.microsoft.com/office/powerpoint/2010/main" val="3740417175"/>
+              </p:ext>
+            </p:extLst>
+          </p:nvPr>
+        </p:nvGraphicFramePr>
+        <p:xfrm>
+          <a:off x="2138531" y="6434938"/>
+          <a:ext cx="8128000" cy="370840"/>
+        </p:xfrm>
+        <a:graphic>
+          <a:graphicData uri="http://schemas.openxmlformats.org/drawingml/2006/table">
+            <a:tbl>
+              <a:tblPr bandRow="1">
+                <a:tableStyleId>{073A0DAA-6AF3-43AB-8588-CEC1D06C72B9}</a:tableStyleId>
+              </a:tblPr>
+              <a:tblGrid>
+                <a:gridCol w="812800">
+                  <a:extLst>
+                    <a:ext uri="{9D8B030D-6E8A-4147-A177-3AD203B41FA5}">
+                      <a16:colId xmlns:a16="http://schemas.microsoft.com/office/drawing/2014/main" val="2445245365"/>
+                    </a:ext>
+                  </a:extLst>
+                </a:gridCol>
+                <a:gridCol w="812800">
+                  <a:extLst>
+                    <a:ext uri="{9D8B030D-6E8A-4147-A177-3AD203B41FA5}">
+                      <a16:colId xmlns:a16="http://schemas.microsoft.com/office/drawing/2014/main" val="3339756308"/>
+                    </a:ext>
+                  </a:extLst>
+                </a:gridCol>
+                <a:gridCol w="812800">
+                  <a:extLst>
+                    <a:ext uri="{9D8B030D-6E8A-4147-A177-3AD203B41FA5}">
+                      <a16:colId xmlns:a16="http://schemas.microsoft.com/office/drawing/2014/main" val="746040915"/>
+                    </a:ext>
+                  </a:extLst>
+                </a:gridCol>
+                <a:gridCol w="812800">
+                  <a:extLst>
+                    <a:ext uri="{9D8B030D-6E8A-4147-A177-3AD203B41FA5}">
+                      <a16:colId xmlns:a16="http://schemas.microsoft.com/office/drawing/2014/main" val="3749760888"/>
+                    </a:ext>
+                  </a:extLst>
+                </a:gridCol>
+                <a:gridCol w="812800">
+                  <a:extLst>
+                    <a:ext uri="{9D8B030D-6E8A-4147-A177-3AD203B41FA5}">
+                      <a16:colId xmlns:a16="http://schemas.microsoft.com/office/drawing/2014/main" val="2832284239"/>
+                    </a:ext>
+                  </a:extLst>
+                </a:gridCol>
+                <a:gridCol w="812800">
+                  <a:extLst>
+                    <a:ext uri="{9D8B030D-6E8A-4147-A177-3AD203B41FA5}">
+                      <a16:colId xmlns:a16="http://schemas.microsoft.com/office/drawing/2014/main" val="3273952358"/>
+                    </a:ext>
+                  </a:extLst>
+                </a:gridCol>
+                <a:gridCol w="812800">
+                  <a:extLst>
+                    <a:ext uri="{9D8B030D-6E8A-4147-A177-3AD203B41FA5}">
+                      <a16:colId xmlns:a16="http://schemas.microsoft.com/office/drawing/2014/main" val="24775071"/>
+                    </a:ext>
+                  </a:extLst>
+                </a:gridCol>
+                <a:gridCol w="812800">
+                  <a:extLst>
+                    <a:ext uri="{9D8B030D-6E8A-4147-A177-3AD203B41FA5}">
+                      <a16:colId xmlns:a16="http://schemas.microsoft.com/office/drawing/2014/main" val="1130467033"/>
+                    </a:ext>
+                  </a:extLst>
+                </a:gridCol>
+                <a:gridCol w="812800">
+                  <a:extLst>
+                    <a:ext uri="{9D8B030D-6E8A-4147-A177-3AD203B41FA5}">
+                      <a16:colId xmlns:a16="http://schemas.microsoft.com/office/drawing/2014/main" val="3408536073"/>
+                    </a:ext>
+                  </a:extLst>
+                </a:gridCol>
+                <a:gridCol w="812800">
+                  <a:extLst>
+                    <a:ext uri="{9D8B030D-6E8A-4147-A177-3AD203B41FA5}">
+                      <a16:colId xmlns:a16="http://schemas.microsoft.com/office/drawing/2014/main" val="3124277088"/>
+                    </a:ext>
+                  </a:extLst>
+                </a:gridCol>
+              </a:tblGrid>
+              <a:tr h="370840">
+                <a:tc>
+                  <a:txBody>
+                    <a:bodyPr/>
+                    <a:lstStyle/>
+                    <a:p>
+                      <a:pPr algn="ctr"/>
+                      <a:r>
+                        <a:rPr lang="en-GB" dirty="0">
+                          <a:solidFill>
+                            <a:schemeClr val="tx1"/>
+                          </a:solidFill>
+                        </a:rPr>
+                        <a:t>0</a:t>
+                      </a:r>
+                      <a:endParaRPr lang="de-DE" dirty="0">
+                        <a:solidFill>
+                          <a:schemeClr val="tx1"/>
+                        </a:solidFill>
+                      </a:endParaRPr>
+                    </a:p>
+                  </a:txBody>
+                  <a:tcPr>
+                    <a:solidFill>
+                      <a:schemeClr val="bg1"/>
+                    </a:solidFill>
+                  </a:tcPr>
+                </a:tc>
+                <a:tc>
+                  <a:txBody>
+                    <a:bodyPr/>
+                    <a:lstStyle/>
+                    <a:p>
+                      <a:pPr algn="ctr"/>
+                      <a:r>
+                        <a:rPr lang="en-GB" dirty="0">
+                          <a:solidFill>
+                            <a:schemeClr val="tx1"/>
+                          </a:solidFill>
+                        </a:rPr>
+                        <a:t>1</a:t>
+                      </a:r>
+                      <a:endParaRPr lang="de-DE" dirty="0">
+                        <a:solidFill>
+                          <a:schemeClr val="tx1"/>
+                        </a:solidFill>
+                      </a:endParaRPr>
+                    </a:p>
+                  </a:txBody>
+                  <a:tcPr>
+                    <a:solidFill>
+                      <a:schemeClr val="bg1"/>
+                    </a:solidFill>
+                  </a:tcPr>
+                </a:tc>
+                <a:tc>
+                  <a:txBody>
+                    <a:bodyPr/>
+                    <a:lstStyle/>
+                    <a:p>
+                      <a:pPr algn="ctr"/>
+                      <a:r>
+                        <a:rPr lang="en-GB" dirty="0">
+                          <a:solidFill>
+                            <a:schemeClr val="tx1"/>
+                          </a:solidFill>
+                        </a:rPr>
+                        <a:t>2</a:t>
+                      </a:r>
+                      <a:endParaRPr lang="de-DE" dirty="0">
+                        <a:solidFill>
+                          <a:schemeClr val="tx1"/>
+                        </a:solidFill>
+                      </a:endParaRPr>
+                    </a:p>
+                  </a:txBody>
+                  <a:tcPr>
+                    <a:solidFill>
+                      <a:schemeClr val="bg1"/>
+                    </a:solidFill>
+                  </a:tcPr>
+                </a:tc>
+                <a:tc>
+                  <a:txBody>
+                    <a:bodyPr/>
+                    <a:lstStyle/>
+                    <a:p>
+                      <a:pPr algn="ctr"/>
+                      <a:r>
+                        <a:rPr lang="en-GB" dirty="0">
+                          <a:solidFill>
+                            <a:schemeClr val="tx1"/>
+                          </a:solidFill>
+                        </a:rPr>
+                        <a:t>3</a:t>
+                      </a:r>
+                      <a:endParaRPr lang="de-DE" dirty="0">
+                        <a:solidFill>
+                          <a:schemeClr val="tx1"/>
+                        </a:solidFill>
+                      </a:endParaRPr>
+                    </a:p>
+                  </a:txBody>
+                  <a:tcPr>
+                    <a:solidFill>
+                      <a:schemeClr val="bg1"/>
+                    </a:solidFill>
+                  </a:tcPr>
+                </a:tc>
+                <a:tc>
+                  <a:txBody>
+                    <a:bodyPr/>
+                    <a:lstStyle/>
+                    <a:p>
+                      <a:pPr algn="ctr"/>
+                      <a:r>
+                        <a:rPr lang="en-GB" dirty="0">
+                          <a:solidFill>
+                            <a:schemeClr val="tx1"/>
+                          </a:solidFill>
+                        </a:rPr>
+                        <a:t>4</a:t>
+                      </a:r>
+                      <a:endParaRPr lang="de-DE" dirty="0">
+                        <a:solidFill>
+                          <a:schemeClr val="tx1"/>
+                        </a:solidFill>
+                      </a:endParaRPr>
+                    </a:p>
+                  </a:txBody>
+                  <a:tcPr>
+                    <a:solidFill>
+                      <a:schemeClr val="bg1"/>
+                    </a:solidFill>
+                  </a:tcPr>
+                </a:tc>
+                <a:tc>
+                  <a:txBody>
+                    <a:bodyPr/>
+                    <a:lstStyle/>
+                    <a:p>
+                      <a:pPr algn="ctr"/>
+                      <a:r>
+                        <a:rPr lang="en-GB" dirty="0">
+                          <a:solidFill>
+                            <a:schemeClr val="tx1"/>
+                          </a:solidFill>
+                        </a:rPr>
+                        <a:t>5</a:t>
+                      </a:r>
+                      <a:endParaRPr lang="de-DE" dirty="0">
+                        <a:solidFill>
+                          <a:schemeClr val="tx1"/>
+                        </a:solidFill>
+                      </a:endParaRPr>
+                    </a:p>
+                  </a:txBody>
+                  <a:tcPr>
+                    <a:solidFill>
+                      <a:schemeClr val="bg1"/>
+                    </a:solidFill>
+                  </a:tcPr>
+                </a:tc>
+                <a:tc>
+                  <a:txBody>
+                    <a:bodyPr/>
+                    <a:lstStyle/>
+                    <a:p>
+                      <a:pPr algn="ctr"/>
+                      <a:r>
+                        <a:rPr lang="en-GB" dirty="0">
+                          <a:solidFill>
+                            <a:schemeClr val="tx1"/>
+                          </a:solidFill>
+                        </a:rPr>
+                        <a:t>6</a:t>
+                      </a:r>
+                      <a:endParaRPr lang="de-DE" dirty="0">
+                        <a:solidFill>
+                          <a:schemeClr val="tx1"/>
+                        </a:solidFill>
+                      </a:endParaRPr>
+                    </a:p>
+                  </a:txBody>
+                  <a:tcPr>
+                    <a:solidFill>
+                      <a:schemeClr val="bg1"/>
+                    </a:solidFill>
+                  </a:tcPr>
+                </a:tc>
+                <a:tc>
+                  <a:txBody>
+                    <a:bodyPr/>
+                    <a:lstStyle/>
+                    <a:p>
+                      <a:pPr algn="ctr"/>
+                      <a:r>
+                        <a:rPr lang="en-GB" dirty="0">
+                          <a:solidFill>
+                            <a:schemeClr val="tx1"/>
+                          </a:solidFill>
+                        </a:rPr>
+                        <a:t>7</a:t>
+                      </a:r>
+                      <a:endParaRPr lang="de-DE" dirty="0">
+                        <a:solidFill>
+                          <a:schemeClr val="tx1"/>
+                        </a:solidFill>
+                      </a:endParaRPr>
+                    </a:p>
+                  </a:txBody>
+                  <a:tcPr>
+                    <a:solidFill>
+                      <a:schemeClr val="bg1"/>
+                    </a:solidFill>
+                  </a:tcPr>
+                </a:tc>
+                <a:tc>
+                  <a:txBody>
+                    <a:bodyPr/>
+                    <a:lstStyle/>
+                    <a:p>
+                      <a:pPr algn="ctr"/>
+                      <a:r>
+                        <a:rPr lang="en-GB" dirty="0">
+                          <a:solidFill>
+                            <a:schemeClr val="tx1"/>
+                          </a:solidFill>
+                        </a:rPr>
+                        <a:t>8</a:t>
+                      </a:r>
+                      <a:endParaRPr lang="de-DE" dirty="0">
+                        <a:solidFill>
+                          <a:schemeClr val="tx1"/>
+                        </a:solidFill>
+                      </a:endParaRPr>
+                    </a:p>
+                  </a:txBody>
+                  <a:tcPr>
+                    <a:solidFill>
+                      <a:schemeClr val="bg1"/>
+                    </a:solidFill>
+                  </a:tcPr>
+                </a:tc>
+                <a:tc>
+                  <a:txBody>
+                    <a:bodyPr/>
+                    <a:lstStyle/>
+                    <a:p>
+                      <a:pPr algn="ctr"/>
+                      <a:r>
+                        <a:rPr lang="en-GB" dirty="0">
+                          <a:solidFill>
+                            <a:schemeClr val="tx1"/>
+                          </a:solidFill>
+                        </a:rPr>
+                        <a:t>9</a:t>
+                      </a:r>
+                      <a:endParaRPr lang="de-DE" dirty="0">
+                        <a:solidFill>
+                          <a:schemeClr val="tx1"/>
+                        </a:solidFill>
+                      </a:endParaRPr>
+                    </a:p>
+                  </a:txBody>
+                  <a:tcPr>
+                    <a:solidFill>
+                      <a:schemeClr val="bg1"/>
+                    </a:solidFill>
+                  </a:tcPr>
+                </a:tc>
+                <a:extLst>
+                  <a:ext uri="{0D108BD9-81ED-4DB2-BD59-A6C34878D82A}">
+                    <a16:rowId xmlns:a16="http://schemas.microsoft.com/office/drawing/2014/main" val="142340708"/>
+                  </a:ext>
+                </a:extLst>
+              </a:tr>
+            </a:tbl>
+          </a:graphicData>
+        </a:graphic>
+      </p:graphicFrame>
+      <p:sp>
+        <p:nvSpPr>
+          <p:cNvPr id="3" name="TextBox 2">
+            <a:extLst>
+              <a:ext uri="{FF2B5EF4-FFF2-40B4-BE49-F238E27FC236}">
+                <a16:creationId xmlns:a16="http://schemas.microsoft.com/office/drawing/2014/main" id="{67AD1A6B-F84D-4AED-90EC-1EB7D6DEF8B7}"/>
+              </a:ext>
+            </a:extLst>
+          </p:cNvPr>
+          <p:cNvSpPr txBox="1"/>
+          <p:nvPr/>
+        </p:nvSpPr>
+        <p:spPr>
+          <a:xfrm>
+            <a:off x="965200" y="6436446"/>
+            <a:ext cx="1055668" cy="369332"/>
+          </a:xfrm>
+          <a:prstGeom prst="rect">
+            <a:avLst/>
+          </a:prstGeom>
+        </p:spPr>
+        <p:style>
+          <a:lnRef idx="2">
+            <a:schemeClr val="accent1">
+              <a:shade val="50000"/>
+            </a:schemeClr>
+          </a:lnRef>
+          <a:fillRef idx="1">
+            <a:schemeClr val="accent1"/>
+          </a:fillRef>
+          <a:effectRef idx="0">
+            <a:schemeClr val="accent1"/>
+          </a:effectRef>
+          <a:fontRef idx="minor">
+            <a:schemeClr val="lt1"/>
+          </a:fontRef>
+        </p:style>
+        <p:txBody>
+          <a:bodyPr wrap="square" rtlCol="0">
+            <a:spAutoFit/>
+          </a:bodyPr>
+          <a:lstStyle/>
+          <a:p>
+            <a:pPr algn="ctr"/>
+            <a:r>
+              <a:rPr lang="en-US" dirty="0"/>
+              <a:t>Dezimal</a:t>
+            </a:r>
+            <a:endParaRPr lang="de-DE" dirty="0"/>
+          </a:p>
+        </p:txBody>
+      </p:sp>
+      <p:sp>
+        <p:nvSpPr>
+          <p:cNvPr id="33" name="TextBox 32">
+            <a:extLst>
+              <a:ext uri="{FF2B5EF4-FFF2-40B4-BE49-F238E27FC236}">
+                <a16:creationId xmlns:a16="http://schemas.microsoft.com/office/drawing/2014/main" id="{87F369BF-43D9-40FD-B672-75724C1A568C}"/>
+              </a:ext>
+            </a:extLst>
+          </p:cNvPr>
+          <p:cNvSpPr txBox="1"/>
+          <p:nvPr/>
+        </p:nvSpPr>
+        <p:spPr>
+          <a:xfrm>
+            <a:off x="4159434" y="6436446"/>
+            <a:ext cx="1055668" cy="369332"/>
+          </a:xfrm>
+          <a:prstGeom prst="rect">
+            <a:avLst/>
+          </a:prstGeom>
+        </p:spPr>
+        <p:style>
+          <a:lnRef idx="2">
+            <a:schemeClr val="accent1">
+              <a:shade val="50000"/>
+            </a:schemeClr>
+          </a:lnRef>
+          <a:fillRef idx="1">
+            <a:schemeClr val="accent1"/>
+          </a:fillRef>
+          <a:effectRef idx="0">
+            <a:schemeClr val="accent1"/>
+          </a:effectRef>
+          <a:fontRef idx="minor">
+            <a:schemeClr val="lt1"/>
+          </a:fontRef>
+        </p:style>
+        <p:txBody>
+          <a:bodyPr wrap="square" rtlCol="0">
+            <a:spAutoFit/>
+          </a:bodyPr>
+          <a:lstStyle/>
+          <a:p>
+            <a:pPr algn="ctr"/>
+            <a:r>
+              <a:rPr lang="en-US" dirty="0" err="1"/>
+              <a:t>Binär</a:t>
+            </a:r>
+            <a:endParaRPr lang="de-DE" dirty="0"/>
+          </a:p>
+        </p:txBody>
+      </p:sp>
+      <p:graphicFrame>
+        <p:nvGraphicFramePr>
+          <p:cNvPr id="34" name="Table 19">
+            <a:extLst>
+              <a:ext uri="{FF2B5EF4-FFF2-40B4-BE49-F238E27FC236}">
+                <a16:creationId xmlns:a16="http://schemas.microsoft.com/office/drawing/2014/main" id="{DF3A530A-AE08-4128-BBDA-F2AD2BF9BB67}"/>
+              </a:ext>
+            </a:extLst>
+          </p:cNvPr>
+          <p:cNvGraphicFramePr>
+            <a:graphicFrameLocks noGrp="1"/>
+          </p:cNvGraphicFramePr>
+          <p:nvPr>
+            <p:extLst>
+              <p:ext uri="{D42A27DB-BD31-4B8C-83A1-F6EECF244321}">
+                <p14:modId xmlns:p14="http://schemas.microsoft.com/office/powerpoint/2010/main" val="857038373"/>
+              </p:ext>
+            </p:extLst>
+          </p:nvPr>
+        </p:nvGraphicFramePr>
+        <p:xfrm>
+          <a:off x="5388065" y="6434938"/>
+          <a:ext cx="1625600" cy="370840"/>
+        </p:xfrm>
+        <a:graphic>
+          <a:graphicData uri="http://schemas.openxmlformats.org/drawingml/2006/table">
+            <a:tbl>
+              <a:tblPr bandRow="1">
+                <a:tableStyleId>{073A0DAA-6AF3-43AB-8588-CEC1D06C72B9}</a:tableStyleId>
+              </a:tblPr>
+              <a:tblGrid>
+                <a:gridCol w="812800">
+                  <a:extLst>
+                    <a:ext uri="{9D8B030D-6E8A-4147-A177-3AD203B41FA5}">
+                      <a16:colId xmlns:a16="http://schemas.microsoft.com/office/drawing/2014/main" val="2445245365"/>
+                    </a:ext>
+                  </a:extLst>
+                </a:gridCol>
+                <a:gridCol w="812800">
+                  <a:extLst>
+                    <a:ext uri="{9D8B030D-6E8A-4147-A177-3AD203B41FA5}">
+                      <a16:colId xmlns:a16="http://schemas.microsoft.com/office/drawing/2014/main" val="3339756308"/>
+                    </a:ext>
+                  </a:extLst>
+                </a:gridCol>
+              </a:tblGrid>
+              <a:tr h="370840">
+                <a:tc>
+                  <a:txBody>
+                    <a:bodyPr/>
+                    <a:lstStyle/>
+                    <a:p>
+                      <a:pPr algn="ctr"/>
+                      <a:r>
+                        <a:rPr lang="en-GB" dirty="0">
+                          <a:solidFill>
+                            <a:schemeClr val="tx1"/>
+                          </a:solidFill>
+                        </a:rPr>
+                        <a:t>0</a:t>
+                      </a:r>
+                      <a:endParaRPr lang="de-DE" dirty="0">
+                        <a:solidFill>
+                          <a:schemeClr val="tx1"/>
+                        </a:solidFill>
+                      </a:endParaRPr>
+                    </a:p>
+                  </a:txBody>
+                  <a:tcPr>
+                    <a:solidFill>
+                      <a:schemeClr val="bg1"/>
+                    </a:solidFill>
+                  </a:tcPr>
+                </a:tc>
+                <a:tc>
+                  <a:txBody>
+                    <a:bodyPr/>
+                    <a:lstStyle/>
+                    <a:p>
+                      <a:pPr algn="ctr"/>
+                      <a:r>
+                        <a:rPr lang="en-GB" dirty="0">
+                          <a:solidFill>
+                            <a:schemeClr val="tx1"/>
+                          </a:solidFill>
+                        </a:rPr>
+                        <a:t>1</a:t>
+                      </a:r>
+                      <a:endParaRPr lang="de-DE" dirty="0">
+                        <a:solidFill>
+                          <a:schemeClr val="tx1"/>
+                        </a:solidFill>
+                      </a:endParaRPr>
+                    </a:p>
+                  </a:txBody>
+                  <a:tcPr>
+                    <a:solidFill>
+                      <a:schemeClr val="bg1"/>
+                    </a:solidFill>
+                  </a:tcPr>
+                </a:tc>
+                <a:extLst>
+                  <a:ext uri="{0D108BD9-81ED-4DB2-BD59-A6C34878D82A}">
+                    <a16:rowId xmlns:a16="http://schemas.microsoft.com/office/drawing/2014/main" val="142340708"/>
+                  </a:ext>
+                </a:extLst>
+              </a:tr>
+            </a:tbl>
+          </a:graphicData>
+        </a:graphic>
+      </p:graphicFrame>
+      <p:graphicFrame>
+        <p:nvGraphicFramePr>
+          <p:cNvPr id="35" name="Table 19">
+            <a:extLst>
+              <a:ext uri="{FF2B5EF4-FFF2-40B4-BE49-F238E27FC236}">
+                <a16:creationId xmlns:a16="http://schemas.microsoft.com/office/drawing/2014/main" id="{829B2F53-0114-4FC0-A311-8CDD5FED6141}"/>
+              </a:ext>
+            </a:extLst>
+          </p:cNvPr>
+          <p:cNvGraphicFramePr>
+            <a:graphicFrameLocks noGrp="1"/>
+          </p:cNvGraphicFramePr>
+          <p:nvPr>
+            <p:extLst>
+              <p:ext uri="{D42A27DB-BD31-4B8C-83A1-F6EECF244321}">
+                <p14:modId xmlns:p14="http://schemas.microsoft.com/office/powerpoint/2010/main" val="2788358511"/>
+              </p:ext>
+            </p:extLst>
+          </p:nvPr>
+        </p:nvGraphicFramePr>
+        <p:xfrm>
+          <a:off x="9150853" y="3946788"/>
+          <a:ext cx="1346199" cy="274320"/>
+        </p:xfrm>
+        <a:graphic>
+          <a:graphicData uri="http://schemas.openxmlformats.org/drawingml/2006/table">
+            <a:tbl>
+              <a:tblPr bandRow="1">
+                <a:tableStyleId>{073A0DAA-6AF3-43AB-8588-CEC1D06C72B9}</a:tableStyleId>
+              </a:tblPr>
+              <a:tblGrid>
+                <a:gridCol w="448733">
+                  <a:extLst>
+                    <a:ext uri="{9D8B030D-6E8A-4147-A177-3AD203B41FA5}">
+                      <a16:colId xmlns:a16="http://schemas.microsoft.com/office/drawing/2014/main" val="2445245365"/>
+                    </a:ext>
+                  </a:extLst>
+                </a:gridCol>
+                <a:gridCol w="448733">
+                  <a:extLst>
+                    <a:ext uri="{9D8B030D-6E8A-4147-A177-3AD203B41FA5}">
+                      <a16:colId xmlns:a16="http://schemas.microsoft.com/office/drawing/2014/main" val="3339756308"/>
+                    </a:ext>
+                  </a:extLst>
+                </a:gridCol>
+                <a:gridCol w="448733">
+                  <a:extLst>
+                    <a:ext uri="{9D8B030D-6E8A-4147-A177-3AD203B41FA5}">
+                      <a16:colId xmlns:a16="http://schemas.microsoft.com/office/drawing/2014/main" val="4139711841"/>
+                    </a:ext>
+                  </a:extLst>
+                </a:gridCol>
+              </a:tblGrid>
+              <a:tr h="211997">
+                <a:tc>
+                  <a:txBody>
+                    <a:bodyPr/>
+                    <a:lstStyle/>
+                    <a:p>
+                      <a:pPr algn="ctr"/>
+                      <a:r>
+                        <a:rPr lang="en-GB" sz="1200" dirty="0">
+                          <a:solidFill>
+                            <a:schemeClr val="tx1"/>
+                          </a:solidFill>
+                        </a:rPr>
+                        <a:t>25</a:t>
+                      </a:r>
+                      <a:endParaRPr lang="de-DE" sz="1200" dirty="0">
+                        <a:solidFill>
+                          <a:schemeClr val="tx1"/>
+                        </a:solidFill>
+                      </a:endParaRPr>
+                    </a:p>
+                  </a:txBody>
+                  <a:tcPr>
+                    <a:solidFill>
+                      <a:schemeClr val="bg1"/>
+                    </a:solidFill>
+                  </a:tcPr>
+                </a:tc>
+                <a:tc>
+                  <a:txBody>
+                    <a:bodyPr/>
+                    <a:lstStyle/>
+                    <a:p>
+                      <a:pPr algn="ctr"/>
+                      <a:r>
+                        <a:rPr lang="en-GB" sz="1200" dirty="0">
+                          <a:solidFill>
+                            <a:schemeClr val="tx1"/>
+                          </a:solidFill>
+                        </a:rPr>
+                        <a:t>3</a:t>
+                      </a:r>
+                      <a:endParaRPr lang="de-DE" sz="1200" dirty="0">
+                        <a:solidFill>
+                          <a:schemeClr val="tx1"/>
+                        </a:solidFill>
+                      </a:endParaRPr>
+                    </a:p>
+                  </a:txBody>
+                  <a:tcPr>
+                    <a:solidFill>
+                      <a:schemeClr val="bg1"/>
+                    </a:solidFill>
+                  </a:tcPr>
+                </a:tc>
+                <a:tc>
+                  <a:txBody>
+                    <a:bodyPr/>
+                    <a:lstStyle/>
+                    <a:p>
+                      <a:pPr algn="ctr"/>
+                      <a:r>
+                        <a:rPr lang="en-US" sz="1200" u="sng" dirty="0">
+                          <a:solidFill>
+                            <a:schemeClr val="tx1"/>
+                          </a:solidFill>
+                        </a:rPr>
+                        <a:t>421</a:t>
+                      </a:r>
+                      <a:endParaRPr lang="de-DE" sz="1200" u="sng" dirty="0">
+                        <a:solidFill>
+                          <a:schemeClr val="tx1"/>
+                        </a:solidFill>
+                      </a:endParaRPr>
+                    </a:p>
+                  </a:txBody>
+                  <a:tcPr>
+                    <a:solidFill>
+                      <a:schemeClr val="bg1"/>
+                    </a:solidFill>
+                  </a:tcPr>
+                </a:tc>
+                <a:extLst>
+                  <a:ext uri="{0D108BD9-81ED-4DB2-BD59-A6C34878D82A}">
+                    <a16:rowId xmlns:a16="http://schemas.microsoft.com/office/drawing/2014/main" val="142340708"/>
+                  </a:ext>
+                </a:extLst>
+              </a:tr>
+            </a:tbl>
+          </a:graphicData>
+        </a:graphic>
+      </p:graphicFrame>
+      <p:sp>
+        <p:nvSpPr>
+          <p:cNvPr id="36" name="TextBox 35">
+            <a:extLst>
+              <a:ext uri="{FF2B5EF4-FFF2-40B4-BE49-F238E27FC236}">
+                <a16:creationId xmlns:a16="http://schemas.microsoft.com/office/drawing/2014/main" id="{D641FED5-4A9E-4153-9384-D1A08A5DE430}"/>
+              </a:ext>
+            </a:extLst>
+          </p:cNvPr>
+          <p:cNvSpPr txBox="1"/>
+          <p:nvPr/>
+        </p:nvSpPr>
+        <p:spPr>
+          <a:xfrm>
+            <a:off x="10813770" y="3946454"/>
+            <a:ext cx="533400" cy="276999"/>
+          </a:xfrm>
+          <a:prstGeom prst="rect">
+            <a:avLst/>
+          </a:prstGeom>
+          <a:solidFill>
+            <a:srgbClr val="404040"/>
+          </a:solidFill>
+          <a:ln>
+            <a:solidFill>
+              <a:schemeClr val="tx1"/>
+            </a:solidFill>
+          </a:ln>
+        </p:spPr>
+        <p:style>
+          <a:lnRef idx="2">
+            <a:schemeClr val="dk1"/>
+          </a:lnRef>
+          <a:fillRef idx="1">
+            <a:schemeClr val="lt1"/>
+          </a:fillRef>
+          <a:effectRef idx="0">
+            <a:schemeClr val="dk1"/>
+          </a:effectRef>
+          <a:fontRef idx="minor">
+            <a:schemeClr val="dk1"/>
+          </a:fontRef>
+        </p:style>
+        <p:txBody>
+          <a:bodyPr wrap="square" rtlCol="0">
+            <a:spAutoFit/>
+          </a:bodyPr>
+          <a:lstStyle/>
+          <a:p>
+            <a:pPr algn="ctr"/>
+            <a:r>
+              <a:rPr lang="en-US" sz="1200" dirty="0">
+                <a:solidFill>
+                  <a:schemeClr val="tx1"/>
+                </a:solidFill>
+              </a:rPr>
+              <a:t>d = 3</a:t>
+            </a:r>
+            <a:endParaRPr lang="de-DE" sz="1200" dirty="0">
+              <a:solidFill>
+                <a:schemeClr val="tx1"/>
+              </a:solidFill>
+            </a:endParaRPr>
+          </a:p>
+        </p:txBody>
+      </p:sp>
+      <p:sp>
+        <p:nvSpPr>
+          <p:cNvPr id="37" name="Arrow: Right 36">
+            <a:extLst>
+              <a:ext uri="{FF2B5EF4-FFF2-40B4-BE49-F238E27FC236}">
+                <a16:creationId xmlns:a16="http://schemas.microsoft.com/office/drawing/2014/main" id="{F0C665D8-C478-4A8F-8913-16229DF57E00}"/>
+              </a:ext>
+            </a:extLst>
+          </p:cNvPr>
+          <p:cNvSpPr/>
+          <p:nvPr/>
+        </p:nvSpPr>
+        <p:spPr>
+          <a:xfrm>
+            <a:off x="10623694" y="4037368"/>
+            <a:ext cx="110555" cy="82981"/>
+          </a:xfrm>
+          <a:prstGeom prst="rightArrow">
+            <a:avLst/>
+          </a:prstGeom>
+          <a:ln w="3175"/>
+        </p:spPr>
+        <p:style>
+          <a:lnRef idx="3">
+            <a:schemeClr val="lt1"/>
+          </a:lnRef>
+          <a:fillRef idx="1">
+            <a:schemeClr val="dk1"/>
+          </a:fillRef>
+          <a:effectRef idx="1">
+            <a:schemeClr val="dk1"/>
+          </a:effectRef>
+          <a:fontRef idx="minor">
+            <a:schemeClr val="lt1"/>
+          </a:fontRef>
+        </p:style>
+        <p:txBody>
+          <a:bodyPr rtlCol="0" anchor="ctr"/>
+          <a:lstStyle/>
+          <a:p>
+            <a:pPr algn="ctr"/>
+            <a:endParaRPr lang="de-DE"/>
+          </a:p>
+        </p:txBody>
+      </p:sp>
     </p:spTree>
     <p:extLst>
       <p:ext uri="{BB962C8B-B14F-4D97-AF65-F5344CB8AC3E}">
@@ -14252,215 +15106,20 @@
                             </p:stCondLst>
                             <p:childTnLst>
                               <p:par>
-                                <p:cTn id="24" presetID="27" presetClass="emph" presetSubtype="0" fill="remove" grpId="0" nodeType="clickEffect">
-                                  <p:stCondLst>
-                                    <p:cond delay="0"/>
-                                  </p:stCondLst>
-                                  <p:childTnLst>
-                                    <p:animClr clrSpc="rgb" dir="cw">
-                                      <p:cBhvr override="childStyle">
-                                        <p:cTn id="25" dur="250" autoRev="1" fill="remove"/>
-                                        <p:tgtEl>
-                                          <p:spTgt spid="6"/>
-                                        </p:tgtEl>
-                                        <p:attrNameLst>
-                                          <p:attrName>style.color</p:attrName>
-                                        </p:attrNameLst>
-                                      </p:cBhvr>
-                                      <p:to>
-                                        <a:schemeClr val="tx1"/>
-                                      </p:to>
-                                    </p:animClr>
-                                    <p:animClr clrSpc="rgb" dir="cw">
-                                      <p:cBhvr>
-                                        <p:cTn id="26" dur="250" autoRev="1" fill="remove"/>
-                                        <p:tgtEl>
-                                          <p:spTgt spid="6"/>
-                                        </p:tgtEl>
-                                        <p:attrNameLst>
-                                          <p:attrName>fillcolor</p:attrName>
-                                        </p:attrNameLst>
-                                      </p:cBhvr>
-                                      <p:to>
-                                        <a:schemeClr val="tx1"/>
-                                      </p:to>
-                                    </p:animClr>
-                                    <p:set>
-                                      <p:cBhvr>
-                                        <p:cTn id="27" dur="250" autoRev="1" fill="remove"/>
-                                        <p:tgtEl>
-                                          <p:spTgt spid="6"/>
-                                        </p:tgtEl>
-                                        <p:attrNameLst>
-                                          <p:attrName>fill.type</p:attrName>
-                                        </p:attrNameLst>
-                                      </p:cBhvr>
-                                      <p:to>
-                                        <p:strVal val="solid"/>
-                                      </p:to>
-                                    </p:set>
-                                    <p:set>
-                                      <p:cBhvr>
-                                        <p:cTn id="28" dur="250" autoRev="1" fill="remove"/>
-                                        <p:tgtEl>
-                                          <p:spTgt spid="6"/>
-                                        </p:tgtEl>
-                                        <p:attrNameLst>
-                                          <p:attrName>fill.on</p:attrName>
-                                        </p:attrNameLst>
-                                      </p:cBhvr>
-                                      <p:to>
-                                        <p:strVal val="true"/>
-                                      </p:to>
-                                    </p:set>
-                                  </p:childTnLst>
-                                </p:cTn>
-                              </p:par>
-                              <p:par>
-                                <p:cTn id="29" presetID="27" presetClass="emph" presetSubtype="0" fill="remove" grpId="0" nodeType="withEffect">
-                                  <p:stCondLst>
-                                    <p:cond delay="0"/>
-                                  </p:stCondLst>
-                                  <p:childTnLst>
-                                    <p:animClr clrSpc="rgb" dir="cw">
-                                      <p:cBhvr override="childStyle">
-                                        <p:cTn id="30" dur="250" autoRev="1" fill="remove"/>
-                                        <p:tgtEl>
-                                          <p:spTgt spid="10"/>
-                                        </p:tgtEl>
-                                        <p:attrNameLst>
-                                          <p:attrName>style.color</p:attrName>
-                                        </p:attrNameLst>
-                                      </p:cBhvr>
-                                      <p:to>
-                                        <a:schemeClr val="tx1"/>
-                                      </p:to>
-                                    </p:animClr>
-                                    <p:animClr clrSpc="rgb" dir="cw">
-                                      <p:cBhvr>
-                                        <p:cTn id="31" dur="250" autoRev="1" fill="remove"/>
-                                        <p:tgtEl>
-                                          <p:spTgt spid="10"/>
-                                        </p:tgtEl>
-                                        <p:attrNameLst>
-                                          <p:attrName>fillcolor</p:attrName>
-                                        </p:attrNameLst>
-                                      </p:cBhvr>
-                                      <p:to>
-                                        <a:schemeClr val="tx1"/>
-                                      </p:to>
-                                    </p:animClr>
-                                    <p:set>
-                                      <p:cBhvr>
-                                        <p:cTn id="32" dur="250" autoRev="1" fill="remove"/>
-                                        <p:tgtEl>
-                                          <p:spTgt spid="10"/>
-                                        </p:tgtEl>
-                                        <p:attrNameLst>
-                                          <p:attrName>fill.type</p:attrName>
-                                        </p:attrNameLst>
-                                      </p:cBhvr>
-                                      <p:to>
-                                        <p:strVal val="solid"/>
-                                      </p:to>
-                                    </p:set>
-                                    <p:set>
-                                      <p:cBhvr>
-                                        <p:cTn id="33" dur="250" autoRev="1" fill="remove"/>
-                                        <p:tgtEl>
-                                          <p:spTgt spid="10"/>
-                                        </p:tgtEl>
-                                        <p:attrNameLst>
-                                          <p:attrName>fill.on</p:attrName>
-                                        </p:attrNameLst>
-                                      </p:cBhvr>
-                                      <p:to>
-                                        <p:strVal val="true"/>
-                                      </p:to>
-                                    </p:set>
-                                  </p:childTnLst>
-                                </p:cTn>
-                              </p:par>
-                              <p:par>
-                                <p:cTn id="34" presetID="27" presetClass="emph" presetSubtype="0" fill="remove" grpId="0" nodeType="withEffect">
-                                  <p:stCondLst>
-                                    <p:cond delay="0"/>
-                                  </p:stCondLst>
-                                  <p:childTnLst>
-                                    <p:animClr clrSpc="rgb" dir="cw">
-                                      <p:cBhvr override="childStyle">
-                                        <p:cTn id="35" dur="250" autoRev="1" fill="remove"/>
-                                        <p:tgtEl>
-                                          <p:spTgt spid="15"/>
-                                        </p:tgtEl>
-                                        <p:attrNameLst>
-                                          <p:attrName>style.color</p:attrName>
-                                        </p:attrNameLst>
-                                      </p:cBhvr>
-                                      <p:to>
-                                        <a:schemeClr val="tx1"/>
-                                      </p:to>
-                                    </p:animClr>
-                                    <p:animClr clrSpc="rgb" dir="cw">
-                                      <p:cBhvr>
-                                        <p:cTn id="36" dur="250" autoRev="1" fill="remove"/>
-                                        <p:tgtEl>
-                                          <p:spTgt spid="15"/>
-                                        </p:tgtEl>
-                                        <p:attrNameLst>
-                                          <p:attrName>fillcolor</p:attrName>
-                                        </p:attrNameLst>
-                                      </p:cBhvr>
-                                      <p:to>
-                                        <a:schemeClr val="tx1"/>
-                                      </p:to>
-                                    </p:animClr>
-                                    <p:set>
-                                      <p:cBhvr>
-                                        <p:cTn id="37" dur="250" autoRev="1" fill="remove"/>
-                                        <p:tgtEl>
-                                          <p:spTgt spid="15"/>
-                                        </p:tgtEl>
-                                        <p:attrNameLst>
-                                          <p:attrName>fill.type</p:attrName>
-                                        </p:attrNameLst>
-                                      </p:cBhvr>
-                                      <p:to>
-                                        <p:strVal val="solid"/>
-                                      </p:to>
-                                    </p:set>
-                                    <p:set>
-                                      <p:cBhvr>
-                                        <p:cTn id="38" dur="250" autoRev="1" fill="remove"/>
-                                        <p:tgtEl>
-                                          <p:spTgt spid="15"/>
-                                        </p:tgtEl>
-                                        <p:attrNameLst>
-                                          <p:attrName>fill.on</p:attrName>
-                                        </p:attrNameLst>
-                                      </p:cBhvr>
-                                      <p:to>
-                                        <p:strVal val="true"/>
-                                      </p:to>
-                                    </p:set>
-                                  </p:childTnLst>
-                                </p:cTn>
-                              </p:par>
-                              <p:par>
-                                <p:cTn id="39" presetID="1" presetClass="entr" presetSubtype="0" fill="hold" nodeType="withEffect">
+                                <p:cTn id="24" presetID="10" presetClass="entr" presetSubtype="0" fill="hold" nodeType="clickEffect">
                                   <p:stCondLst>
                                     <p:cond delay="0"/>
                                   </p:stCondLst>
                                   <p:childTnLst>
                                     <p:set>
                                       <p:cBhvr>
-                                        <p:cTn id="40" dur="1" fill="hold">
+                                        <p:cTn id="25" dur="1" fill="hold">
                                           <p:stCondLst>
                                             <p:cond delay="0"/>
                                           </p:stCondLst>
                                         </p:cTn>
                                         <p:tgtEl>
-                                          <p:spTgt spid="16"/>
+                                          <p:spTgt spid="32"/>
                                         </p:tgtEl>
                                         <p:attrNameLst>
                                           <p:attrName>style.visibility</p:attrName>
@@ -14470,6 +15129,183 @@
                                         <p:strVal val="visible"/>
                                       </p:to>
                                     </p:set>
+                                    <p:animEffect transition="in" filter="fade">
+                                      <p:cBhvr>
+                                        <p:cTn id="26" dur="500"/>
+                                        <p:tgtEl>
+                                          <p:spTgt spid="32"/>
+                                        </p:tgtEl>
+                                      </p:cBhvr>
+                                    </p:animEffect>
+                                  </p:childTnLst>
+                                </p:cTn>
+                              </p:par>
+                              <p:par>
+                                <p:cTn id="27" presetID="1" presetClass="entr" presetSubtype="0" fill="hold" grpId="0" nodeType="withEffect">
+                                  <p:stCondLst>
+                                    <p:cond delay="0"/>
+                                  </p:stCondLst>
+                                  <p:childTnLst>
+                                    <p:set>
+                                      <p:cBhvr>
+                                        <p:cTn id="28" dur="1" fill="hold">
+                                          <p:stCondLst>
+                                            <p:cond delay="0"/>
+                                          </p:stCondLst>
+                                        </p:cTn>
+                                        <p:tgtEl>
+                                          <p:spTgt spid="3"/>
+                                        </p:tgtEl>
+                                        <p:attrNameLst>
+                                          <p:attrName>style.visibility</p:attrName>
+                                        </p:attrNameLst>
+                                      </p:cBhvr>
+                                      <p:to>
+                                        <p:strVal val="visible"/>
+                                      </p:to>
+                                    </p:set>
+                                  </p:childTnLst>
+                                </p:cTn>
+                              </p:par>
+                            </p:childTnLst>
+                          </p:cTn>
+                        </p:par>
+                      </p:childTnLst>
+                    </p:cTn>
+                  </p:par>
+                  <p:par>
+                    <p:cTn id="29" fill="hold">
+                      <p:stCondLst>
+                        <p:cond delay="indefinite"/>
+                      </p:stCondLst>
+                      <p:childTnLst>
+                        <p:par>
+                          <p:cTn id="30" fill="hold">
+                            <p:stCondLst>
+                              <p:cond delay="0"/>
+                            </p:stCondLst>
+                            <p:childTnLst>
+                              <p:par>
+                                <p:cTn id="31" presetID="1" presetClass="exit" presetSubtype="0" fill="hold" grpId="1" nodeType="clickEffect">
+                                  <p:stCondLst>
+                                    <p:cond delay="0"/>
+                                  </p:stCondLst>
+                                  <p:childTnLst>
+                                    <p:set>
+                                      <p:cBhvr>
+                                        <p:cTn id="32" dur="1" fill="hold">
+                                          <p:stCondLst>
+                                            <p:cond delay="0"/>
+                                          </p:stCondLst>
+                                        </p:cTn>
+                                        <p:tgtEl>
+                                          <p:spTgt spid="3"/>
+                                        </p:tgtEl>
+                                        <p:attrNameLst>
+                                          <p:attrName>style.visibility</p:attrName>
+                                        </p:attrNameLst>
+                                      </p:cBhvr>
+                                      <p:to>
+                                        <p:strVal val="hidden"/>
+                                      </p:to>
+                                    </p:set>
+                                  </p:childTnLst>
+                                </p:cTn>
+                              </p:par>
+                              <p:par>
+                                <p:cTn id="33" presetID="1" presetClass="exit" presetSubtype="0" fill="hold" nodeType="withEffect">
+                                  <p:stCondLst>
+                                    <p:cond delay="0"/>
+                                  </p:stCondLst>
+                                  <p:childTnLst>
+                                    <p:set>
+                                      <p:cBhvr>
+                                        <p:cTn id="34" dur="1" fill="hold">
+                                          <p:stCondLst>
+                                            <p:cond delay="0"/>
+                                          </p:stCondLst>
+                                        </p:cTn>
+                                        <p:tgtEl>
+                                          <p:spTgt spid="32"/>
+                                        </p:tgtEl>
+                                        <p:attrNameLst>
+                                          <p:attrName>style.visibility</p:attrName>
+                                        </p:attrNameLst>
+                                      </p:cBhvr>
+                                      <p:to>
+                                        <p:strVal val="hidden"/>
+                                      </p:to>
+                                    </p:set>
+                                  </p:childTnLst>
+                                </p:cTn>
+                              </p:par>
+                              <p:par>
+                                <p:cTn id="35" presetID="10" presetClass="entr" presetSubtype="0" fill="hold" grpId="0" nodeType="withEffect">
+                                  <p:stCondLst>
+                                    <p:cond delay="0"/>
+                                  </p:stCondLst>
+                                  <p:childTnLst>
+                                    <p:set>
+                                      <p:cBhvr>
+                                        <p:cTn id="36" dur="1" fill="hold">
+                                          <p:stCondLst>
+                                            <p:cond delay="0"/>
+                                          </p:stCondLst>
+                                        </p:cTn>
+                                        <p:tgtEl>
+                                          <p:spTgt spid="33"/>
+                                        </p:tgtEl>
+                                        <p:attrNameLst>
+                                          <p:attrName>style.visibility</p:attrName>
+                                        </p:attrNameLst>
+                                      </p:cBhvr>
+                                      <p:to>
+                                        <p:strVal val="visible"/>
+                                      </p:to>
+                                    </p:set>
+                                    <p:animEffect transition="in" filter="fade">
+                                      <p:cBhvr>
+                                        <p:cTn id="37" dur="500"/>
+                                        <p:tgtEl>
+                                          <p:spTgt spid="33"/>
+                                        </p:tgtEl>
+                                      </p:cBhvr>
+                                    </p:animEffect>
+                                  </p:childTnLst>
+                                </p:cTn>
+                              </p:par>
+                              <p:par>
+                                <p:cTn id="38" presetID="10" presetClass="entr" presetSubtype="0" fill="hold" nodeType="withEffect">
+                                  <p:stCondLst>
+                                    <p:cond delay="0"/>
+                                  </p:stCondLst>
+                                  <p:childTnLst>
+                                    <p:set>
+                                      <p:cBhvr>
+                                        <p:cTn id="39" dur="1" fill="hold">
+                                          <p:stCondLst>
+                                            <p:cond delay="0"/>
+                                          </p:stCondLst>
+                                        </p:cTn>
+                                        <p:tgtEl>
+                                          <p:spTgt spid="34"/>
+                                        </p:tgtEl>
+                                        <p:attrNameLst>
+                                          <p:attrName>style.visibility</p:attrName>
+                                        </p:attrNameLst>
+                                      </p:cBhvr>
+                                      <p:to>
+                                        <p:strVal val="visible"/>
+                                      </p:to>
+                                    </p:set>
+                                    <p:animEffect transition="in" filter="fade">
+                                      <p:cBhvr>
+                                        <p:cTn id="40" dur="500"/>
+                                        <p:tgtEl>
+                                          <p:spTgt spid="34"/>
+                                        </p:tgtEl>
+                                      </p:cBhvr>
+                                    </p:animEffect>
                                   </p:childTnLst>
                                 </p:cTn>
                               </p:par>
@@ -14492,14 +15328,449 @@
                             </p:stCondLst>
                             <p:childTnLst>
                               <p:par>
-                                <p:cTn id="43" presetID="27" presetClass="emph" presetSubtype="0" fill="remove" grpId="0" nodeType="clickEffect">
+                                <p:cTn id="43" presetID="1" presetClass="entr" presetSubtype="0" fill="hold" nodeType="clickEffect">
+                                  <p:stCondLst>
+                                    <p:cond delay="0"/>
+                                  </p:stCondLst>
+                                  <p:childTnLst>
+                                    <p:set>
+                                      <p:cBhvr>
+                                        <p:cTn id="44" dur="1" fill="hold">
+                                          <p:stCondLst>
+                                            <p:cond delay="0"/>
+                                          </p:stCondLst>
+                                        </p:cTn>
+                                        <p:tgtEl>
+                                          <p:spTgt spid="35"/>
+                                        </p:tgtEl>
+                                        <p:attrNameLst>
+                                          <p:attrName>style.visibility</p:attrName>
+                                        </p:attrNameLst>
+                                      </p:cBhvr>
+                                      <p:to>
+                                        <p:strVal val="visible"/>
+                                      </p:to>
+                                    </p:set>
+                                  </p:childTnLst>
+                                </p:cTn>
+                              </p:par>
+                            </p:childTnLst>
+                          </p:cTn>
+                        </p:par>
+                      </p:childTnLst>
+                    </p:cTn>
+                  </p:par>
+                  <p:par>
+                    <p:cTn id="45" fill="hold">
+                      <p:stCondLst>
+                        <p:cond delay="indefinite"/>
+                      </p:stCondLst>
+                      <p:childTnLst>
+                        <p:par>
+                          <p:cTn id="46" fill="hold">
+                            <p:stCondLst>
+                              <p:cond delay="0"/>
+                            </p:stCondLst>
+                            <p:childTnLst>
+                              <p:par>
+                                <p:cTn id="47" presetID="10" presetClass="entr" presetSubtype="0" fill="hold" grpId="0" nodeType="clickEffect">
+                                  <p:stCondLst>
+                                    <p:cond delay="0"/>
+                                  </p:stCondLst>
+                                  <p:childTnLst>
+                                    <p:set>
+                                      <p:cBhvr>
+                                        <p:cTn id="48" dur="1" fill="hold">
+                                          <p:stCondLst>
+                                            <p:cond delay="0"/>
+                                          </p:stCondLst>
+                                        </p:cTn>
+                                        <p:tgtEl>
+                                          <p:spTgt spid="37"/>
+                                        </p:tgtEl>
+                                        <p:attrNameLst>
+                                          <p:attrName>style.visibility</p:attrName>
+                                        </p:attrNameLst>
+                                      </p:cBhvr>
+                                      <p:to>
+                                        <p:strVal val="visible"/>
+                                      </p:to>
+                                    </p:set>
+                                    <p:animEffect transition="in" filter="fade">
+                                      <p:cBhvr>
+                                        <p:cTn id="49" dur="500"/>
+                                        <p:tgtEl>
+                                          <p:spTgt spid="37"/>
+                                        </p:tgtEl>
+                                      </p:cBhvr>
+                                    </p:animEffect>
+                                  </p:childTnLst>
+                                </p:cTn>
+                              </p:par>
+                              <p:par>
+                                <p:cTn id="50" presetID="1" presetClass="entr" presetSubtype="0" fill="hold" grpId="0" nodeType="withEffect">
+                                  <p:stCondLst>
+                                    <p:cond delay="0"/>
+                                  </p:stCondLst>
+                                  <p:childTnLst>
+                                    <p:set>
+                                      <p:cBhvr>
+                                        <p:cTn id="51" dur="1" fill="hold">
+                                          <p:stCondLst>
+                                            <p:cond delay="0"/>
+                                          </p:stCondLst>
+                                        </p:cTn>
+                                        <p:tgtEl>
+                                          <p:spTgt spid="36"/>
+                                        </p:tgtEl>
+                                        <p:attrNameLst>
+                                          <p:attrName>style.visibility</p:attrName>
+                                        </p:attrNameLst>
+                                      </p:cBhvr>
+                                      <p:to>
+                                        <p:strVal val="visible"/>
+                                      </p:to>
+                                    </p:set>
+                                  </p:childTnLst>
+                                </p:cTn>
+                              </p:par>
+                            </p:childTnLst>
+                          </p:cTn>
+                        </p:par>
+                      </p:childTnLst>
+                    </p:cTn>
+                  </p:par>
+                  <p:par>
+                    <p:cTn id="52" fill="hold">
+                      <p:stCondLst>
+                        <p:cond delay="indefinite"/>
+                      </p:stCondLst>
+                      <p:childTnLst>
+                        <p:par>
+                          <p:cTn id="53" fill="hold">
+                            <p:stCondLst>
+                              <p:cond delay="0"/>
+                            </p:stCondLst>
+                            <p:childTnLst>
+                              <p:par>
+                                <p:cTn id="54" presetID="27" presetClass="emph" presetSubtype="0" fill="remove" grpId="0" nodeType="clickEffect">
                                   <p:stCondLst>
                                     <p:cond delay="0"/>
                                   </p:stCondLst>
                                   <p:childTnLst>
                                     <p:animClr clrSpc="rgb" dir="cw">
                                       <p:cBhvr override="childStyle">
-                                        <p:cTn id="44" dur="250" autoRev="1" fill="remove"/>
+                                        <p:cTn id="55" dur="250" autoRev="1" fill="remove"/>
+                                        <p:tgtEl>
+                                          <p:spTgt spid="6"/>
+                                        </p:tgtEl>
+                                        <p:attrNameLst>
+                                          <p:attrName>style.color</p:attrName>
+                                        </p:attrNameLst>
+                                      </p:cBhvr>
+                                      <p:to>
+                                        <a:schemeClr val="tx1"/>
+                                      </p:to>
+                                    </p:animClr>
+                                    <p:animClr clrSpc="rgb" dir="cw">
+                                      <p:cBhvr>
+                                        <p:cTn id="56" dur="250" autoRev="1" fill="remove"/>
+                                        <p:tgtEl>
+                                          <p:spTgt spid="6"/>
+                                        </p:tgtEl>
+                                        <p:attrNameLst>
+                                          <p:attrName>fillcolor</p:attrName>
+                                        </p:attrNameLst>
+                                      </p:cBhvr>
+                                      <p:to>
+                                        <a:schemeClr val="tx1"/>
+                                      </p:to>
+                                    </p:animClr>
+                                    <p:set>
+                                      <p:cBhvr>
+                                        <p:cTn id="57" dur="250" autoRev="1" fill="remove"/>
+                                        <p:tgtEl>
+                                          <p:spTgt spid="6"/>
+                                        </p:tgtEl>
+                                        <p:attrNameLst>
+                                          <p:attrName>fill.type</p:attrName>
+                                        </p:attrNameLst>
+                                      </p:cBhvr>
+                                      <p:to>
+                                        <p:strVal val="solid"/>
+                                      </p:to>
+                                    </p:set>
+                                    <p:set>
+                                      <p:cBhvr>
+                                        <p:cTn id="58" dur="250" autoRev="1" fill="remove"/>
+                                        <p:tgtEl>
+                                          <p:spTgt spid="6"/>
+                                        </p:tgtEl>
+                                        <p:attrNameLst>
+                                          <p:attrName>fill.on</p:attrName>
+                                        </p:attrNameLst>
+                                      </p:cBhvr>
+                                      <p:to>
+                                        <p:strVal val="true"/>
+                                      </p:to>
+                                    </p:set>
+                                  </p:childTnLst>
+                                </p:cTn>
+                              </p:par>
+                              <p:par>
+                                <p:cTn id="59" presetID="27" presetClass="emph" presetSubtype="0" fill="remove" grpId="0" nodeType="withEffect">
+                                  <p:stCondLst>
+                                    <p:cond delay="0"/>
+                                  </p:stCondLst>
+                                  <p:childTnLst>
+                                    <p:animClr clrSpc="rgb" dir="cw">
+                                      <p:cBhvr override="childStyle">
+                                        <p:cTn id="60" dur="250" autoRev="1" fill="remove"/>
+                                        <p:tgtEl>
+                                          <p:spTgt spid="10"/>
+                                        </p:tgtEl>
+                                        <p:attrNameLst>
+                                          <p:attrName>style.color</p:attrName>
+                                        </p:attrNameLst>
+                                      </p:cBhvr>
+                                      <p:to>
+                                        <a:schemeClr val="tx1"/>
+                                      </p:to>
+                                    </p:animClr>
+                                    <p:animClr clrSpc="rgb" dir="cw">
+                                      <p:cBhvr>
+                                        <p:cTn id="61" dur="250" autoRev="1" fill="remove"/>
+                                        <p:tgtEl>
+                                          <p:spTgt spid="10"/>
+                                        </p:tgtEl>
+                                        <p:attrNameLst>
+                                          <p:attrName>fillcolor</p:attrName>
+                                        </p:attrNameLst>
+                                      </p:cBhvr>
+                                      <p:to>
+                                        <a:schemeClr val="tx1"/>
+                                      </p:to>
+                                    </p:animClr>
+                                    <p:set>
+                                      <p:cBhvr>
+                                        <p:cTn id="62" dur="250" autoRev="1" fill="remove"/>
+                                        <p:tgtEl>
+                                          <p:spTgt spid="10"/>
+                                        </p:tgtEl>
+                                        <p:attrNameLst>
+                                          <p:attrName>fill.type</p:attrName>
+                                        </p:attrNameLst>
+                                      </p:cBhvr>
+                                      <p:to>
+                                        <p:strVal val="solid"/>
+                                      </p:to>
+                                    </p:set>
+                                    <p:set>
+                                      <p:cBhvr>
+                                        <p:cTn id="63" dur="250" autoRev="1" fill="remove"/>
+                                        <p:tgtEl>
+                                          <p:spTgt spid="10"/>
+                                        </p:tgtEl>
+                                        <p:attrNameLst>
+                                          <p:attrName>fill.on</p:attrName>
+                                        </p:attrNameLst>
+                                      </p:cBhvr>
+                                      <p:to>
+                                        <p:strVal val="true"/>
+                                      </p:to>
+                                    </p:set>
+                                  </p:childTnLst>
+                                </p:cTn>
+                              </p:par>
+                              <p:par>
+                                <p:cTn id="64" presetID="27" presetClass="emph" presetSubtype="0" fill="remove" grpId="0" nodeType="withEffect">
+                                  <p:stCondLst>
+                                    <p:cond delay="0"/>
+                                  </p:stCondLst>
+                                  <p:childTnLst>
+                                    <p:animClr clrSpc="rgb" dir="cw">
+                                      <p:cBhvr override="childStyle">
+                                        <p:cTn id="65" dur="250" autoRev="1" fill="remove"/>
+                                        <p:tgtEl>
+                                          <p:spTgt spid="15"/>
+                                        </p:tgtEl>
+                                        <p:attrNameLst>
+                                          <p:attrName>style.color</p:attrName>
+                                        </p:attrNameLst>
+                                      </p:cBhvr>
+                                      <p:to>
+                                        <a:schemeClr val="tx1"/>
+                                      </p:to>
+                                    </p:animClr>
+                                    <p:animClr clrSpc="rgb" dir="cw">
+                                      <p:cBhvr>
+                                        <p:cTn id="66" dur="250" autoRev="1" fill="remove"/>
+                                        <p:tgtEl>
+                                          <p:spTgt spid="15"/>
+                                        </p:tgtEl>
+                                        <p:attrNameLst>
+                                          <p:attrName>fillcolor</p:attrName>
+                                        </p:attrNameLst>
+                                      </p:cBhvr>
+                                      <p:to>
+                                        <a:schemeClr val="tx1"/>
+                                      </p:to>
+                                    </p:animClr>
+                                    <p:set>
+                                      <p:cBhvr>
+                                        <p:cTn id="67" dur="250" autoRev="1" fill="remove"/>
+                                        <p:tgtEl>
+                                          <p:spTgt spid="15"/>
+                                        </p:tgtEl>
+                                        <p:attrNameLst>
+                                          <p:attrName>fill.type</p:attrName>
+                                        </p:attrNameLst>
+                                      </p:cBhvr>
+                                      <p:to>
+                                        <p:strVal val="solid"/>
+                                      </p:to>
+                                    </p:set>
+                                    <p:set>
+                                      <p:cBhvr>
+                                        <p:cTn id="68" dur="250" autoRev="1" fill="remove"/>
+                                        <p:tgtEl>
+                                          <p:spTgt spid="15"/>
+                                        </p:tgtEl>
+                                        <p:attrNameLst>
+                                          <p:attrName>fill.on</p:attrName>
+                                        </p:attrNameLst>
+                                      </p:cBhvr>
+                                      <p:to>
+                                        <p:strVal val="true"/>
+                                      </p:to>
+                                    </p:set>
+                                  </p:childTnLst>
+                                </p:cTn>
+                              </p:par>
+                              <p:par>
+                                <p:cTn id="69" presetID="1" presetClass="entr" presetSubtype="0" fill="hold" nodeType="withEffect">
+                                  <p:stCondLst>
+                                    <p:cond delay="0"/>
+                                  </p:stCondLst>
+                                  <p:childTnLst>
+                                    <p:set>
+                                      <p:cBhvr>
+                                        <p:cTn id="70" dur="1" fill="hold">
+                                          <p:stCondLst>
+                                            <p:cond delay="0"/>
+                                          </p:stCondLst>
+                                        </p:cTn>
+                                        <p:tgtEl>
+                                          <p:spTgt spid="16"/>
+                                        </p:tgtEl>
+                                        <p:attrNameLst>
+                                          <p:attrName>style.visibility</p:attrName>
+                                        </p:attrNameLst>
+                                      </p:cBhvr>
+                                      <p:to>
+                                        <p:strVal val="visible"/>
+                                      </p:to>
+                                    </p:set>
+                                  </p:childTnLst>
+                                </p:cTn>
+                              </p:par>
+                              <p:par>
+                                <p:cTn id="71" presetID="10" presetClass="exit" presetSubtype="0" fill="hold" grpId="1" nodeType="withEffect">
+                                  <p:stCondLst>
+                                    <p:cond delay="0"/>
+                                  </p:stCondLst>
+                                  <p:childTnLst>
+                                    <p:animEffect transition="out" filter="fade">
+                                      <p:cBhvr>
+                                        <p:cTn id="72" dur="500"/>
+                                        <p:tgtEl>
+                                          <p:spTgt spid="33"/>
+                                        </p:tgtEl>
+                                      </p:cBhvr>
+                                    </p:animEffect>
+                                    <p:set>
+                                      <p:cBhvr>
+                                        <p:cTn id="73" dur="1" fill="hold">
+                                          <p:stCondLst>
+                                            <p:cond delay="499"/>
+                                          </p:stCondLst>
+                                        </p:cTn>
+                                        <p:tgtEl>
+                                          <p:spTgt spid="33"/>
+                                        </p:tgtEl>
+                                        <p:attrNameLst>
+                                          <p:attrName>style.visibility</p:attrName>
+                                        </p:attrNameLst>
+                                      </p:cBhvr>
+                                      <p:to>
+                                        <p:strVal val="hidden"/>
+                                      </p:to>
+                                    </p:set>
+                                  </p:childTnLst>
+                                </p:cTn>
+                              </p:par>
+                              <p:par>
+                                <p:cTn id="74" presetID="10" presetClass="exit" presetSubtype="0" fill="hold" nodeType="withEffect">
+                                  <p:stCondLst>
+                                    <p:cond delay="0"/>
+                                  </p:stCondLst>
+                                  <p:childTnLst>
+                                    <p:animEffect transition="out" filter="fade">
+                                      <p:cBhvr>
+                                        <p:cTn id="75" dur="500"/>
+                                        <p:tgtEl>
+                                          <p:spTgt spid="34"/>
+                                        </p:tgtEl>
+                                      </p:cBhvr>
+                                    </p:animEffect>
+                                    <p:set>
+                                      <p:cBhvr>
+                                        <p:cTn id="76" dur="1" fill="hold">
+                                          <p:stCondLst>
+                                            <p:cond delay="499"/>
+                                          </p:stCondLst>
+                                        </p:cTn>
+                                        <p:tgtEl>
+                                          <p:spTgt spid="34"/>
+                                        </p:tgtEl>
+                                        <p:attrNameLst>
+                                          <p:attrName>style.visibility</p:attrName>
+                                        </p:attrNameLst>
+                                      </p:cBhvr>
+                                      <p:to>
+                                        <p:strVal val="hidden"/>
+                                      </p:to>
+                                    </p:set>
+                                  </p:childTnLst>
+                                </p:cTn>
+                              </p:par>
+                            </p:childTnLst>
+                          </p:cTn>
+                        </p:par>
+                      </p:childTnLst>
+                    </p:cTn>
+                  </p:par>
+                  <p:par>
+                    <p:cTn id="77" fill="hold">
+                      <p:stCondLst>
+                        <p:cond delay="indefinite"/>
+                      </p:stCondLst>
+                      <p:childTnLst>
+                        <p:par>
+                          <p:cTn id="78" fill="hold">
+                            <p:stCondLst>
+                              <p:cond delay="0"/>
+                            </p:stCondLst>
+                            <p:childTnLst>
+                              <p:par>
+                                <p:cTn id="79" presetID="27" presetClass="emph" presetSubtype="0" fill="remove" grpId="0" nodeType="clickEffect">
+                                  <p:stCondLst>
+                                    <p:cond delay="0"/>
+                                  </p:stCondLst>
+                                  <p:childTnLst>
+                                    <p:animClr clrSpc="rgb" dir="cw">
+                                      <p:cBhvr override="childStyle">
+                                        <p:cTn id="80" dur="250" autoRev="1" fill="remove"/>
                                         <p:tgtEl>
                                           <p:spTgt spid="11"/>
                                         </p:tgtEl>
@@ -14513,7 +15784,7 @@
                                     </p:animClr>
                                     <p:animClr clrSpc="rgb" dir="cw">
                                       <p:cBhvr>
-                                        <p:cTn id="45" dur="250" autoRev="1" fill="remove"/>
+                                        <p:cTn id="81" dur="250" autoRev="1" fill="remove"/>
                                         <p:tgtEl>
                                           <p:spTgt spid="11"/>
                                         </p:tgtEl>
@@ -14527,7 +15798,7 @@
                                     </p:animClr>
                                     <p:set>
                                       <p:cBhvr>
-                                        <p:cTn id="46" dur="250" autoRev="1" fill="remove"/>
+                                        <p:cTn id="82" dur="250" autoRev="1" fill="remove"/>
                                         <p:tgtEl>
                                           <p:spTgt spid="11"/>
                                         </p:tgtEl>
@@ -14541,7 +15812,7 @@
                                     </p:set>
                                     <p:set>
                                       <p:cBhvr>
-                                        <p:cTn id="47" dur="250" autoRev="1" fill="remove"/>
+                                        <p:cTn id="83" dur="250" autoRev="1" fill="remove"/>
                                         <p:tgtEl>
                                           <p:spTgt spid="11"/>
                                         </p:tgtEl>
@@ -14557,14 +15828,14 @@
                                 </p:cTn>
                               </p:par>
                               <p:par>
-                                <p:cTn id="48" presetID="27" presetClass="emph" presetSubtype="0" fill="remove" grpId="0" nodeType="withEffect">
+                                <p:cTn id="84" presetID="27" presetClass="emph" presetSubtype="0" fill="remove" grpId="0" nodeType="withEffect">
                                   <p:stCondLst>
                                     <p:cond delay="0"/>
                                   </p:stCondLst>
                                   <p:childTnLst>
                                     <p:animClr clrSpc="rgb" dir="cw">
                                       <p:cBhvr override="childStyle">
-                                        <p:cTn id="49" dur="250" autoRev="1" fill="remove"/>
+                                        <p:cTn id="85" dur="250" autoRev="1" fill="remove"/>
                                         <p:tgtEl>
                                           <p:spTgt spid="7"/>
                                         </p:tgtEl>
@@ -14578,7 +15849,7 @@
                                     </p:animClr>
                                     <p:animClr clrSpc="rgb" dir="cw">
                                       <p:cBhvr>
-                                        <p:cTn id="50" dur="250" autoRev="1" fill="remove"/>
+                                        <p:cTn id="86" dur="250" autoRev="1" fill="remove"/>
                                         <p:tgtEl>
                                           <p:spTgt spid="7"/>
                                         </p:tgtEl>
@@ -14592,7 +15863,7 @@
                                     </p:animClr>
                                     <p:set>
                                       <p:cBhvr>
-                                        <p:cTn id="51" dur="250" autoRev="1" fill="remove"/>
+                                        <p:cTn id="87" dur="250" autoRev="1" fill="remove"/>
                                         <p:tgtEl>
                                           <p:spTgt spid="7"/>
                                         </p:tgtEl>
@@ -14606,7 +15877,7 @@
                                     </p:set>
                                     <p:set>
                                       <p:cBhvr>
-                                        <p:cTn id="52" dur="250" autoRev="1" fill="remove"/>
+                                        <p:cTn id="88" dur="250" autoRev="1" fill="remove"/>
                                         <p:tgtEl>
                                           <p:spTgt spid="7"/>
                                         </p:tgtEl>
@@ -14622,14 +15893,14 @@
                                 </p:cTn>
                               </p:par>
                               <p:par>
-                                <p:cTn id="53" presetID="27" presetClass="emph" presetSubtype="0" fill="remove" grpId="0" nodeType="withEffect">
+                                <p:cTn id="89" presetID="27" presetClass="emph" presetSubtype="0" fill="remove" grpId="0" nodeType="withEffect">
                                   <p:stCondLst>
                                     <p:cond delay="0"/>
                                   </p:stCondLst>
                                   <p:childTnLst>
                                     <p:animClr clrSpc="rgb" dir="cw">
                                       <p:cBhvr override="childStyle">
-                                        <p:cTn id="54" dur="250" autoRev="1" fill="remove"/>
+                                        <p:cTn id="90" dur="250" autoRev="1" fill="remove"/>
                                         <p:tgtEl>
                                           <p:spTgt spid="12"/>
                                         </p:tgtEl>
@@ -14643,7 +15914,7 @@
                                     </p:animClr>
                                     <p:animClr clrSpc="rgb" dir="cw">
                                       <p:cBhvr>
-                                        <p:cTn id="55" dur="250" autoRev="1" fill="remove"/>
+                                        <p:cTn id="91" dur="250" autoRev="1" fill="remove"/>
                                         <p:tgtEl>
                                           <p:spTgt spid="12"/>
                                         </p:tgtEl>
@@ -14657,7 +15928,7 @@
                                     </p:animClr>
                                     <p:set>
                                       <p:cBhvr>
-                                        <p:cTn id="56" dur="250" autoRev="1" fill="remove"/>
+                                        <p:cTn id="92" dur="250" autoRev="1" fill="remove"/>
                                         <p:tgtEl>
                                           <p:spTgt spid="12"/>
                                         </p:tgtEl>
@@ -14671,7 +15942,7 @@
                                     </p:set>
                                     <p:set>
                                       <p:cBhvr>
-                                        <p:cTn id="57" dur="250" autoRev="1" fill="remove"/>
+                                        <p:cTn id="93" dur="250" autoRev="1" fill="remove"/>
                                         <p:tgtEl>
                                           <p:spTgt spid="12"/>
                                         </p:tgtEl>
@@ -14687,14 +15958,14 @@
                                 </p:cTn>
                               </p:par>
                               <p:par>
-                                <p:cTn id="58" presetID="1" presetClass="entr" presetSubtype="0" fill="hold" nodeType="withEffect">
+                                <p:cTn id="94" presetID="1" presetClass="entr" presetSubtype="0" fill="hold" nodeType="withEffect">
                                   <p:stCondLst>
                                     <p:cond delay="0"/>
                                   </p:stCondLst>
                                   <p:childTnLst>
                                     <p:set>
                                       <p:cBhvr>
-                                        <p:cTn id="59" dur="1" fill="hold">
+                                        <p:cTn id="95" dur="1" fill="hold">
                                           <p:stCondLst>
                                             <p:cond delay="0"/>
                                           </p:stCondLst>
@@ -14720,26 +15991,26 @@
                     </p:cTn>
                   </p:par>
                   <p:par>
-                    <p:cTn id="60" fill="hold">
+                    <p:cTn id="96" fill="hold">
                       <p:stCondLst>
                         <p:cond delay="indefinite"/>
                       </p:stCondLst>
                       <p:childTnLst>
                         <p:par>
-                          <p:cTn id="61" fill="hold">
+                          <p:cTn id="97" fill="hold">
                             <p:stCondLst>
                               <p:cond delay="0"/>
                             </p:stCondLst>
                             <p:childTnLst>
                               <p:par>
-                                <p:cTn id="62" presetID="27" presetClass="emph" presetSubtype="0" fill="remove" grpId="0" nodeType="clickEffect">
+                                <p:cTn id="98" presetID="27" presetClass="emph" presetSubtype="0" fill="remove" grpId="0" nodeType="clickEffect">
                                   <p:stCondLst>
                                     <p:cond delay="0"/>
                                   </p:stCondLst>
                                   <p:childTnLst>
                                     <p:animClr clrSpc="rgb" dir="cw">
                                       <p:cBhvr override="childStyle">
-                                        <p:cTn id="63" dur="250" autoRev="1" fill="remove"/>
+                                        <p:cTn id="99" dur="250" autoRev="1" fill="remove"/>
                                         <p:tgtEl>
                                           <p:spTgt spid="4"/>
                                         </p:tgtEl>
@@ -14753,7 +16024,7 @@
                                     </p:animClr>
                                     <p:animClr clrSpc="rgb" dir="cw">
                                       <p:cBhvr>
-                                        <p:cTn id="64" dur="250" autoRev="1" fill="remove"/>
+                                        <p:cTn id="100" dur="250" autoRev="1" fill="remove"/>
                                         <p:tgtEl>
                                           <p:spTgt spid="4"/>
                                         </p:tgtEl>
@@ -14767,7 +16038,7 @@
                                     </p:animClr>
                                     <p:set>
                                       <p:cBhvr>
-                                        <p:cTn id="65" dur="250" autoRev="1" fill="remove"/>
+                                        <p:cTn id="101" dur="250" autoRev="1" fill="remove"/>
                                         <p:tgtEl>
                                           <p:spTgt spid="4"/>
                                         </p:tgtEl>
@@ -14781,7 +16052,7 @@
                                     </p:set>
                                     <p:set>
                                       <p:cBhvr>
-                                        <p:cTn id="66" dur="250" autoRev="1" fill="remove"/>
+                                        <p:cTn id="102" dur="250" autoRev="1" fill="remove"/>
                                         <p:tgtEl>
                                           <p:spTgt spid="4"/>
                                         </p:tgtEl>
@@ -14797,14 +16068,14 @@
                                 </p:cTn>
                               </p:par>
                               <p:par>
-                                <p:cTn id="67" presetID="27" presetClass="emph" presetSubtype="0" fill="remove" grpId="0" nodeType="withEffect">
+                                <p:cTn id="103" presetID="27" presetClass="emph" presetSubtype="0" fill="remove" grpId="0" nodeType="withEffect">
                                   <p:stCondLst>
                                     <p:cond delay="0"/>
                                   </p:stCondLst>
                                   <p:childTnLst>
                                     <p:animClr clrSpc="rgb" dir="cw">
                                       <p:cBhvr override="childStyle">
-                                        <p:cTn id="68" dur="250" autoRev="1" fill="remove"/>
+                                        <p:cTn id="104" dur="250" autoRev="1" fill="remove"/>
                                         <p:tgtEl>
                                           <p:spTgt spid="9"/>
                                         </p:tgtEl>
@@ -14818,7 +16089,7 @@
                                     </p:animClr>
                                     <p:animClr clrSpc="rgb" dir="cw">
                                       <p:cBhvr>
-                                        <p:cTn id="69" dur="250" autoRev="1" fill="remove"/>
+                                        <p:cTn id="105" dur="250" autoRev="1" fill="remove"/>
                                         <p:tgtEl>
                                           <p:spTgt spid="9"/>
                                         </p:tgtEl>
@@ -14832,7 +16103,7 @@
                                     </p:animClr>
                                     <p:set>
                                       <p:cBhvr>
-                                        <p:cTn id="70" dur="250" autoRev="1" fill="remove"/>
+                                        <p:cTn id="106" dur="250" autoRev="1" fill="remove"/>
                                         <p:tgtEl>
                                           <p:spTgt spid="9"/>
                                         </p:tgtEl>
@@ -14846,7 +16117,7 @@
                                     </p:set>
                                     <p:set>
                                       <p:cBhvr>
-                                        <p:cTn id="71" dur="250" autoRev="1" fill="remove"/>
+                                        <p:cTn id="107" dur="250" autoRev="1" fill="remove"/>
                                         <p:tgtEl>
                                           <p:spTgt spid="9"/>
                                         </p:tgtEl>
@@ -14862,14 +16133,14 @@
                                 </p:cTn>
                               </p:par>
                               <p:par>
-                                <p:cTn id="72" presetID="27" presetClass="emph" presetSubtype="0" fill="remove" grpId="0" nodeType="withEffect">
+                                <p:cTn id="108" presetID="27" presetClass="emph" presetSubtype="0" fill="remove" grpId="0" nodeType="withEffect">
                                   <p:stCondLst>
                                     <p:cond delay="0"/>
                                   </p:stCondLst>
                                   <p:childTnLst>
                                     <p:animClr clrSpc="rgb" dir="cw">
                                       <p:cBhvr override="childStyle">
-                                        <p:cTn id="73" dur="250" autoRev="1" fill="remove"/>
+                                        <p:cTn id="109" dur="250" autoRev="1" fill="remove"/>
                                         <p:tgtEl>
                                           <p:spTgt spid="13"/>
                                         </p:tgtEl>
@@ -14883,7 +16154,7 @@
                                     </p:animClr>
                                     <p:animClr clrSpc="rgb" dir="cw">
                                       <p:cBhvr>
-                                        <p:cTn id="74" dur="250" autoRev="1" fill="remove"/>
+                                        <p:cTn id="110" dur="250" autoRev="1" fill="remove"/>
                                         <p:tgtEl>
                                           <p:spTgt spid="13"/>
                                         </p:tgtEl>
@@ -14897,7 +16168,7 @@
                                     </p:animClr>
                                     <p:set>
                                       <p:cBhvr>
-                                        <p:cTn id="75" dur="250" autoRev="1" fill="remove"/>
+                                        <p:cTn id="111" dur="250" autoRev="1" fill="remove"/>
                                         <p:tgtEl>
                                           <p:spTgt spid="13"/>
                                         </p:tgtEl>
@@ -14911,7 +16182,7 @@
                                     </p:set>
                                     <p:set>
                                       <p:cBhvr>
-                                        <p:cTn id="76" dur="250" autoRev="1" fill="remove"/>
+                                        <p:cTn id="112" dur="250" autoRev="1" fill="remove"/>
                                         <p:tgtEl>
                                           <p:spTgt spid="13"/>
                                         </p:tgtEl>
@@ -14927,14 +16198,14 @@
                                 </p:cTn>
                               </p:par>
                               <p:par>
-                                <p:cTn id="77" presetID="1" presetClass="entr" presetSubtype="0" fill="hold" nodeType="withEffect">
+                                <p:cTn id="113" presetID="1" presetClass="entr" presetSubtype="0" fill="hold" nodeType="withEffect">
                                   <p:stCondLst>
                                     <p:cond delay="0"/>
                                   </p:stCondLst>
                                   <p:childTnLst>
                                     <p:set>
                                       <p:cBhvr>
-                                        <p:cTn id="78" dur="1" fill="hold">
+                                        <p:cTn id="114" dur="1" fill="hold">
                                           <p:stCondLst>
                                             <p:cond delay="0"/>
                                           </p:stCondLst>
@@ -14993,6 +16264,12 @@
       <p:bldP spid="13" grpId="0" animBg="1"/>
       <p:bldP spid="14" grpId="0" animBg="1"/>
       <p:bldP spid="15" grpId="0" animBg="1"/>
+      <p:bldP spid="3" grpId="0" animBg="1"/>
+      <p:bldP spid="3" grpId="1" animBg="1"/>
+      <p:bldP spid="33" grpId="0" animBg="1"/>
+      <p:bldP spid="33" grpId="1" animBg="1"/>
+      <p:bldP spid="36" grpId="0" animBg="1"/>
+      <p:bldP spid="37" grpId="0" animBg="1"/>
     </p:bldLst>
   </p:timing>
 </p:sld>
@@ -19096,7 +20373,7 @@
       </p:graphicFrame>
       <p:graphicFrame>
         <p:nvGraphicFramePr>
-          <p:cNvPr id="24" name="Table 20">
+          <p:cNvPr id="24" name="Full Sorted Counting Sort">
             <a:extLst>
               <a:ext uri="{FF2B5EF4-FFF2-40B4-BE49-F238E27FC236}">
                 <a16:creationId xmlns:a16="http://schemas.microsoft.com/office/drawing/2014/main" id="{673D6865-FABA-45E6-B1BC-5A378C41735C}"/>
@@ -19109,7 +20386,7 @@
           <p:nvPr>
             <p:extLst>
               <p:ext uri="{D42A27DB-BD31-4B8C-83A1-F6EECF244321}">
-                <p14:modId xmlns:p14="http://schemas.microsoft.com/office/powerpoint/2010/main" val="632647931"/>
+                <p14:modId xmlns:p14="http://schemas.microsoft.com/office/powerpoint/2010/main" val="915142828"/>
               </p:ext>
             </p:extLst>
           </p:nvPr>
@@ -19317,94 +20594,6 @@
           </a:graphicData>
         </a:graphic>
       </p:graphicFrame>
-      <p:sp>
-        <p:nvSpPr>
-          <p:cNvPr id="25" name="Arrow: Down 24">
-            <a:extLst>
-              <a:ext uri="{FF2B5EF4-FFF2-40B4-BE49-F238E27FC236}">
-                <a16:creationId xmlns:a16="http://schemas.microsoft.com/office/drawing/2014/main" id="{DBCBD20E-9E06-4FB7-A359-5CBB1D2F6AD6}"/>
-              </a:ext>
-            </a:extLst>
-          </p:cNvPr>
-          <p:cNvSpPr/>
-          <p:nvPr/>
-        </p:nvSpPr>
-        <p:spPr>
-          <a:xfrm rot="4211526">
-            <a:off x="8997133" y="3128141"/>
-            <a:ext cx="423052" cy="1629326"/>
-          </a:xfrm>
-          <a:prstGeom prst="downArrow">
-            <a:avLst/>
-          </a:prstGeom>
-        </p:spPr>
-        <p:style>
-          <a:lnRef idx="3">
-            <a:schemeClr val="lt1"/>
-          </a:lnRef>
-          <a:fillRef idx="1">
-            <a:schemeClr val="dk1"/>
-          </a:fillRef>
-          <a:effectRef idx="1">
-            <a:schemeClr val="dk1"/>
-          </a:effectRef>
-          <a:fontRef idx="minor">
-            <a:schemeClr val="lt1"/>
-          </a:fontRef>
-        </p:style>
-        <p:txBody>
-          <a:bodyPr rtlCol="0" anchor="ctr"/>
-          <a:lstStyle/>
-          <a:p>
-            <a:pPr algn="ctr"/>
-            <a:endParaRPr lang="de-DE"/>
-          </a:p>
-        </p:txBody>
-      </p:sp>
-      <p:sp>
-        <p:nvSpPr>
-          <p:cNvPr id="26" name="Arrow: Down 25">
-            <a:extLst>
-              <a:ext uri="{FF2B5EF4-FFF2-40B4-BE49-F238E27FC236}">
-                <a16:creationId xmlns:a16="http://schemas.microsoft.com/office/drawing/2014/main" id="{2242E44F-FA6B-49F0-BCDE-762F7C312641}"/>
-              </a:ext>
-            </a:extLst>
-          </p:cNvPr>
-          <p:cNvSpPr/>
-          <p:nvPr/>
-        </p:nvSpPr>
-        <p:spPr>
-          <a:xfrm rot="18745168">
-            <a:off x="8398070" y="4758709"/>
-            <a:ext cx="328473" cy="569026"/>
-          </a:xfrm>
-          <a:prstGeom prst="downArrow">
-            <a:avLst/>
-          </a:prstGeom>
-        </p:spPr>
-        <p:style>
-          <a:lnRef idx="3">
-            <a:schemeClr val="lt1"/>
-          </a:lnRef>
-          <a:fillRef idx="1">
-            <a:schemeClr val="dk1"/>
-          </a:fillRef>
-          <a:effectRef idx="1">
-            <a:schemeClr val="dk1"/>
-          </a:effectRef>
-          <a:fontRef idx="minor">
-            <a:schemeClr val="lt1"/>
-          </a:fontRef>
-        </p:style>
-        <p:txBody>
-          <a:bodyPr rtlCol="0" anchor="ctr"/>
-          <a:lstStyle/>
-          <a:p>
-            <a:pPr algn="ctr"/>
-            <a:endParaRPr lang="de-DE"/>
-          </a:p>
-        </p:txBody>
-      </p:sp>
       <p:graphicFrame>
         <p:nvGraphicFramePr>
           <p:cNvPr id="27" name="Table 22">
@@ -21050,6 +22239,564 @@
           </a:graphicData>
         </a:graphic>
       </p:graphicFrame>
+      <p:sp>
+        <p:nvSpPr>
+          <p:cNvPr id="4" name="Arrow: Right 3">
+            <a:extLst>
+              <a:ext uri="{FF2B5EF4-FFF2-40B4-BE49-F238E27FC236}">
+                <a16:creationId xmlns:a16="http://schemas.microsoft.com/office/drawing/2014/main" id="{CA2757D9-9B6D-4468-9ED2-F430281BAFEB}"/>
+              </a:ext>
+            </a:extLst>
+          </p:cNvPr>
+          <p:cNvSpPr/>
+          <p:nvPr/>
+        </p:nvSpPr>
+        <p:spPr>
+          <a:xfrm rot="2722564">
+            <a:off x="7699111" y="3792016"/>
+            <a:ext cx="279229" cy="273130"/>
+          </a:xfrm>
+          <a:prstGeom prst="rightArrow">
+            <a:avLst/>
+          </a:prstGeom>
+        </p:spPr>
+        <p:style>
+          <a:lnRef idx="3">
+            <a:schemeClr val="lt1"/>
+          </a:lnRef>
+          <a:fillRef idx="1">
+            <a:schemeClr val="dk1"/>
+          </a:fillRef>
+          <a:effectRef idx="1">
+            <a:schemeClr val="dk1"/>
+          </a:effectRef>
+          <a:fontRef idx="minor">
+            <a:schemeClr val="lt1"/>
+          </a:fontRef>
+        </p:style>
+        <p:txBody>
+          <a:bodyPr rtlCol="0" anchor="ctr"/>
+          <a:lstStyle/>
+          <a:p>
+            <a:pPr algn="ctr"/>
+            <a:endParaRPr lang="de-DE"/>
+          </a:p>
+        </p:txBody>
+      </p:sp>
+      <p:sp>
+        <p:nvSpPr>
+          <p:cNvPr id="15" name="Arrow: Down 14">
+            <a:extLst>
+              <a:ext uri="{FF2B5EF4-FFF2-40B4-BE49-F238E27FC236}">
+                <a16:creationId xmlns:a16="http://schemas.microsoft.com/office/drawing/2014/main" id="{5B64838A-AC7C-4E4F-B717-32AD97466E11}"/>
+              </a:ext>
+            </a:extLst>
+          </p:cNvPr>
+          <p:cNvSpPr/>
+          <p:nvPr/>
+        </p:nvSpPr>
+        <p:spPr>
+          <a:xfrm rot="2961468">
+            <a:off x="7785935" y="4834185"/>
+            <a:ext cx="257643" cy="409385"/>
+          </a:xfrm>
+          <a:prstGeom prst="downArrow">
+            <a:avLst/>
+          </a:prstGeom>
+        </p:spPr>
+        <p:style>
+          <a:lnRef idx="3">
+            <a:schemeClr val="lt1"/>
+          </a:lnRef>
+          <a:fillRef idx="1">
+            <a:schemeClr val="dk1"/>
+          </a:fillRef>
+          <a:effectRef idx="1">
+            <a:schemeClr val="dk1"/>
+          </a:effectRef>
+          <a:fontRef idx="minor">
+            <a:schemeClr val="lt1"/>
+          </a:fontRef>
+        </p:style>
+        <p:txBody>
+          <a:bodyPr rtlCol="0" anchor="ctr"/>
+          <a:lstStyle/>
+          <a:p>
+            <a:pPr algn="ctr"/>
+            <a:endParaRPr lang="de-DE"/>
+          </a:p>
+        </p:txBody>
+      </p:sp>
+      <p:graphicFrame>
+        <p:nvGraphicFramePr>
+          <p:cNvPr id="35" name="One sorted Counting Sort">
+            <a:extLst>
+              <a:ext uri="{FF2B5EF4-FFF2-40B4-BE49-F238E27FC236}">
+                <a16:creationId xmlns:a16="http://schemas.microsoft.com/office/drawing/2014/main" id="{6662142F-C831-4109-A969-D4150E641EDC}"/>
+              </a:ext>
+            </a:extLst>
+          </p:cNvPr>
+          <p:cNvGraphicFramePr>
+            <a:graphicFrameLocks noGrp="1"/>
+          </p:cNvGraphicFramePr>
+          <p:nvPr>
+            <p:extLst>
+              <p:ext uri="{D42A27DB-BD31-4B8C-83A1-F6EECF244321}">
+                <p14:modId xmlns:p14="http://schemas.microsoft.com/office/powerpoint/2010/main" val="2484267838"/>
+              </p:ext>
+            </p:extLst>
+          </p:nvPr>
+        </p:nvGraphicFramePr>
+        <p:xfrm>
+          <a:off x="2901019" y="5224878"/>
+          <a:ext cx="8128002" cy="370840"/>
+        </p:xfrm>
+        <a:graphic>
+          <a:graphicData uri="http://schemas.openxmlformats.org/drawingml/2006/table">
+            <a:tbl>
+              <a:tblPr firstRow="1" bandRow="1">
+                <a:tableStyleId>{073A0DAA-6AF3-43AB-8588-CEC1D06C72B9}</a:tableStyleId>
+              </a:tblPr>
+              <a:tblGrid>
+                <a:gridCol w="1354667">
+                  <a:extLst>
+                    <a:ext uri="{9D8B030D-6E8A-4147-A177-3AD203B41FA5}">
+                      <a16:colId xmlns:a16="http://schemas.microsoft.com/office/drawing/2014/main" val="4206808895"/>
+                    </a:ext>
+                  </a:extLst>
+                </a:gridCol>
+                <a:gridCol w="1354667">
+                  <a:extLst>
+                    <a:ext uri="{9D8B030D-6E8A-4147-A177-3AD203B41FA5}">
+                      <a16:colId xmlns:a16="http://schemas.microsoft.com/office/drawing/2014/main" val="3329839131"/>
+                    </a:ext>
+                  </a:extLst>
+                </a:gridCol>
+                <a:gridCol w="1354667">
+                  <a:extLst>
+                    <a:ext uri="{9D8B030D-6E8A-4147-A177-3AD203B41FA5}">
+                      <a16:colId xmlns:a16="http://schemas.microsoft.com/office/drawing/2014/main" val="1399779263"/>
+                    </a:ext>
+                  </a:extLst>
+                </a:gridCol>
+                <a:gridCol w="1354667">
+                  <a:extLst>
+                    <a:ext uri="{9D8B030D-6E8A-4147-A177-3AD203B41FA5}">
+                      <a16:colId xmlns:a16="http://schemas.microsoft.com/office/drawing/2014/main" val="4035804587"/>
+                    </a:ext>
+                  </a:extLst>
+                </a:gridCol>
+                <a:gridCol w="1354667">
+                  <a:extLst>
+                    <a:ext uri="{9D8B030D-6E8A-4147-A177-3AD203B41FA5}">
+                      <a16:colId xmlns:a16="http://schemas.microsoft.com/office/drawing/2014/main" val="3967537306"/>
+                    </a:ext>
+                  </a:extLst>
+                </a:gridCol>
+                <a:gridCol w="1354667">
+                  <a:extLst>
+                    <a:ext uri="{9D8B030D-6E8A-4147-A177-3AD203B41FA5}">
+                      <a16:colId xmlns:a16="http://schemas.microsoft.com/office/drawing/2014/main" val="2452087353"/>
+                    </a:ext>
+                  </a:extLst>
+                </a:gridCol>
+              </a:tblGrid>
+              <a:tr h="370840">
+                <a:tc>
+                  <a:txBody>
+                    <a:bodyPr/>
+                    <a:lstStyle/>
+                    <a:p>
+                      <a:pPr algn="ctr"/>
+                      <a:endParaRPr lang="de-DE" dirty="0">
+                        <a:solidFill>
+                          <a:schemeClr val="tx1"/>
+                        </a:solidFill>
+                      </a:endParaRPr>
+                    </a:p>
+                  </a:txBody>
+                  <a:tcPr/>
+                </a:tc>
+                <a:tc>
+                  <a:txBody>
+                    <a:bodyPr/>
+                    <a:lstStyle/>
+                    <a:p>
+                      <a:pPr algn="ctr"/>
+                      <a:endParaRPr lang="de-DE" dirty="0">
+                        <a:solidFill>
+                          <a:schemeClr val="tx1"/>
+                        </a:solidFill>
+                      </a:endParaRPr>
+                    </a:p>
+                  </a:txBody>
+                  <a:tcPr/>
+                </a:tc>
+                <a:tc>
+                  <a:txBody>
+                    <a:bodyPr/>
+                    <a:lstStyle/>
+                    <a:p>
+                      <a:pPr algn="ctr"/>
+                      <a:endParaRPr lang="de-DE" dirty="0">
+                        <a:solidFill>
+                          <a:schemeClr val="tx1"/>
+                        </a:solidFill>
+                      </a:endParaRPr>
+                    </a:p>
+                  </a:txBody>
+                  <a:tcPr/>
+                </a:tc>
+                <a:tc>
+                  <a:txBody>
+                    <a:bodyPr/>
+                    <a:lstStyle/>
+                    <a:p>
+                      <a:pPr algn="ctr"/>
+                      <a:endParaRPr lang="de-DE" dirty="0">
+                        <a:solidFill>
+                          <a:schemeClr val="tx1"/>
+                        </a:solidFill>
+                      </a:endParaRPr>
+                    </a:p>
+                  </a:txBody>
+                  <a:tcPr/>
+                </a:tc>
+                <a:tc>
+                  <a:txBody>
+                    <a:bodyPr/>
+                    <a:lstStyle/>
+                    <a:p>
+                      <a:pPr algn="ctr"/>
+                      <a:r>
+                        <a:rPr lang="en-GB" dirty="0">
+                          <a:solidFill>
+                            <a:schemeClr val="tx1"/>
+                          </a:solidFill>
+                        </a:rPr>
+                        <a:t>6</a:t>
+                      </a:r>
+                      <a:endParaRPr lang="de-DE" dirty="0">
+                        <a:solidFill>
+                          <a:schemeClr val="tx1"/>
+                        </a:solidFill>
+                      </a:endParaRPr>
+                    </a:p>
+                  </a:txBody>
+                  <a:tcPr/>
+                </a:tc>
+                <a:tc>
+                  <a:txBody>
+                    <a:bodyPr/>
+                    <a:lstStyle/>
+                    <a:p>
+                      <a:pPr algn="ctr"/>
+                      <a:endParaRPr lang="de-DE" dirty="0">
+                        <a:solidFill>
+                          <a:schemeClr val="tx1"/>
+                        </a:solidFill>
+                      </a:endParaRPr>
+                    </a:p>
+                  </a:txBody>
+                  <a:tcPr/>
+                </a:tc>
+                <a:extLst>
+                  <a:ext uri="{0D108BD9-81ED-4DB2-BD59-A6C34878D82A}">
+                    <a16:rowId xmlns:a16="http://schemas.microsoft.com/office/drawing/2014/main" val="2447633109"/>
+                  </a:ext>
+                </a:extLst>
+              </a:tr>
+            </a:tbl>
+          </a:graphicData>
+        </a:graphic>
+      </p:graphicFrame>
+      <p:graphicFrame>
+        <p:nvGraphicFramePr>
+          <p:cNvPr id="36" name="Three sorted Counting Sort">
+            <a:extLst>
+              <a:ext uri="{FF2B5EF4-FFF2-40B4-BE49-F238E27FC236}">
+                <a16:creationId xmlns:a16="http://schemas.microsoft.com/office/drawing/2014/main" id="{B6207861-90F2-43A6-A4B7-EF2D9A518F6F}"/>
+              </a:ext>
+            </a:extLst>
+          </p:cNvPr>
+          <p:cNvGraphicFramePr>
+            <a:graphicFrameLocks noGrp="1"/>
+          </p:cNvGraphicFramePr>
+          <p:nvPr>
+            <p:extLst>
+              <p:ext uri="{D42A27DB-BD31-4B8C-83A1-F6EECF244321}">
+                <p14:modId xmlns:p14="http://schemas.microsoft.com/office/powerpoint/2010/main" val="795475680"/>
+              </p:ext>
+            </p:extLst>
+          </p:nvPr>
+        </p:nvGraphicFramePr>
+        <p:xfrm>
+          <a:off x="2901019" y="5222397"/>
+          <a:ext cx="8128002" cy="370840"/>
+        </p:xfrm>
+        <a:graphic>
+          <a:graphicData uri="http://schemas.openxmlformats.org/drawingml/2006/table">
+            <a:tbl>
+              <a:tblPr firstRow="1" bandRow="1">
+                <a:tableStyleId>{073A0DAA-6AF3-43AB-8588-CEC1D06C72B9}</a:tableStyleId>
+              </a:tblPr>
+              <a:tblGrid>
+                <a:gridCol w="1354667">
+                  <a:extLst>
+                    <a:ext uri="{9D8B030D-6E8A-4147-A177-3AD203B41FA5}">
+                      <a16:colId xmlns:a16="http://schemas.microsoft.com/office/drawing/2014/main" val="4206808895"/>
+                    </a:ext>
+                  </a:extLst>
+                </a:gridCol>
+                <a:gridCol w="1354667">
+                  <a:extLst>
+                    <a:ext uri="{9D8B030D-6E8A-4147-A177-3AD203B41FA5}">
+                      <a16:colId xmlns:a16="http://schemas.microsoft.com/office/drawing/2014/main" val="3329839131"/>
+                    </a:ext>
+                  </a:extLst>
+                </a:gridCol>
+                <a:gridCol w="1354667">
+                  <a:extLst>
+                    <a:ext uri="{9D8B030D-6E8A-4147-A177-3AD203B41FA5}">
+                      <a16:colId xmlns:a16="http://schemas.microsoft.com/office/drawing/2014/main" val="1399779263"/>
+                    </a:ext>
+                  </a:extLst>
+                </a:gridCol>
+                <a:gridCol w="1354667">
+                  <a:extLst>
+                    <a:ext uri="{9D8B030D-6E8A-4147-A177-3AD203B41FA5}">
+                      <a16:colId xmlns:a16="http://schemas.microsoft.com/office/drawing/2014/main" val="4035804587"/>
+                    </a:ext>
+                  </a:extLst>
+                </a:gridCol>
+                <a:gridCol w="1354667">
+                  <a:extLst>
+                    <a:ext uri="{9D8B030D-6E8A-4147-A177-3AD203B41FA5}">
+                      <a16:colId xmlns:a16="http://schemas.microsoft.com/office/drawing/2014/main" val="3967537306"/>
+                    </a:ext>
+                  </a:extLst>
+                </a:gridCol>
+                <a:gridCol w="1354667">
+                  <a:extLst>
+                    <a:ext uri="{9D8B030D-6E8A-4147-A177-3AD203B41FA5}">
+                      <a16:colId xmlns:a16="http://schemas.microsoft.com/office/drawing/2014/main" val="2452087353"/>
+                    </a:ext>
+                  </a:extLst>
+                </a:gridCol>
+              </a:tblGrid>
+              <a:tr h="370840">
+                <a:tc>
+                  <a:txBody>
+                    <a:bodyPr/>
+                    <a:lstStyle/>
+                    <a:p>
+                      <a:pPr algn="ctr"/>
+                      <a:r>
+                        <a:rPr lang="en-US" dirty="0">
+                          <a:solidFill>
+                            <a:schemeClr val="tx1"/>
+                          </a:solidFill>
+                        </a:rPr>
+                        <a:t>0</a:t>
+                      </a:r>
+                      <a:endParaRPr lang="de-DE" dirty="0">
+                        <a:solidFill>
+                          <a:schemeClr val="tx1"/>
+                        </a:solidFill>
+                      </a:endParaRPr>
+                    </a:p>
+                  </a:txBody>
+                  <a:tcPr/>
+                </a:tc>
+                <a:tc>
+                  <a:txBody>
+                    <a:bodyPr/>
+                    <a:lstStyle/>
+                    <a:p>
+                      <a:pPr algn="ctr"/>
+                      <a:endParaRPr lang="de-DE" dirty="0">
+                        <a:solidFill>
+                          <a:schemeClr val="tx1"/>
+                        </a:solidFill>
+                      </a:endParaRPr>
+                    </a:p>
+                  </a:txBody>
+                  <a:tcPr/>
+                </a:tc>
+                <a:tc>
+                  <a:txBody>
+                    <a:bodyPr/>
+                    <a:lstStyle/>
+                    <a:p>
+                      <a:pPr algn="ctr"/>
+                      <a:endParaRPr lang="de-DE" dirty="0">
+                        <a:solidFill>
+                          <a:schemeClr val="tx1"/>
+                        </a:solidFill>
+                      </a:endParaRPr>
+                    </a:p>
+                  </a:txBody>
+                  <a:tcPr/>
+                </a:tc>
+                <a:tc>
+                  <a:txBody>
+                    <a:bodyPr/>
+                    <a:lstStyle/>
+                    <a:p>
+                      <a:pPr algn="ctr"/>
+                      <a:r>
+                        <a:rPr lang="en-US" dirty="0">
+                          <a:solidFill>
+                            <a:schemeClr val="tx1"/>
+                          </a:solidFill>
+                        </a:rPr>
+                        <a:t>6</a:t>
+                      </a:r>
+                      <a:endParaRPr lang="de-DE" dirty="0">
+                        <a:solidFill>
+                          <a:schemeClr val="tx1"/>
+                        </a:solidFill>
+                      </a:endParaRPr>
+                    </a:p>
+                  </a:txBody>
+                  <a:tcPr/>
+                </a:tc>
+                <a:tc>
+                  <a:txBody>
+                    <a:bodyPr/>
+                    <a:lstStyle/>
+                    <a:p>
+                      <a:pPr algn="ctr"/>
+                      <a:r>
+                        <a:rPr lang="en-GB" dirty="0">
+                          <a:solidFill>
+                            <a:schemeClr val="tx1"/>
+                          </a:solidFill>
+                        </a:rPr>
+                        <a:t>6</a:t>
+                      </a:r>
+                      <a:endParaRPr lang="de-DE" dirty="0">
+                        <a:solidFill>
+                          <a:schemeClr val="tx1"/>
+                        </a:solidFill>
+                      </a:endParaRPr>
+                    </a:p>
+                  </a:txBody>
+                  <a:tcPr/>
+                </a:tc>
+                <a:tc>
+                  <a:txBody>
+                    <a:bodyPr/>
+                    <a:lstStyle/>
+                    <a:p>
+                      <a:pPr algn="ctr"/>
+                      <a:endParaRPr lang="de-DE" dirty="0">
+                        <a:solidFill>
+                          <a:schemeClr val="tx1"/>
+                        </a:solidFill>
+                      </a:endParaRPr>
+                    </a:p>
+                  </a:txBody>
+                  <a:tcPr/>
+                </a:tc>
+                <a:extLst>
+                  <a:ext uri="{0D108BD9-81ED-4DB2-BD59-A6C34878D82A}">
+                    <a16:rowId xmlns:a16="http://schemas.microsoft.com/office/drawing/2014/main" val="2447633109"/>
+                  </a:ext>
+                </a:extLst>
+              </a:tr>
+            </a:tbl>
+          </a:graphicData>
+        </a:graphic>
+      </p:graphicFrame>
+      <p:sp>
+        <p:nvSpPr>
+          <p:cNvPr id="26" name="Arrow: Down 25">
+            <a:extLst>
+              <a:ext uri="{FF2B5EF4-FFF2-40B4-BE49-F238E27FC236}">
+                <a16:creationId xmlns:a16="http://schemas.microsoft.com/office/drawing/2014/main" id="{2242E44F-FA6B-49F0-BCDE-762F7C312641}"/>
+              </a:ext>
+            </a:extLst>
+          </p:cNvPr>
+          <p:cNvSpPr/>
+          <p:nvPr/>
+        </p:nvSpPr>
+        <p:spPr>
+          <a:xfrm rot="18745168">
+            <a:off x="8398070" y="4758709"/>
+            <a:ext cx="328473" cy="569026"/>
+          </a:xfrm>
+          <a:prstGeom prst="downArrow">
+            <a:avLst/>
+          </a:prstGeom>
+        </p:spPr>
+        <p:style>
+          <a:lnRef idx="3">
+            <a:schemeClr val="lt1"/>
+          </a:lnRef>
+          <a:fillRef idx="1">
+            <a:schemeClr val="dk1"/>
+          </a:fillRef>
+          <a:effectRef idx="1">
+            <a:schemeClr val="dk1"/>
+          </a:effectRef>
+          <a:fontRef idx="minor">
+            <a:schemeClr val="lt1"/>
+          </a:fontRef>
+        </p:style>
+        <p:txBody>
+          <a:bodyPr rtlCol="0" anchor="ctr"/>
+          <a:lstStyle/>
+          <a:p>
+            <a:pPr algn="ctr"/>
+            <a:endParaRPr lang="de-DE"/>
+          </a:p>
+        </p:txBody>
+      </p:sp>
+      <p:sp>
+        <p:nvSpPr>
+          <p:cNvPr id="25" name="Arrow: Down 24">
+            <a:extLst>
+              <a:ext uri="{FF2B5EF4-FFF2-40B4-BE49-F238E27FC236}">
+                <a16:creationId xmlns:a16="http://schemas.microsoft.com/office/drawing/2014/main" id="{DBCBD20E-9E06-4FB7-A359-5CBB1D2F6AD6}"/>
+              </a:ext>
+            </a:extLst>
+          </p:cNvPr>
+          <p:cNvSpPr/>
+          <p:nvPr/>
+        </p:nvSpPr>
+        <p:spPr>
+          <a:xfrm rot="4211526">
+            <a:off x="8997133" y="3128141"/>
+            <a:ext cx="423052" cy="1629326"/>
+          </a:xfrm>
+          <a:prstGeom prst="downArrow">
+            <a:avLst/>
+          </a:prstGeom>
+        </p:spPr>
+        <p:style>
+          <a:lnRef idx="3">
+            <a:schemeClr val="lt1"/>
+          </a:lnRef>
+          <a:fillRef idx="1">
+            <a:schemeClr val="dk1"/>
+          </a:fillRef>
+          <a:effectRef idx="1">
+            <a:schemeClr val="dk1"/>
+          </a:effectRef>
+          <a:fontRef idx="minor">
+            <a:schemeClr val="lt1"/>
+          </a:fontRef>
+        </p:style>
+        <p:txBody>
+          <a:bodyPr rtlCol="0" anchor="ctr"/>
+          <a:lstStyle/>
+          <a:p>
+            <a:pPr algn="ctr"/>
+            <a:endParaRPr lang="de-DE"/>
+          </a:p>
+        </p:txBody>
+      </p:sp>
     </p:spTree>
     <p:extLst>
       <p:ext uri="{BB962C8B-B14F-4D97-AF65-F5344CB8AC3E}">
@@ -21969,7 +23716,7 @@
                                           </p:stCondLst>
                                         </p:cTn>
                                         <p:tgtEl>
-                                          <p:spTgt spid="24"/>
+                                          <p:spTgt spid="35"/>
                                         </p:tgtEl>
                                         <p:attrNameLst>
                                           <p:attrName>style.visibility</p:attrName>
@@ -21983,40 +23730,22 @@
                                       <p:cBhvr>
                                         <p:cTn id="86" dur="500"/>
                                         <p:tgtEl>
-                                          <p:spTgt spid="24"/>
+                                          <p:spTgt spid="35"/>
                                         </p:tgtEl>
                                       </p:cBhvr>
                                     </p:animEffect>
                                   </p:childTnLst>
                                 </p:cTn>
                               </p:par>
-                            </p:childTnLst>
-                          </p:cTn>
-                        </p:par>
-                      </p:childTnLst>
-                    </p:cTn>
-                  </p:par>
-                  <p:par>
-                    <p:cTn id="87" fill="hold">
-                      <p:stCondLst>
-                        <p:cond delay="indefinite"/>
-                      </p:stCondLst>
-                      <p:childTnLst>
-                        <p:par>
-                          <p:cTn id="88" fill="hold">
-                            <p:stCondLst>
-                              <p:cond delay="0"/>
-                            </p:stCondLst>
-                            <p:childTnLst>
                               <p:par>
-                                <p:cTn id="89" presetID="10" presetClass="entr" presetSubtype="0" fill="hold" grpId="0" nodeType="clickEffect">
+                                <p:cTn id="87" presetID="10" presetClass="entr" presetSubtype="0" fill="hold" grpId="0" nodeType="withEffect">
                                   <p:stCondLst>
                                     <p:cond delay="0"/>
                                   </p:stCondLst>
                                   <p:childTnLst>
                                     <p:set>
                                       <p:cBhvr>
-                                        <p:cTn id="90" dur="1" fill="hold">
+                                        <p:cTn id="88" dur="1" fill="hold">
                                           <p:stCondLst>
                                             <p:cond delay="0"/>
                                           </p:stCondLst>
@@ -22034,7 +23763,7 @@
                                     </p:set>
                                     <p:animEffect transition="in" filter="fade">
                                       <p:cBhvr>
-                                        <p:cTn id="91" dur="500"/>
+                                        <p:cTn id="89" dur="500"/>
                                         <p:tgtEl>
                                           <p:spTgt spid="25"/>
                                         </p:tgtEl>
@@ -22050,26 +23779,26 @@
                     </p:cTn>
                   </p:par>
                   <p:par>
-                    <p:cTn id="92" fill="hold">
+                    <p:cTn id="90" fill="hold">
                       <p:stCondLst>
                         <p:cond delay="indefinite"/>
                       </p:stCondLst>
                       <p:childTnLst>
                         <p:par>
-                          <p:cTn id="93" fill="hold">
+                          <p:cTn id="91" fill="hold">
                             <p:stCondLst>
                               <p:cond delay="0"/>
                             </p:stCondLst>
                             <p:childTnLst>
                               <p:par>
-                                <p:cTn id="94" presetID="10" presetClass="entr" presetSubtype="0" fill="hold" grpId="0" nodeType="clickEffect">
+                                <p:cTn id="92" presetID="10" presetClass="entr" presetSubtype="0" fill="hold" grpId="0" nodeType="clickEffect">
                                   <p:stCondLst>
                                     <p:cond delay="0"/>
                                   </p:stCondLst>
                                   <p:childTnLst>
                                     <p:set>
                                       <p:cBhvr>
-                                        <p:cTn id="95" dur="1" fill="hold">
+                                        <p:cTn id="93" dur="1" fill="hold">
                                           <p:stCondLst>
                                             <p:cond delay="0"/>
                                           </p:stCondLst>
@@ -22087,7 +23816,7 @@
                                     </p:set>
                                     <p:animEffect transition="in" filter="fade">
                                       <p:cBhvr>
-                                        <p:cTn id="96" dur="500"/>
+                                        <p:cTn id="94" dur="500"/>
                                         <p:tgtEl>
                                           <p:spTgt spid="26"/>
                                         </p:tgtEl>
@@ -22103,36 +23832,28 @@
                     </p:cTn>
                   </p:par>
                   <p:par>
-                    <p:cTn id="97" fill="hold">
+                    <p:cTn id="95" fill="hold">
                       <p:stCondLst>
                         <p:cond delay="indefinite"/>
                       </p:stCondLst>
                       <p:childTnLst>
                         <p:par>
-                          <p:cTn id="98" fill="hold">
+                          <p:cTn id="96" fill="hold">
                             <p:stCondLst>
                               <p:cond delay="0"/>
                             </p:stCondLst>
                             <p:childTnLst>
                               <p:par>
-                                <p:cTn id="99" presetID="10" presetClass="exit" presetSubtype="0" fill="hold" grpId="1" nodeType="clickEffect">
+                                <p:cTn id="97" presetID="1" presetClass="exit" presetSubtype="0" fill="hold" grpId="1" nodeType="clickEffect">
                                   <p:stCondLst>
                                     <p:cond delay="0"/>
                                   </p:stCondLst>
                                   <p:childTnLst>
-                                    <p:animEffect transition="out" filter="fade">
-                                      <p:cBhvr>
-                                        <p:cTn id="100" dur="500"/>
-                                        <p:tgtEl>
-                                          <p:spTgt spid="25"/>
-                                        </p:tgtEl>
-                                      </p:cBhvr>
-                                    </p:animEffect>
                                     <p:set>
                                       <p:cBhvr>
-                                        <p:cTn id="101" dur="1" fill="hold">
+                                        <p:cTn id="98" dur="1" fill="hold">
                                           <p:stCondLst>
-                                            <p:cond delay="499"/>
+                                            <p:cond delay="0"/>
                                           </p:stCondLst>
                                         </p:cTn>
                                         <p:tgtEl>
@@ -22150,28 +23871,65 @@
                                 </p:cTn>
                               </p:par>
                               <p:par>
-                                <p:cTn id="102" presetID="10" presetClass="exit" presetSubtype="0" fill="hold" grpId="1" nodeType="withEffect">
+                                <p:cTn id="99" presetID="1" presetClass="entr" presetSubtype="0" fill="hold" grpId="0" nodeType="withEffect">
                                   <p:stCondLst>
                                     <p:cond delay="0"/>
                                   </p:stCondLst>
                                   <p:childTnLst>
-                                    <p:animEffect transition="out" filter="fade">
+                                    <p:set>
                                       <p:cBhvr>
-                                        <p:cTn id="103" dur="500"/>
+                                        <p:cTn id="100" dur="1" fill="hold">
+                                          <p:stCondLst>
+                                            <p:cond delay="0"/>
+                                          </p:stCondLst>
+                                        </p:cTn>
                                         <p:tgtEl>
-                                          <p:spTgt spid="26"/>
+                                          <p:spTgt spid="4"/>
                                         </p:tgtEl>
+                                        <p:attrNameLst>
+                                          <p:attrName>style.visibility</p:attrName>
+                                        </p:attrNameLst>
                                       </p:cBhvr>
-                                    </p:animEffect>
+                                      <p:to>
+                                        <p:strVal val="visible"/>
+                                      </p:to>
+                                    </p:set>
+                                  </p:childTnLst>
+                                </p:cTn>
+                              </p:par>
+                            </p:childTnLst>
+                          </p:cTn>
+                        </p:par>
+                      </p:childTnLst>
+                    </p:cTn>
+                  </p:par>
+                  <p:par>
+                    <p:cTn id="101" fill="hold">
+                      <p:stCondLst>
+                        <p:cond delay="indefinite"/>
+                      </p:stCondLst>
+                      <p:childTnLst>
+                        <p:par>
+                          <p:cTn id="102" fill="hold">
+                            <p:stCondLst>
+                              <p:cond delay="0"/>
+                            </p:stCondLst>
+                            <p:childTnLst>
+                              <p:par>
+                                <p:cTn id="103" presetID="1" presetClass="exit" presetSubtype="0" fill="hold" grpId="2" nodeType="clickEffect">
+                                  <p:stCondLst>
+                                    <p:cond delay="0"/>
+                                  </p:stCondLst>
+                                  <p:childTnLst>
                                     <p:set>
                                       <p:cBhvr>
                                         <p:cTn id="104" dur="1" fill="hold">
                                           <p:stCondLst>
-                                            <p:cond delay="499"/>
+                                            <p:cond delay="0"/>
                                           </p:stCondLst>
                                         </p:cTn>
                                         <p:tgtEl>
-                                          <p:spTgt spid="26"/>
+                                          <p:spTgt spid="4"/>
                                         </p:tgtEl>
                                         <p:attrNameLst>
                                           <p:attrName>style.visibility</p:attrName>
@@ -22185,7 +23943,7 @@
                                 </p:cTn>
                               </p:par>
                               <p:par>
-                                <p:cTn id="105" presetID="10" presetClass="entr" presetSubtype="0" fill="hold" nodeType="withEffect">
+                                <p:cTn id="105" presetID="1" presetClass="entr" presetSubtype="0" fill="hold" grpId="3" nodeType="withEffect">
                                   <p:stCondLst>
                                     <p:cond delay="0"/>
                                   </p:stCondLst>
@@ -22193,6 +23951,33 @@
                                     <p:set>
                                       <p:cBhvr>
                                         <p:cTn id="106" dur="1" fill="hold">
+                                          <p:stCondLst>
+                                            <p:cond delay="0"/>
+                                          </p:stCondLst>
+                                        </p:cTn>
+                                        <p:tgtEl>
+                                          <p:spTgt spid="25"/>
+                                        </p:tgtEl>
+                                        <p:attrNameLst>
+                                          <p:attrName>style.visibility</p:attrName>
+                                        </p:attrNameLst>
+                                      </p:cBhvr>
+                                      <p:to>
+                                        <p:strVal val="visible"/>
+                                      </p:to>
+                                    </p:set>
+                                  </p:childTnLst>
+                                </p:cTn>
+                              </p:par>
+                              <p:par>
+                                <p:cTn id="107" presetID="10" presetClass="entr" presetSubtype="0" fill="hold" nodeType="withEffect">
+                                  <p:stCondLst>
+                                    <p:cond delay="0"/>
+                                  </p:stCondLst>
+                                  <p:childTnLst>
+                                    <p:set>
+                                      <p:cBhvr>
+                                        <p:cTn id="108" dur="1" fill="hold">
                                           <p:stCondLst>
                                             <p:cond delay="0"/>
                                           </p:stCondLst>
@@ -22210,7 +23995,7 @@
                                     </p:set>
                                     <p:animEffect transition="in" filter="fade">
                                       <p:cBhvr>
-                                        <p:cTn id="107" dur="500"/>
+                                        <p:cTn id="109" dur="500"/>
                                         <p:tgtEl>
                                           <p:spTgt spid="27"/>
                                         </p:tgtEl>
@@ -22219,56 +24004,38 @@
                                   </p:childTnLst>
                                 </p:cTn>
                               </p:par>
-                            </p:childTnLst>
-                          </p:cTn>
-                        </p:par>
-                      </p:childTnLst>
-                    </p:cTn>
-                  </p:par>
-                  <p:par>
-                    <p:cTn id="108" fill="hold">
-                      <p:stCondLst>
-                        <p:cond delay="indefinite"/>
-                      </p:stCondLst>
-                      <p:childTnLst>
-                        <p:par>
-                          <p:cTn id="109" fill="hold">
-                            <p:stCondLst>
-                              <p:cond delay="0"/>
-                            </p:stCondLst>
-                            <p:childTnLst>
                               <p:par>
-                                <p:cTn id="110" presetID="10" presetClass="entr" presetSubtype="0" fill="hold" nodeType="clickEffect">
+                                <p:cTn id="110" presetID="10" presetClass="exit" presetSubtype="0" fill="hold" grpId="1" nodeType="withEffect">
                                   <p:stCondLst>
                                     <p:cond delay="0"/>
                                   </p:stCondLst>
                                   <p:childTnLst>
+                                    <p:animEffect transition="out" filter="fade">
+                                      <p:cBhvr>
+                                        <p:cTn id="111" dur="500"/>
+                                        <p:tgtEl>
+                                          <p:spTgt spid="26"/>
+                                        </p:tgtEl>
+                                      </p:cBhvr>
+                                    </p:animEffect>
                                     <p:set>
                                       <p:cBhvr>
-                                        <p:cTn id="111" dur="1" fill="hold">
+                                        <p:cTn id="112" dur="1" fill="hold">
                                           <p:stCondLst>
-                                            <p:cond delay="0"/>
+                                            <p:cond delay="499"/>
                                           </p:stCondLst>
                                         </p:cTn>
                                         <p:tgtEl>
-                                          <p:spTgt spid="28"/>
+                                          <p:spTgt spid="26"/>
                                         </p:tgtEl>
                                         <p:attrNameLst>
                                           <p:attrName>style.visibility</p:attrName>
                                         </p:attrNameLst>
                                       </p:cBhvr>
                                       <p:to>
-                                        <p:strVal val="visible"/>
+                                        <p:strVal val="hidden"/>
                                       </p:to>
                                     </p:set>
-                                    <p:animEffect transition="in" filter="fade">
-                                      <p:cBhvr>
-                                        <p:cTn id="112" dur="500"/>
-                                        <p:tgtEl>
-                                          <p:spTgt spid="28"/>
-                                        </p:tgtEl>
-                                      </p:cBhvr>
-                                    </p:animEffect>
                                   </p:childTnLst>
                                 </p:cTn>
                               </p:par>
@@ -22291,7 +24058,7 @@
                             </p:stCondLst>
                             <p:childTnLst>
                               <p:par>
-                                <p:cTn id="115" presetID="10" presetClass="exit" presetSubtype="0" fill="hold" nodeType="clickEffect">
+                                <p:cTn id="115" presetID="10" presetClass="exit" presetSubtype="0" fill="hold" grpId="2" nodeType="clickEffect">
                                   <p:stCondLst>
                                     <p:cond delay="0"/>
                                   </p:stCondLst>
@@ -22300,13 +24067,367 @@
                                       <p:cBhvr>
                                         <p:cTn id="116" dur="500"/>
                                         <p:tgtEl>
+                                          <p:spTgt spid="25"/>
+                                        </p:tgtEl>
+                                      </p:cBhvr>
+                                    </p:animEffect>
+                                    <p:set>
+                                      <p:cBhvr>
+                                        <p:cTn id="117" dur="1" fill="hold">
+                                          <p:stCondLst>
+                                            <p:cond delay="499"/>
+                                          </p:stCondLst>
+                                        </p:cTn>
+                                        <p:tgtEl>
+                                          <p:spTgt spid="25"/>
+                                        </p:tgtEl>
+                                        <p:attrNameLst>
+                                          <p:attrName>style.visibility</p:attrName>
+                                        </p:attrNameLst>
+                                      </p:cBhvr>
+                                      <p:to>
+                                        <p:strVal val="hidden"/>
+                                      </p:to>
+                                    </p:set>
+                                  </p:childTnLst>
+                                </p:cTn>
+                              </p:par>
+                              <p:par>
+                                <p:cTn id="118" presetID="10" presetClass="exit" presetSubtype="0" fill="hold" nodeType="withEffect">
+                                  <p:stCondLst>
+                                    <p:cond delay="0"/>
+                                  </p:stCondLst>
+                                  <p:childTnLst>
+                                    <p:animEffect transition="out" filter="fade">
+                                      <p:cBhvr>
+                                        <p:cTn id="119" dur="500"/>
+                                        <p:tgtEl>
+                                          <p:spTgt spid="35"/>
+                                        </p:tgtEl>
+                                      </p:cBhvr>
+                                    </p:animEffect>
+                                    <p:set>
+                                      <p:cBhvr>
+                                        <p:cTn id="120" dur="1" fill="hold">
+                                          <p:stCondLst>
+                                            <p:cond delay="499"/>
+                                          </p:stCondLst>
+                                        </p:cTn>
+                                        <p:tgtEl>
+                                          <p:spTgt spid="35"/>
+                                        </p:tgtEl>
+                                        <p:attrNameLst>
+                                          <p:attrName>style.visibility</p:attrName>
+                                        </p:attrNameLst>
+                                      </p:cBhvr>
+                                      <p:to>
+                                        <p:strVal val="hidden"/>
+                                      </p:to>
+                                    </p:set>
+                                  </p:childTnLst>
+                                </p:cTn>
+                              </p:par>
+                              <p:par>
+                                <p:cTn id="121" presetID="10" presetClass="entr" presetSubtype="0" fill="hold" nodeType="withEffect">
+                                  <p:stCondLst>
+                                    <p:cond delay="0"/>
+                                  </p:stCondLst>
+                                  <p:childTnLst>
+                                    <p:set>
+                                      <p:cBhvr>
+                                        <p:cTn id="122" dur="1" fill="hold">
+                                          <p:stCondLst>
+                                            <p:cond delay="0"/>
+                                          </p:stCondLst>
+                                        </p:cTn>
+                                        <p:tgtEl>
+                                          <p:spTgt spid="36"/>
+                                        </p:tgtEl>
+                                        <p:attrNameLst>
+                                          <p:attrName>style.visibility</p:attrName>
+                                        </p:attrNameLst>
+                                      </p:cBhvr>
+                                      <p:to>
+                                        <p:strVal val="visible"/>
+                                      </p:to>
+                                    </p:set>
+                                    <p:animEffect transition="in" filter="fade">
+                                      <p:cBhvr>
+                                        <p:cTn id="123" dur="500"/>
+                                        <p:tgtEl>
+                                          <p:spTgt spid="36"/>
+                                        </p:tgtEl>
+                                      </p:cBhvr>
+                                    </p:animEffect>
+                                  </p:childTnLst>
+                                </p:cTn>
+                              </p:par>
+                              <p:par>
+                                <p:cTn id="124" presetID="1" presetClass="entr" presetSubtype="0" fill="hold" grpId="0" nodeType="withEffect">
+                                  <p:stCondLst>
+                                    <p:cond delay="0"/>
+                                  </p:stCondLst>
+                                  <p:childTnLst>
+                                    <p:set>
+                                      <p:cBhvr>
+                                        <p:cTn id="125" dur="1" fill="hold">
+                                          <p:stCondLst>
+                                            <p:cond delay="0"/>
+                                          </p:stCondLst>
+                                        </p:cTn>
+                                        <p:tgtEl>
+                                          <p:spTgt spid="15"/>
+                                        </p:tgtEl>
+                                        <p:attrNameLst>
+                                          <p:attrName>style.visibility</p:attrName>
+                                        </p:attrNameLst>
+                                      </p:cBhvr>
+                                      <p:to>
+                                        <p:strVal val="visible"/>
+                                      </p:to>
+                                    </p:set>
+                                  </p:childTnLst>
+                                </p:cTn>
+                              </p:par>
+                              <p:par>
+                                <p:cTn id="126" presetID="1" presetClass="entr" presetSubtype="0" fill="hold" grpId="3" nodeType="withEffect">
+                                  <p:stCondLst>
+                                    <p:cond delay="0"/>
+                                  </p:stCondLst>
+                                  <p:childTnLst>
+                                    <p:set>
+                                      <p:cBhvr>
+                                        <p:cTn id="127" dur="1" fill="hold">
+                                          <p:stCondLst>
+                                            <p:cond delay="0"/>
+                                          </p:stCondLst>
+                                        </p:cTn>
+                                        <p:tgtEl>
+                                          <p:spTgt spid="4"/>
+                                        </p:tgtEl>
+                                        <p:attrNameLst>
+                                          <p:attrName>style.visibility</p:attrName>
+                                        </p:attrNameLst>
+                                      </p:cBhvr>
+                                      <p:to>
+                                        <p:strVal val="visible"/>
+                                      </p:to>
+                                    </p:set>
+                                  </p:childTnLst>
+                                </p:cTn>
+                              </p:par>
+                            </p:childTnLst>
+                          </p:cTn>
+                        </p:par>
+                      </p:childTnLst>
+                    </p:cTn>
+                  </p:par>
+                  <p:par>
+                    <p:cTn id="128" fill="hold">
+                      <p:stCondLst>
+                        <p:cond delay="indefinite"/>
+                      </p:stCondLst>
+                      <p:childTnLst>
+                        <p:par>
+                          <p:cTn id="129" fill="hold">
+                            <p:stCondLst>
+                              <p:cond delay="0"/>
+                            </p:stCondLst>
+                            <p:childTnLst>
+                              <p:par>
+                                <p:cTn id="130" presetID="10" presetClass="entr" presetSubtype="0" fill="hold" nodeType="clickEffect">
+                                  <p:stCondLst>
+                                    <p:cond delay="0"/>
+                                  </p:stCondLst>
+                                  <p:childTnLst>
+                                    <p:set>
+                                      <p:cBhvr>
+                                        <p:cTn id="131" dur="1" fill="hold">
+                                          <p:stCondLst>
+                                            <p:cond delay="0"/>
+                                          </p:stCondLst>
+                                        </p:cTn>
+                                        <p:tgtEl>
+                                          <p:spTgt spid="28"/>
+                                        </p:tgtEl>
+                                        <p:attrNameLst>
+                                          <p:attrName>style.visibility</p:attrName>
+                                        </p:attrNameLst>
+                                      </p:cBhvr>
+                                      <p:to>
+                                        <p:strVal val="visible"/>
+                                      </p:to>
+                                    </p:set>
+                                    <p:animEffect transition="in" filter="fade">
+                                      <p:cBhvr>
+                                        <p:cTn id="132" dur="500"/>
+                                        <p:tgtEl>
+                                          <p:spTgt spid="28"/>
+                                        </p:tgtEl>
+                                      </p:cBhvr>
+                                    </p:animEffect>
+                                  </p:childTnLst>
+                                </p:cTn>
+                              </p:par>
+                              <p:par>
+                                <p:cTn id="133" presetID="10" presetClass="entr" presetSubtype="0" fill="hold" nodeType="withEffect">
+                                  <p:stCondLst>
+                                    <p:cond delay="0"/>
+                                  </p:stCondLst>
+                                  <p:childTnLst>
+                                    <p:set>
+                                      <p:cBhvr>
+                                        <p:cTn id="134" dur="1" fill="hold">
+                                          <p:stCondLst>
+                                            <p:cond delay="0"/>
+                                          </p:stCondLst>
+                                        </p:cTn>
+                                        <p:tgtEl>
+                                          <p:spTgt spid="24"/>
+                                        </p:tgtEl>
+                                        <p:attrNameLst>
+                                          <p:attrName>style.visibility</p:attrName>
+                                        </p:attrNameLst>
+                                      </p:cBhvr>
+                                      <p:to>
+                                        <p:strVal val="visible"/>
+                                      </p:to>
+                                    </p:set>
+                                    <p:animEffect transition="in" filter="fade">
+                                      <p:cBhvr>
+                                        <p:cTn id="135" dur="500"/>
+                                        <p:tgtEl>
+                                          <p:spTgt spid="24"/>
+                                        </p:tgtEl>
+                                      </p:cBhvr>
+                                    </p:animEffect>
+                                  </p:childTnLst>
+                                </p:cTn>
+                              </p:par>
+                              <p:par>
+                                <p:cTn id="136" presetID="10" presetClass="exit" presetSubtype="0" fill="hold" nodeType="withEffect">
+                                  <p:stCondLst>
+                                    <p:cond delay="0"/>
+                                  </p:stCondLst>
+                                  <p:childTnLst>
+                                    <p:animEffect transition="out" filter="fade">
+                                      <p:cBhvr>
+                                        <p:cTn id="137" dur="500"/>
+                                        <p:tgtEl>
+                                          <p:spTgt spid="36"/>
+                                        </p:tgtEl>
+                                      </p:cBhvr>
+                                    </p:animEffect>
+                                    <p:set>
+                                      <p:cBhvr>
+                                        <p:cTn id="138" dur="1" fill="hold">
+                                          <p:stCondLst>
+                                            <p:cond delay="499"/>
+                                          </p:stCondLst>
+                                        </p:cTn>
+                                        <p:tgtEl>
+                                          <p:spTgt spid="36"/>
+                                        </p:tgtEl>
+                                        <p:attrNameLst>
+                                          <p:attrName>style.visibility</p:attrName>
+                                        </p:attrNameLst>
+                                      </p:cBhvr>
+                                      <p:to>
+                                        <p:strVal val="hidden"/>
+                                      </p:to>
+                                    </p:set>
+                                  </p:childTnLst>
+                                </p:cTn>
+                              </p:par>
+                              <p:par>
+                                <p:cTn id="139" presetID="1" presetClass="exit" presetSubtype="0" fill="hold" grpId="1" nodeType="withEffect">
+                                  <p:stCondLst>
+                                    <p:cond delay="0"/>
+                                  </p:stCondLst>
+                                  <p:childTnLst>
+                                    <p:set>
+                                      <p:cBhvr>
+                                        <p:cTn id="140" dur="1" fill="hold">
+                                          <p:stCondLst>
+                                            <p:cond delay="0"/>
+                                          </p:stCondLst>
+                                        </p:cTn>
+                                        <p:tgtEl>
+                                          <p:spTgt spid="15"/>
+                                        </p:tgtEl>
+                                        <p:attrNameLst>
+                                          <p:attrName>style.visibility</p:attrName>
+                                        </p:attrNameLst>
+                                      </p:cBhvr>
+                                      <p:to>
+                                        <p:strVal val="hidden"/>
+                                      </p:to>
+                                    </p:set>
+                                  </p:childTnLst>
+                                </p:cTn>
+                              </p:par>
+                              <p:par>
+                                <p:cTn id="141" presetID="1" presetClass="exit" presetSubtype="0" fill="hold" grpId="1" nodeType="withEffect">
+                                  <p:stCondLst>
+                                    <p:cond delay="0"/>
+                                  </p:stCondLst>
+                                  <p:childTnLst>
+                                    <p:set>
+                                      <p:cBhvr>
+                                        <p:cTn id="142" dur="1" fill="hold">
+                                          <p:stCondLst>
+                                            <p:cond delay="0"/>
+                                          </p:stCondLst>
+                                        </p:cTn>
+                                        <p:tgtEl>
+                                          <p:spTgt spid="4"/>
+                                        </p:tgtEl>
+                                        <p:attrNameLst>
+                                          <p:attrName>style.visibility</p:attrName>
+                                        </p:attrNameLst>
+                                      </p:cBhvr>
+                                      <p:to>
+                                        <p:strVal val="hidden"/>
+                                      </p:to>
+                                    </p:set>
+                                  </p:childTnLst>
+                                </p:cTn>
+                              </p:par>
+                            </p:childTnLst>
+                          </p:cTn>
+                        </p:par>
+                      </p:childTnLst>
+                    </p:cTn>
+                  </p:par>
+                  <p:par>
+                    <p:cTn id="143" fill="hold">
+                      <p:stCondLst>
+                        <p:cond delay="indefinite"/>
+                      </p:stCondLst>
+                      <p:childTnLst>
+                        <p:par>
+                          <p:cTn id="144" fill="hold">
+                            <p:stCondLst>
+                              <p:cond delay="0"/>
+                            </p:stCondLst>
+                            <p:childTnLst>
+                              <p:par>
+                                <p:cTn id="145" presetID="10" presetClass="exit" presetSubtype="0" fill="hold" nodeType="clickEffect">
+                                  <p:stCondLst>
+                                    <p:cond delay="0"/>
+                                  </p:stCondLst>
+                                  <p:childTnLst>
+                                    <p:animEffect transition="out" filter="fade">
+                                      <p:cBhvr>
+                                        <p:cTn id="146" dur="500"/>
+                                        <p:tgtEl>
                                           <p:spTgt spid="6"/>
                                         </p:tgtEl>
                                       </p:cBhvr>
                                     </p:animEffect>
                                     <p:set>
                                       <p:cBhvr>
-                                        <p:cTn id="117" dur="1" fill="hold">
+                                        <p:cTn id="147" dur="1" fill="hold">
                                           <p:stCondLst>
                                             <p:cond delay="499"/>
                                           </p:stCondLst>
@@ -22326,14 +24447,14 @@
                                 </p:cTn>
                               </p:par>
                               <p:par>
-                                <p:cTn id="118" presetID="10" presetClass="exit" presetSubtype="0" fill="hold" grpId="1" nodeType="withEffect">
+                                <p:cTn id="148" presetID="10" presetClass="exit" presetSubtype="0" fill="hold" grpId="1" nodeType="withEffect">
                                   <p:stCondLst>
                                     <p:cond delay="0"/>
                                   </p:stCondLst>
                                   <p:childTnLst>
                                     <p:animEffect transition="out" filter="fade">
                                       <p:cBhvr>
-                                        <p:cTn id="119" dur="500"/>
+                                        <p:cTn id="149" dur="500"/>
                                         <p:tgtEl>
                                           <p:spTgt spid="7"/>
                                         </p:tgtEl>
@@ -22341,7 +24462,7 @@
                                     </p:animEffect>
                                     <p:set>
                                       <p:cBhvr>
-                                        <p:cTn id="120" dur="1" fill="hold">
+                                        <p:cTn id="150" dur="1" fill="hold">
                                           <p:stCondLst>
                                             <p:cond delay="499"/>
                                           </p:stCondLst>
@@ -22361,14 +24482,14 @@
                                 </p:cTn>
                               </p:par>
                               <p:par>
-                                <p:cTn id="121" presetID="10" presetClass="exit" presetSubtype="0" fill="hold" nodeType="withEffect">
+                                <p:cTn id="151" presetID="10" presetClass="exit" presetSubtype="0" fill="hold" nodeType="withEffect">
                                   <p:stCondLst>
                                     <p:cond delay="0"/>
                                   </p:stCondLst>
                                   <p:childTnLst>
                                     <p:animEffect transition="out" filter="fade">
                                       <p:cBhvr>
-                                        <p:cTn id="122" dur="500"/>
+                                        <p:cTn id="152" dur="500"/>
                                         <p:tgtEl>
                                           <p:spTgt spid="8"/>
                                         </p:tgtEl>
@@ -22376,7 +24497,7 @@
                                     </p:animEffect>
                                     <p:set>
                                       <p:cBhvr>
-                                        <p:cTn id="123" dur="1" fill="hold">
+                                        <p:cTn id="153" dur="1" fill="hold">
                                           <p:stCondLst>
                                             <p:cond delay="499"/>
                                           </p:stCondLst>
@@ -22396,14 +24517,14 @@
                                 </p:cTn>
                               </p:par>
                               <p:par>
-                                <p:cTn id="124" presetID="10" presetClass="exit" presetSubtype="0" fill="hold" grpId="1" nodeType="withEffect">
+                                <p:cTn id="154" presetID="10" presetClass="exit" presetSubtype="0" fill="hold" grpId="1" nodeType="withEffect">
                                   <p:stCondLst>
                                     <p:cond delay="0"/>
                                   </p:stCondLst>
                                   <p:childTnLst>
                                     <p:animEffect transition="out" filter="fade">
                                       <p:cBhvr>
-                                        <p:cTn id="125" dur="500"/>
+                                        <p:cTn id="155" dur="500"/>
                                         <p:tgtEl>
                                           <p:spTgt spid="11"/>
                                         </p:tgtEl>
@@ -22411,7 +24532,7 @@
                                     </p:animEffect>
                                     <p:set>
                                       <p:cBhvr>
-                                        <p:cTn id="126" dur="1" fill="hold">
+                                        <p:cTn id="156" dur="1" fill="hold">
                                           <p:stCondLst>
                                             <p:cond delay="499"/>
                                           </p:stCondLst>
@@ -22431,14 +24552,14 @@
                                 </p:cTn>
                               </p:par>
                               <p:par>
-                                <p:cTn id="127" presetID="10" presetClass="exit" presetSubtype="0" fill="hold" grpId="1" nodeType="withEffect">
+                                <p:cTn id="157" presetID="10" presetClass="exit" presetSubtype="0" fill="hold" grpId="1" nodeType="withEffect">
                                   <p:stCondLst>
                                     <p:cond delay="0"/>
                                   </p:stCondLst>
                                   <p:childTnLst>
                                     <p:animEffect transition="out" filter="fade">
                                       <p:cBhvr>
-                                        <p:cTn id="128" dur="500"/>
+                                        <p:cTn id="158" dur="500"/>
                                         <p:tgtEl>
                                           <p:spTgt spid="16"/>
                                         </p:tgtEl>
@@ -22446,7 +24567,7 @@
                                     </p:animEffect>
                                     <p:set>
                                       <p:cBhvr>
-                                        <p:cTn id="129" dur="1" fill="hold">
+                                        <p:cTn id="159" dur="1" fill="hold">
                                           <p:stCondLst>
                                             <p:cond delay="499"/>
                                           </p:stCondLst>
@@ -22466,14 +24587,14 @@
                                 </p:cTn>
                               </p:par>
                               <p:par>
-                                <p:cTn id="130" presetID="10" presetClass="exit" presetSubtype="0" fill="hold" grpId="1" nodeType="withEffect">
+                                <p:cTn id="160" presetID="10" presetClass="exit" presetSubtype="0" fill="hold" grpId="1" nodeType="withEffect">
                                   <p:stCondLst>
                                     <p:cond delay="0"/>
                                   </p:stCondLst>
                                   <p:childTnLst>
                                     <p:animEffect transition="out" filter="fade">
                                       <p:cBhvr>
-                                        <p:cTn id="131" dur="500"/>
+                                        <p:cTn id="161" dur="500"/>
                                         <p:tgtEl>
                                           <p:spTgt spid="17"/>
                                         </p:tgtEl>
@@ -22481,7 +24602,7 @@
                                     </p:animEffect>
                                     <p:set>
                                       <p:cBhvr>
-                                        <p:cTn id="132" dur="1" fill="hold">
+                                        <p:cTn id="162" dur="1" fill="hold">
                                           <p:stCondLst>
                                             <p:cond delay="499"/>
                                           </p:stCondLst>
@@ -22501,14 +24622,14 @@
                                 </p:cTn>
                               </p:par>
                               <p:par>
-                                <p:cTn id="133" presetID="10" presetClass="exit" presetSubtype="0" fill="hold" nodeType="withEffect">
+                                <p:cTn id="163" presetID="10" presetClass="exit" presetSubtype="0" fill="hold" nodeType="withEffect">
                                   <p:stCondLst>
                                     <p:cond delay="0"/>
                                   </p:stCondLst>
                                   <p:childTnLst>
                                     <p:animEffect transition="out" filter="fade">
                                       <p:cBhvr>
-                                        <p:cTn id="134" dur="500"/>
+                                        <p:cTn id="164" dur="500"/>
                                         <p:tgtEl>
                                           <p:spTgt spid="20"/>
                                         </p:tgtEl>
@@ -22516,7 +24637,7 @@
                                     </p:animEffect>
                                     <p:set>
                                       <p:cBhvr>
-                                        <p:cTn id="135" dur="1" fill="hold">
+                                        <p:cTn id="165" dur="1" fill="hold">
                                           <p:stCondLst>
                                             <p:cond delay="499"/>
                                           </p:stCondLst>
@@ -22536,14 +24657,14 @@
                                 </p:cTn>
                               </p:par>
                               <p:par>
-                                <p:cTn id="136" presetID="10" presetClass="exit" presetSubtype="0" fill="hold" nodeType="withEffect">
+                                <p:cTn id="166" presetID="10" presetClass="exit" presetSubtype="0" fill="hold" nodeType="withEffect">
                                   <p:stCondLst>
                                     <p:cond delay="0"/>
                                   </p:stCondLst>
                                   <p:childTnLst>
                                     <p:animEffect transition="out" filter="fade">
                                       <p:cBhvr>
-                                        <p:cTn id="137" dur="500"/>
+                                        <p:cTn id="167" dur="500"/>
                                         <p:tgtEl>
                                           <p:spTgt spid="19"/>
                                         </p:tgtEl>
@@ -22551,7 +24672,7 @@
                                     </p:animEffect>
                                     <p:set>
                                       <p:cBhvr>
-                                        <p:cTn id="138" dur="1" fill="hold">
+                                        <p:cTn id="168" dur="1" fill="hold">
                                           <p:stCondLst>
                                             <p:cond delay="499"/>
                                           </p:stCondLst>
@@ -22571,14 +24692,14 @@
                                 </p:cTn>
                               </p:par>
                               <p:par>
-                                <p:cTn id="139" presetID="10" presetClass="exit" presetSubtype="0" fill="hold" nodeType="withEffect">
+                                <p:cTn id="169" presetID="10" presetClass="exit" presetSubtype="0" fill="hold" nodeType="withEffect">
                                   <p:stCondLst>
                                     <p:cond delay="0"/>
                                   </p:stCondLst>
                                   <p:childTnLst>
                                     <p:animEffect transition="out" filter="fade">
                                       <p:cBhvr>
-                                        <p:cTn id="140" dur="500"/>
+                                        <p:cTn id="170" dur="500"/>
                                         <p:tgtEl>
                                           <p:spTgt spid="21"/>
                                         </p:tgtEl>
@@ -22586,7 +24707,7 @@
                                     </p:animEffect>
                                     <p:set>
                                       <p:cBhvr>
-                                        <p:cTn id="141" dur="1" fill="hold">
+                                        <p:cTn id="171" dur="1" fill="hold">
                                           <p:stCondLst>
                                             <p:cond delay="499"/>
                                           </p:stCondLst>
@@ -22606,14 +24727,14 @@
                                 </p:cTn>
                               </p:par>
                               <p:par>
-                                <p:cTn id="142" presetID="10" presetClass="exit" presetSubtype="0" fill="hold" nodeType="withEffect">
+                                <p:cTn id="172" presetID="10" presetClass="exit" presetSubtype="0" fill="hold" nodeType="withEffect">
                                   <p:stCondLst>
                                     <p:cond delay="0"/>
                                   </p:stCondLst>
                                   <p:childTnLst>
                                     <p:animEffect transition="out" filter="fade">
                                       <p:cBhvr>
-                                        <p:cTn id="143" dur="500"/>
+                                        <p:cTn id="173" dur="500"/>
                                         <p:tgtEl>
                                           <p:spTgt spid="23"/>
                                         </p:tgtEl>
@@ -22621,7 +24742,7 @@
                                     </p:animEffect>
                                     <p:set>
                                       <p:cBhvr>
-                                        <p:cTn id="144" dur="1" fill="hold">
+                                        <p:cTn id="174" dur="1" fill="hold">
                                           <p:stCondLst>
                                             <p:cond delay="499"/>
                                           </p:stCondLst>
@@ -22641,14 +24762,14 @@
                                 </p:cTn>
                               </p:par>
                               <p:par>
-                                <p:cTn id="145" presetID="10" presetClass="exit" presetSubtype="0" fill="hold" nodeType="withEffect">
+                                <p:cTn id="175" presetID="10" presetClass="exit" presetSubtype="0" fill="hold" nodeType="withEffect">
                                   <p:stCondLst>
                                     <p:cond delay="0"/>
                                   </p:stCondLst>
                                   <p:childTnLst>
                                     <p:animEffect transition="out" filter="fade">
                                       <p:cBhvr>
-                                        <p:cTn id="146" dur="500"/>
+                                        <p:cTn id="176" dur="500"/>
                                         <p:tgtEl>
                                           <p:spTgt spid="22"/>
                                         </p:tgtEl>
@@ -22656,7 +24777,7 @@
                                     </p:animEffect>
                                     <p:set>
                                       <p:cBhvr>
-                                        <p:cTn id="147" dur="1" fill="hold">
+                                        <p:cTn id="177" dur="1" fill="hold">
                                           <p:stCondLst>
                                             <p:cond delay="499"/>
                                           </p:stCondLst>
@@ -22676,14 +24797,14 @@
                                 </p:cTn>
                               </p:par>
                               <p:par>
-                                <p:cTn id="148" presetID="10" presetClass="exit" presetSubtype="0" fill="hold" nodeType="withEffect">
+                                <p:cTn id="178" presetID="10" presetClass="exit" presetSubtype="0" fill="hold" nodeType="withEffect">
                                   <p:stCondLst>
                                     <p:cond delay="0"/>
                                   </p:stCondLst>
                                   <p:childTnLst>
                                     <p:animEffect transition="out" filter="fade">
                                       <p:cBhvr>
-                                        <p:cTn id="149" dur="500"/>
+                                        <p:cTn id="179" dur="500"/>
                                         <p:tgtEl>
                                           <p:spTgt spid="24"/>
                                         </p:tgtEl>
@@ -22691,7 +24812,7 @@
                                     </p:animEffect>
                                     <p:set>
                                       <p:cBhvr>
-                                        <p:cTn id="150" dur="1" fill="hold">
+                                        <p:cTn id="180" dur="1" fill="hold">
                                           <p:stCondLst>
                                             <p:cond delay="499"/>
                                           </p:stCondLst>
@@ -22711,28 +24832,28 @@
                                 </p:cTn>
                               </p:par>
                               <p:par>
-                                <p:cTn id="151" presetID="10" presetClass="exit" presetSubtype="0" fill="hold" grpId="2" nodeType="withEffect">
+                                <p:cTn id="181" presetID="10" presetClass="exit" presetSubtype="0" fill="hold" nodeType="withEffect">
                                   <p:stCondLst>
                                     <p:cond delay="0"/>
                                   </p:stCondLst>
                                   <p:childTnLst>
                                     <p:animEffect transition="out" filter="fade">
                                       <p:cBhvr>
-                                        <p:cTn id="152" dur="500"/>
+                                        <p:cTn id="182" dur="500"/>
                                         <p:tgtEl>
-                                          <p:spTgt spid="25"/>
+                                          <p:spTgt spid="28"/>
                                         </p:tgtEl>
                                       </p:cBhvr>
                                     </p:animEffect>
                                     <p:set>
                                       <p:cBhvr>
-                                        <p:cTn id="153" dur="1" fill="hold">
+                                        <p:cTn id="183" dur="1" fill="hold">
                                           <p:stCondLst>
                                             <p:cond delay="499"/>
                                           </p:stCondLst>
                                         </p:cTn>
                                         <p:tgtEl>
-                                          <p:spTgt spid="25"/>
+                                          <p:spTgt spid="28"/>
                                         </p:tgtEl>
                                         <p:attrNameLst>
                                           <p:attrName>style.visibility</p:attrName>
@@ -22746,49 +24867,14 @@
                                 </p:cTn>
                               </p:par>
                               <p:par>
-                                <p:cTn id="154" presetID="10" presetClass="exit" presetSubtype="0" fill="hold" grpId="2" nodeType="withEffect">
+                                <p:cTn id="184" presetID="10" presetClass="exit" presetSubtype="0" fill="hold" nodeType="withEffect">
                                   <p:stCondLst>
                                     <p:cond delay="0"/>
                                   </p:stCondLst>
                                   <p:childTnLst>
                                     <p:animEffect transition="out" filter="fade">
                                       <p:cBhvr>
-                                        <p:cTn id="155" dur="500"/>
-                                        <p:tgtEl>
-                                          <p:spTgt spid="26"/>
-                                        </p:tgtEl>
-                                      </p:cBhvr>
-                                    </p:animEffect>
-                                    <p:set>
-                                      <p:cBhvr>
-                                        <p:cTn id="156" dur="1" fill="hold">
-                                          <p:stCondLst>
-                                            <p:cond delay="499"/>
-                                          </p:stCondLst>
-                                        </p:cTn>
-                                        <p:tgtEl>
-                                          <p:spTgt spid="26"/>
-                                        </p:tgtEl>
-                                        <p:attrNameLst>
-                                          <p:attrName>style.visibility</p:attrName>
-                                        </p:attrNameLst>
-                                      </p:cBhvr>
-                                      <p:to>
-                                        <p:strVal val="hidden"/>
-                                      </p:to>
-                                    </p:set>
-                                  </p:childTnLst>
-                                </p:cTn>
-                              </p:par>
-                              <p:par>
-                                <p:cTn id="157" presetID="10" presetClass="exit" presetSubtype="0" fill="hold" nodeType="withEffect">
-                                  <p:stCondLst>
-                                    <p:cond delay="0"/>
-                                  </p:stCondLst>
-                                  <p:childTnLst>
-                                    <p:animEffect transition="out" filter="fade">
-                                      <p:cBhvr>
-                                        <p:cTn id="158" dur="500"/>
+                                        <p:cTn id="185" dur="500"/>
                                         <p:tgtEl>
                                           <p:spTgt spid="27"/>
                                         </p:tgtEl>
@@ -22796,7 +24882,7 @@
                                     </p:animEffect>
                                     <p:set>
                                       <p:cBhvr>
-                                        <p:cTn id="159" dur="1" fill="hold">
+                                        <p:cTn id="186" dur="1" fill="hold">
                                           <p:stCondLst>
                                             <p:cond delay="499"/>
                                           </p:stCondLst>
@@ -22816,28 +24902,28 @@
                                 </p:cTn>
                               </p:par>
                               <p:par>
-                                <p:cTn id="160" presetID="10" presetClass="exit" presetSubtype="0" fill="hold" nodeType="withEffect">
+                                <p:cTn id="187" presetID="10" presetClass="exit" presetSubtype="0" fill="hold" grpId="2" nodeType="withEffect">
                                   <p:stCondLst>
                                     <p:cond delay="0"/>
                                   </p:stCondLst>
                                   <p:childTnLst>
                                     <p:animEffect transition="out" filter="fade">
                                       <p:cBhvr>
-                                        <p:cTn id="161" dur="500"/>
+                                        <p:cTn id="188" dur="500"/>
                                         <p:tgtEl>
-                                          <p:spTgt spid="28"/>
+                                          <p:spTgt spid="26"/>
                                         </p:tgtEl>
                                       </p:cBhvr>
                                     </p:animEffect>
                                     <p:set>
                                       <p:cBhvr>
-                                        <p:cTn id="162" dur="1" fill="hold">
+                                        <p:cTn id="189" dur="1" fill="hold">
                                           <p:stCondLst>
                                             <p:cond delay="499"/>
                                           </p:stCondLst>
                                         </p:cTn>
                                         <p:tgtEl>
-                                          <p:spTgt spid="28"/>
+                                          <p:spTgt spid="26"/>
                                         </p:tgtEl>
                                         <p:attrNameLst>
                                           <p:attrName>style.visibility</p:attrName>
@@ -22857,26 +24943,26 @@
                     </p:cTn>
                   </p:par>
                   <p:par>
-                    <p:cTn id="163" fill="hold">
+                    <p:cTn id="190" fill="hold">
                       <p:stCondLst>
                         <p:cond delay="indefinite"/>
                       </p:stCondLst>
                       <p:childTnLst>
                         <p:par>
-                          <p:cTn id="164" fill="hold">
+                          <p:cTn id="191" fill="hold">
                             <p:stCondLst>
                               <p:cond delay="0"/>
                             </p:stCondLst>
                             <p:childTnLst>
                               <p:par>
-                                <p:cTn id="165" presetID="10" presetClass="entr" presetSubtype="0" fill="hold" grpId="0" nodeType="clickEffect">
+                                <p:cTn id="192" presetID="10" presetClass="entr" presetSubtype="0" fill="hold" grpId="0" nodeType="clickEffect">
                                   <p:stCondLst>
                                     <p:cond delay="0"/>
                                   </p:stCondLst>
                                   <p:childTnLst>
                                     <p:set>
                                       <p:cBhvr>
-                                        <p:cTn id="166" dur="1" fill="hold">
+                                        <p:cTn id="193" dur="1" fill="hold">
                                           <p:stCondLst>
                                             <p:cond delay="0"/>
                                           </p:stCondLst>
@@ -22894,7 +24980,7 @@
                                     </p:set>
                                     <p:animEffect transition="in" filter="fade">
                                       <p:cBhvr>
-                                        <p:cTn id="167" dur="500"/>
+                                        <p:cTn id="194" dur="500"/>
                                         <p:tgtEl>
                                           <p:spTgt spid="30"/>
                                         </p:tgtEl>
@@ -22904,14 +24990,14 @@
                                 </p:cTn>
                               </p:par>
                               <p:par>
-                                <p:cTn id="168" presetID="10" presetClass="entr" presetSubtype="0" fill="hold" nodeType="withEffect">
+                                <p:cTn id="195" presetID="10" presetClass="entr" presetSubtype="0" fill="hold" nodeType="withEffect">
                                   <p:stCondLst>
                                     <p:cond delay="0"/>
                                   </p:stCondLst>
                                   <p:childTnLst>
                                     <p:set>
                                       <p:cBhvr>
-                                        <p:cTn id="169" dur="1" fill="hold">
+                                        <p:cTn id="196" dur="1" fill="hold">
                                           <p:stCondLst>
                                             <p:cond delay="0"/>
                                           </p:stCondLst>
@@ -22929,7 +25015,7 @@
                                     </p:set>
                                     <p:animEffect transition="in" filter="fade">
                                       <p:cBhvr>
-                                        <p:cTn id="170" dur="500"/>
+                                        <p:cTn id="197" dur="500"/>
                                         <p:tgtEl>
                                           <p:spTgt spid="29"/>
                                         </p:tgtEl>
@@ -22945,26 +25031,26 @@
                     </p:cTn>
                   </p:par>
                   <p:par>
-                    <p:cTn id="171" fill="hold">
+                    <p:cTn id="198" fill="hold">
                       <p:stCondLst>
                         <p:cond delay="indefinite"/>
                       </p:stCondLst>
                       <p:childTnLst>
                         <p:par>
-                          <p:cTn id="172" fill="hold">
+                          <p:cTn id="199" fill="hold">
                             <p:stCondLst>
                               <p:cond delay="0"/>
                             </p:stCondLst>
                             <p:childTnLst>
                               <p:par>
-                                <p:cTn id="173" presetID="10" presetClass="entr" presetSubtype="0" fill="hold" grpId="0" nodeType="clickEffect">
+                                <p:cTn id="200" presetID="10" presetClass="entr" presetSubtype="0" fill="hold" grpId="0" nodeType="clickEffect">
                                   <p:stCondLst>
                                     <p:cond delay="0"/>
                                   </p:stCondLst>
                                   <p:childTnLst>
                                     <p:set>
                                       <p:cBhvr>
-                                        <p:cTn id="174" dur="1" fill="hold">
+                                        <p:cTn id="201" dur="1" fill="hold">
                                           <p:stCondLst>
                                             <p:cond delay="0"/>
                                           </p:stCondLst>
@@ -22982,7 +25068,7 @@
                                     </p:set>
                                     <p:animEffect transition="in" filter="fade">
                                       <p:cBhvr>
-                                        <p:cTn id="175" dur="500"/>
+                                        <p:cTn id="202" dur="500"/>
                                         <p:tgtEl>
                                           <p:spTgt spid="32"/>
                                         </p:tgtEl>
@@ -22992,14 +25078,14 @@
                                 </p:cTn>
                               </p:par>
                               <p:par>
-                                <p:cTn id="176" presetID="10" presetClass="entr" presetSubtype="0" fill="hold" nodeType="withEffect">
+                                <p:cTn id="203" presetID="10" presetClass="entr" presetSubtype="0" fill="hold" nodeType="withEffect">
                                   <p:stCondLst>
                                     <p:cond delay="0"/>
                                   </p:stCondLst>
                                   <p:childTnLst>
                                     <p:set>
                                       <p:cBhvr>
-                                        <p:cTn id="177" dur="1" fill="hold">
+                                        <p:cTn id="204" dur="1" fill="hold">
                                           <p:stCondLst>
                                             <p:cond delay="0"/>
                                           </p:stCondLst>
@@ -23017,7 +25103,7 @@
                                     </p:set>
                                     <p:animEffect transition="in" filter="fade">
                                       <p:cBhvr>
-                                        <p:cTn id="178" dur="500"/>
+                                        <p:cTn id="205" dur="500"/>
                                         <p:tgtEl>
                                           <p:spTgt spid="31"/>
                                         </p:tgtEl>
@@ -23033,26 +25119,26 @@
                     </p:cTn>
                   </p:par>
                   <p:par>
-                    <p:cTn id="179" fill="hold">
+                    <p:cTn id="206" fill="hold">
                       <p:stCondLst>
                         <p:cond delay="indefinite"/>
                       </p:stCondLst>
                       <p:childTnLst>
                         <p:par>
-                          <p:cTn id="180" fill="hold">
+                          <p:cTn id="207" fill="hold">
                             <p:stCondLst>
                               <p:cond delay="0"/>
                             </p:stCondLst>
                             <p:childTnLst>
                               <p:par>
-                                <p:cTn id="181" presetID="10" presetClass="entr" presetSubtype="0" fill="hold" grpId="0" nodeType="clickEffect">
+                                <p:cTn id="208" presetID="10" presetClass="entr" presetSubtype="0" fill="hold" grpId="0" nodeType="clickEffect">
                                   <p:stCondLst>
                                     <p:cond delay="0"/>
                                   </p:stCondLst>
                                   <p:childTnLst>
                                     <p:set>
                                       <p:cBhvr>
-                                        <p:cTn id="182" dur="1" fill="hold">
+                                        <p:cTn id="209" dur="1" fill="hold">
                                           <p:stCondLst>
                                             <p:cond delay="0"/>
                                           </p:stCondLst>
@@ -23070,7 +25156,7 @@
                                     </p:set>
                                     <p:animEffect transition="in" filter="fade">
                                       <p:cBhvr>
-                                        <p:cTn id="183" dur="500"/>
+                                        <p:cTn id="210" dur="500"/>
                                         <p:tgtEl>
                                           <p:spTgt spid="33"/>
                                         </p:tgtEl>
@@ -23117,15 +25203,22 @@
       <p:bldP spid="16" grpId="1" animBg="1"/>
       <p:bldP spid="17" grpId="0"/>
       <p:bldP spid="17" grpId="1"/>
+      <p:bldP spid="30" grpId="0" animBg="1"/>
+      <p:bldP spid="32" grpId="0" animBg="1"/>
+      <p:bldP spid="33" grpId="0" animBg="1"/>
+      <p:bldP spid="4" grpId="0" animBg="1"/>
+      <p:bldP spid="4" grpId="1" animBg="1"/>
+      <p:bldP spid="4" grpId="2" animBg="1"/>
+      <p:bldP spid="4" grpId="3" animBg="1"/>
+      <p:bldP spid="15" grpId="0" animBg="1"/>
+      <p:bldP spid="15" grpId="1" animBg="1"/>
+      <p:bldP spid="26" grpId="0" animBg="1"/>
+      <p:bldP spid="26" grpId="1" animBg="1"/>
+      <p:bldP spid="26" grpId="2" animBg="1"/>
       <p:bldP spid="25" grpId="0" animBg="1"/>
       <p:bldP spid="25" grpId="1" animBg="1"/>
       <p:bldP spid="25" grpId="2" animBg="1"/>
-      <p:bldP spid="26" grpId="0" animBg="1"/>
-      <p:bldP spid="26" grpId="1" animBg="1"/>
-      <p:bldP spid="26" grpId="2" animBg="1"/>
-      <p:bldP spid="30" grpId="0" animBg="1"/>
-      <p:bldP spid="32" grpId="0" animBg="1"/>
-      <p:bldP spid="33" grpId="0" animBg="1"/>
+      <p:bldP spid="25" grpId="3" animBg="1"/>
     </p:bldLst>
   </p:timing>
 </p:sld>
@@ -27635,7 +29728,7 @@
                   <a:uLnTx/>
                   <a:uFillTx/>
                 </a:rPr>
-                <a:t>Worst case: O(d(n+b))</a:t>
+                <a:t>O(d(n+b)) -&gt; linear, nicht quadratisch</a:t>
               </a:r>
             </a:p>
             <a:p>
@@ -28101,7 +30194,7 @@
                   <a:uLnTx/>
                   <a:uFillTx/>
                 </a:rPr>
-                <a:t>Zu sortierende Schlüssel (b) im vorhinein bekannt</a:t>
+                <a:t>Länge des zu sortierende Schlüssel (b) im vorhinein bekannt</a:t>
               </a:r>
             </a:p>
             <a:p>
@@ -28136,7 +30229,7 @@
                   <a:uLnTx/>
                   <a:uFillTx/>
                 </a:rPr>
-                <a:t>Bsp: Zehnerbasis</a:t>
+                <a:t>Bsp: Dezimalzahlen (Zehnerbasis)</a:t>
               </a:r>
             </a:p>
             <a:p>
@@ -28171,7 +30264,7 @@
                   <a:uLnTx/>
                   <a:uFillTx/>
                 </a:rPr>
-                <a:t>Anzahl der Schlüssel muss endlich sein</a:t>
+                <a:t>Laufzeit skaliert mit Länge des Schlüssels</a:t>
               </a:r>
             </a:p>
             <a:p>
@@ -28652,10 +30745,260 @@
           </a:prstGeom>
         </p:spPr>
       </p:pic>
+      <p:graphicFrame>
+        <p:nvGraphicFramePr>
+          <p:cNvPr id="35" name="Table 19">
+            <a:extLst>
+              <a:ext uri="{FF2B5EF4-FFF2-40B4-BE49-F238E27FC236}">
+                <a16:creationId xmlns:a16="http://schemas.microsoft.com/office/drawing/2014/main" id="{829B2F53-0114-4FC0-A311-8CDD5FED6141}"/>
+              </a:ext>
+            </a:extLst>
+          </p:cNvPr>
+          <p:cNvGraphicFramePr>
+            <a:graphicFrameLocks noGrp="1"/>
+          </p:cNvGraphicFramePr>
+          <p:nvPr/>
+        </p:nvGraphicFramePr>
+        <p:xfrm>
+          <a:off x="9150853" y="3946788"/>
+          <a:ext cx="1346199" cy="274320"/>
+        </p:xfrm>
+        <a:graphic>
+          <a:graphicData uri="http://schemas.openxmlformats.org/drawingml/2006/table">
+            <a:tbl>
+              <a:tblPr bandRow="1">
+                <a:tableStyleId>{073A0DAA-6AF3-43AB-8588-CEC1D06C72B9}</a:tableStyleId>
+              </a:tblPr>
+              <a:tblGrid>
+                <a:gridCol w="448733">
+                  <a:extLst>
+                    <a:ext uri="{9D8B030D-6E8A-4147-A177-3AD203B41FA5}">
+                      <a16:colId xmlns:a16="http://schemas.microsoft.com/office/drawing/2014/main" val="2445245365"/>
+                    </a:ext>
+                  </a:extLst>
+                </a:gridCol>
+                <a:gridCol w="448733">
+                  <a:extLst>
+                    <a:ext uri="{9D8B030D-6E8A-4147-A177-3AD203B41FA5}">
+                      <a16:colId xmlns:a16="http://schemas.microsoft.com/office/drawing/2014/main" val="3339756308"/>
+                    </a:ext>
+                  </a:extLst>
+                </a:gridCol>
+                <a:gridCol w="448733">
+                  <a:extLst>
+                    <a:ext uri="{9D8B030D-6E8A-4147-A177-3AD203B41FA5}">
+                      <a16:colId xmlns:a16="http://schemas.microsoft.com/office/drawing/2014/main" val="4139711841"/>
+                    </a:ext>
+                  </a:extLst>
+                </a:gridCol>
+              </a:tblGrid>
+              <a:tr h="211997">
+                <a:tc>
+                  <a:txBody>
+                    <a:bodyPr/>
+                    <a:lstStyle/>
+                    <a:p>
+                      <a:pPr algn="ctr"/>
+                      <a:r>
+                        <a:rPr lang="en-GB" sz="1200" dirty="0">
+                          <a:solidFill>
+                            <a:schemeClr val="tx1"/>
+                          </a:solidFill>
+                        </a:rPr>
+                        <a:t>25</a:t>
+                      </a:r>
+                      <a:endParaRPr lang="de-DE" sz="1200" dirty="0">
+                        <a:solidFill>
+                          <a:schemeClr val="tx1"/>
+                        </a:solidFill>
+                      </a:endParaRPr>
+                    </a:p>
+                  </a:txBody>
+                  <a:tcPr>
+                    <a:solidFill>
+                      <a:schemeClr val="bg1"/>
+                    </a:solidFill>
+                  </a:tcPr>
+                </a:tc>
+                <a:tc>
+                  <a:txBody>
+                    <a:bodyPr/>
+                    <a:lstStyle/>
+                    <a:p>
+                      <a:pPr algn="ctr"/>
+                      <a:r>
+                        <a:rPr lang="en-GB" sz="1200" dirty="0">
+                          <a:solidFill>
+                            <a:schemeClr val="tx1"/>
+                          </a:solidFill>
+                        </a:rPr>
+                        <a:t>3</a:t>
+                      </a:r>
+                      <a:endParaRPr lang="de-DE" sz="1200" dirty="0">
+                        <a:solidFill>
+                          <a:schemeClr val="tx1"/>
+                        </a:solidFill>
+                      </a:endParaRPr>
+                    </a:p>
+                  </a:txBody>
+                  <a:tcPr>
+                    <a:solidFill>
+                      <a:schemeClr val="bg1"/>
+                    </a:solidFill>
+                  </a:tcPr>
+                </a:tc>
+                <a:tc>
+                  <a:txBody>
+                    <a:bodyPr/>
+                    <a:lstStyle/>
+                    <a:p>
+                      <a:pPr algn="ctr"/>
+                      <a:r>
+                        <a:rPr lang="en-US" sz="1200" u="sng" dirty="0">
+                          <a:solidFill>
+                            <a:schemeClr val="tx1"/>
+                          </a:solidFill>
+                        </a:rPr>
+                        <a:t>421</a:t>
+                      </a:r>
+                      <a:endParaRPr lang="de-DE" sz="1200" u="sng" dirty="0">
+                        <a:solidFill>
+                          <a:schemeClr val="tx1"/>
+                        </a:solidFill>
+                      </a:endParaRPr>
+                    </a:p>
+                  </a:txBody>
+                  <a:tcPr>
+                    <a:solidFill>
+                      <a:schemeClr val="bg1"/>
+                    </a:solidFill>
+                  </a:tcPr>
+                </a:tc>
+                <a:extLst>
+                  <a:ext uri="{0D108BD9-81ED-4DB2-BD59-A6C34878D82A}">
+                    <a16:rowId xmlns:a16="http://schemas.microsoft.com/office/drawing/2014/main" val="142340708"/>
+                  </a:ext>
+                </a:extLst>
+              </a:tr>
+            </a:tbl>
+          </a:graphicData>
+        </a:graphic>
+      </p:graphicFrame>
+      <p:sp>
+        <p:nvSpPr>
+          <p:cNvPr id="36" name="TextBox 35">
+            <a:extLst>
+              <a:ext uri="{FF2B5EF4-FFF2-40B4-BE49-F238E27FC236}">
+                <a16:creationId xmlns:a16="http://schemas.microsoft.com/office/drawing/2014/main" id="{D641FED5-4A9E-4153-9384-D1A08A5DE430}"/>
+              </a:ext>
+            </a:extLst>
+          </p:cNvPr>
+          <p:cNvSpPr txBox="1"/>
+          <p:nvPr/>
+        </p:nvSpPr>
+        <p:spPr>
+          <a:xfrm>
+            <a:off x="10813770" y="3946454"/>
+            <a:ext cx="533400" cy="276999"/>
+          </a:xfrm>
+          <a:prstGeom prst="rect">
+            <a:avLst/>
+          </a:prstGeom>
+          <a:solidFill>
+            <a:srgbClr val="404040"/>
+          </a:solidFill>
+          <a:ln>
+            <a:solidFill>
+              <a:schemeClr val="tx1"/>
+            </a:solidFill>
+          </a:ln>
+        </p:spPr>
+        <p:style>
+          <a:lnRef idx="2">
+            <a:schemeClr val="dk1"/>
+          </a:lnRef>
+          <a:fillRef idx="1">
+            <a:schemeClr val="lt1"/>
+          </a:fillRef>
+          <a:effectRef idx="0">
+            <a:schemeClr val="dk1"/>
+          </a:effectRef>
+          <a:fontRef idx="minor">
+            <a:schemeClr val="dk1"/>
+          </a:fontRef>
+        </p:style>
+        <p:txBody>
+          <a:bodyPr wrap="square" rtlCol="0">
+            <a:spAutoFit/>
+          </a:bodyPr>
+          <a:lstStyle/>
+          <a:p>
+            <a:pPr algn="ctr"/>
+            <a:r>
+              <a:rPr lang="en-US" sz="1200" dirty="0">
+                <a:solidFill>
+                  <a:schemeClr val="tx1"/>
+                </a:solidFill>
+              </a:rPr>
+              <a:t>d = 3</a:t>
+            </a:r>
+            <a:endParaRPr lang="de-DE" sz="1200" dirty="0">
+              <a:solidFill>
+                <a:schemeClr val="tx1"/>
+              </a:solidFill>
+            </a:endParaRPr>
+          </a:p>
+        </p:txBody>
+      </p:sp>
+      <p:sp>
+        <p:nvSpPr>
+          <p:cNvPr id="37" name="Arrow: Right 36">
+            <a:extLst>
+              <a:ext uri="{FF2B5EF4-FFF2-40B4-BE49-F238E27FC236}">
+                <a16:creationId xmlns:a16="http://schemas.microsoft.com/office/drawing/2014/main" id="{F0C665D8-C478-4A8F-8913-16229DF57E00}"/>
+              </a:ext>
+            </a:extLst>
+          </p:cNvPr>
+          <p:cNvSpPr/>
+          <p:nvPr/>
+        </p:nvSpPr>
+        <p:spPr>
+          <a:xfrm>
+            <a:off x="10623694" y="4037368"/>
+            <a:ext cx="110555" cy="82981"/>
+          </a:xfrm>
+          <a:prstGeom prst="rightArrow">
+            <a:avLst/>
+          </a:prstGeom>
+          <a:ln w="3175"/>
+        </p:spPr>
+        <p:style>
+          <a:lnRef idx="3">
+            <a:schemeClr val="lt1"/>
+          </a:lnRef>
+          <a:fillRef idx="1">
+            <a:schemeClr val="dk1"/>
+          </a:fillRef>
+          <a:effectRef idx="1">
+            <a:schemeClr val="dk1"/>
+          </a:effectRef>
+          <a:fontRef idx="minor">
+            <a:schemeClr val="lt1"/>
+          </a:fontRef>
+        </p:style>
+        <p:txBody>
+          <a:bodyPr rtlCol="0" anchor="ctr"/>
+          <a:lstStyle/>
+          <a:p>
+            <a:pPr algn="ctr"/>
+            <a:endParaRPr lang="de-DE"/>
+          </a:p>
+        </p:txBody>
+      </p:sp>
     </p:spTree>
     <p:extLst>
       <p:ext uri="{BB962C8B-B14F-4D97-AF65-F5344CB8AC3E}">
-        <p14:creationId xmlns:p14="http://schemas.microsoft.com/office/powerpoint/2010/main" val="206082184"/>
+        <p14:creationId xmlns:p14="http://schemas.microsoft.com/office/powerpoint/2010/main" val="4206723129"/>
       </p:ext>
     </p:extLst>
   </p:cSld>
@@ -29893,4 +32236,280 @@
     </a:ext>
   </a:extLst>
 </a:theme>
+</file>
+
+<file path=customXml/item1.xml><?xml version="1.0" encoding="utf-8"?>
+<ct:contentTypeSchema xmlns:ct="http://schemas.microsoft.com/office/2006/metadata/contentType" xmlns:ma="http://schemas.microsoft.com/office/2006/metadata/properties/metaAttributes" ct:_="" ma:_="" ma:contentTypeName="Dokument" ma:contentTypeID="0x0101008DBF40112CF69746BD0272E7B8DB8BB3" ma:contentTypeVersion="12" ma:contentTypeDescription="Ein neues Dokument erstellen." ma:contentTypeScope="" ma:versionID="a9a16ef030cf02b03d1da655660cde2d">
+  <xsd:schema xmlns:xsd="http://www.w3.org/2001/XMLSchema" xmlns:xs="http://www.w3.org/2001/XMLSchema" xmlns:p="http://schemas.microsoft.com/office/2006/metadata/properties" xmlns:ns3="642cd7de-f6b2-487f-ae52-79c7bab4f00c" xmlns:ns4="405a69f3-254d-4301-a922-56a9944b1f42" targetNamespace="http://schemas.microsoft.com/office/2006/metadata/properties" ma:root="true" ma:fieldsID="7997d0248dede1348ed33ec6f10c7b4c" ns3:_="" ns4:_="">
+    <xsd:import namespace="642cd7de-f6b2-487f-ae52-79c7bab4f00c"/>
+    <xsd:import namespace="405a69f3-254d-4301-a922-56a9944b1f42"/>
+    <xsd:element name="properties">
+      <xsd:complexType>
+        <xsd:sequence>
+          <xsd:element name="documentManagement">
+            <xsd:complexType>
+              <xsd:all>
+                <xsd:element ref="ns3:MediaServiceMetadata" minOccurs="0"/>
+                <xsd:element ref="ns3:MediaServiceFastMetadata" minOccurs="0"/>
+                <xsd:element ref="ns4:SharedWithUsers" minOccurs="0"/>
+                <xsd:element ref="ns4:SharedWithDetails" minOccurs="0"/>
+                <xsd:element ref="ns4:SharingHintHash" minOccurs="0"/>
+                <xsd:element ref="ns3:MediaServiceAutoTags" minOccurs="0"/>
+                <xsd:element ref="ns3:MediaServiceOCR" minOccurs="0"/>
+                <xsd:element ref="ns3:MediaServiceGenerationTime" minOccurs="0"/>
+                <xsd:element ref="ns3:MediaServiceEventHashCode" minOccurs="0"/>
+                <xsd:element ref="ns3:MediaServiceAutoKeyPoints" minOccurs="0"/>
+                <xsd:element ref="ns3:MediaServiceKeyPoints" minOccurs="0"/>
+                <xsd:element ref="ns3:MediaServiceDateTaken" minOccurs="0"/>
+              </xsd:all>
+            </xsd:complexType>
+          </xsd:element>
+        </xsd:sequence>
+      </xsd:complexType>
+    </xsd:element>
+  </xsd:schema>
+  <xsd:schema xmlns:xsd="http://www.w3.org/2001/XMLSchema" xmlns:xs="http://www.w3.org/2001/XMLSchema" xmlns:dms="http://schemas.microsoft.com/office/2006/documentManagement/types" xmlns:pc="http://schemas.microsoft.com/office/infopath/2007/PartnerControls" targetNamespace="642cd7de-f6b2-487f-ae52-79c7bab4f00c" elementFormDefault="qualified">
+    <xsd:import namespace="http://schemas.microsoft.com/office/2006/documentManagement/types"/>
+    <xsd:import namespace="http://schemas.microsoft.com/office/infopath/2007/PartnerControls"/>
+    <xsd:element name="MediaServiceMetadata" ma:index="8" nillable="true" ma:displayName="MediaServiceMetadata" ma:hidden="true" ma:internalName="MediaServiceMetadata" ma:readOnly="true">
+      <xsd:simpleType>
+        <xsd:restriction base="dms:Note"/>
+      </xsd:simpleType>
+    </xsd:element>
+    <xsd:element name="MediaServiceFastMetadata" ma:index="9" nillable="true" ma:displayName="MediaServiceFastMetadata" ma:hidden="true" ma:internalName="MediaServiceFastMetadata" ma:readOnly="true">
+      <xsd:simpleType>
+        <xsd:restriction base="dms:Note"/>
+      </xsd:simpleType>
+    </xsd:element>
+    <xsd:element name="MediaServiceAutoTags" ma:index="13" nillable="true" ma:displayName="Tags" ma:internalName="MediaServiceAutoTags" ma:readOnly="true">
+      <xsd:simpleType>
+        <xsd:restriction base="dms:Text"/>
+      </xsd:simpleType>
+    </xsd:element>
+    <xsd:element name="MediaServiceOCR" ma:index="14" nillable="true" ma:displayName="Extracted Text" ma:internalName="MediaServiceOCR" ma:readOnly="true">
+      <xsd:simpleType>
+        <xsd:restriction base="dms:Note">
+          <xsd:maxLength value="255"/>
+        </xsd:restriction>
+      </xsd:simpleType>
+    </xsd:element>
+    <xsd:element name="MediaServiceGenerationTime" ma:index="15" nillable="true" ma:displayName="MediaServiceGenerationTime" ma:hidden="true" ma:internalName="MediaServiceGenerationTime" ma:readOnly="true">
+      <xsd:simpleType>
+        <xsd:restriction base="dms:Text"/>
+      </xsd:simpleType>
+    </xsd:element>
+    <xsd:element name="MediaServiceEventHashCode" ma:index="16" nillable="true" ma:displayName="MediaServiceEventHashCode" ma:hidden="true" ma:internalName="MediaServiceEventHashCode" ma:readOnly="true">
+      <xsd:simpleType>
+        <xsd:restriction base="dms:Text"/>
+      </xsd:simpleType>
+    </xsd:element>
+    <xsd:element name="MediaServiceAutoKeyPoints" ma:index="17" nillable="true" ma:displayName="MediaServiceAutoKeyPoints" ma:hidden="true" ma:internalName="MediaServiceAutoKeyPoints" ma:readOnly="true">
+      <xsd:simpleType>
+        <xsd:restriction base="dms:Note"/>
+      </xsd:simpleType>
+    </xsd:element>
+    <xsd:element name="MediaServiceKeyPoints" ma:index="18" nillable="true" ma:displayName="KeyPoints" ma:internalName="MediaServiceKeyPoints" ma:readOnly="true">
+      <xsd:simpleType>
+        <xsd:restriction base="dms:Note">
+          <xsd:maxLength value="255"/>
+        </xsd:restriction>
+      </xsd:simpleType>
+    </xsd:element>
+    <xsd:element name="MediaServiceDateTaken" ma:index="19" nillable="true" ma:displayName="MediaServiceDateTaken" ma:hidden="true" ma:internalName="MediaServiceDateTaken" ma:readOnly="true">
+      <xsd:simpleType>
+        <xsd:restriction base="dms:Text"/>
+      </xsd:simpleType>
+    </xsd:element>
+  </xsd:schema>
+  <xsd:schema xmlns:xsd="http://www.w3.org/2001/XMLSchema" xmlns:xs="http://www.w3.org/2001/XMLSchema" xmlns:dms="http://schemas.microsoft.com/office/2006/documentManagement/types" xmlns:pc="http://schemas.microsoft.com/office/infopath/2007/PartnerControls" targetNamespace="405a69f3-254d-4301-a922-56a9944b1f42" elementFormDefault="qualified">
+    <xsd:import namespace="http://schemas.microsoft.com/office/2006/documentManagement/types"/>
+    <xsd:import namespace="http://schemas.microsoft.com/office/infopath/2007/PartnerControls"/>
+    <xsd:element name="SharedWithUsers" ma:index="10" nillable="true" ma:displayName="Freigegeben für" ma:internalName="SharedWithUsers" ma:readOnly="true">
+      <xsd:complexType>
+        <xsd:complexContent>
+          <xsd:extension base="dms:UserMulti">
+            <xsd:sequence>
+              <xsd:element name="UserInfo" minOccurs="0" maxOccurs="unbounded">
+                <xsd:complexType>
+                  <xsd:sequence>
+                    <xsd:element name="DisplayName" type="xsd:string" minOccurs="0"/>
+                    <xsd:element name="AccountId" type="dms:UserId" minOccurs="0" nillable="true"/>
+                    <xsd:element name="AccountType" type="xsd:string" minOccurs="0"/>
+                  </xsd:sequence>
+                </xsd:complexType>
+              </xsd:element>
+            </xsd:sequence>
+          </xsd:extension>
+        </xsd:complexContent>
+      </xsd:complexType>
+    </xsd:element>
+    <xsd:element name="SharedWithDetails" ma:index="11" nillable="true" ma:displayName="Freigegeben für - Details" ma:internalName="SharedWithDetails" ma:readOnly="true">
+      <xsd:simpleType>
+        <xsd:restriction base="dms:Note">
+          <xsd:maxLength value="255"/>
+        </xsd:restriction>
+      </xsd:simpleType>
+    </xsd:element>
+    <xsd:element name="SharingHintHash" ma:index="12" nillable="true" ma:displayName="Freigabehinweishash" ma:hidden="true" ma:internalName="SharingHintHash" ma:readOnly="true">
+      <xsd:simpleType>
+        <xsd:restriction base="dms:Text"/>
+      </xsd:simpleType>
+    </xsd:element>
+  </xsd:schema>
+  <xsd:schema xmlns="http://schemas.openxmlformats.org/package/2006/metadata/core-properties" xmlns:xsd="http://www.w3.org/2001/XMLSchema" xmlns:xsi="http://www.w3.org/2001/XMLSchema-instance" xmlns:dc="http://purl.org/dc/elements/1.1/" xmlns:dcterms="http://purl.org/dc/terms/" xmlns:odoc="http://schemas.microsoft.com/internal/obd" targetNamespace="http://schemas.openxmlformats.org/package/2006/metadata/core-properties" elementFormDefault="qualified" attributeFormDefault="unqualified" blockDefault="#all">
+    <xsd:import namespace="http://purl.org/dc/elements/1.1/" schemaLocation="http://dublincore.org/schemas/xmls/qdc/2003/04/02/dc.xsd"/>
+    <xsd:import namespace="http://purl.org/dc/terms/" schemaLocation="http://dublincore.org/schemas/xmls/qdc/2003/04/02/dcterms.xsd"/>
+    <xsd:element name="coreProperties" type="CT_coreProperties"/>
+    <xsd:complexType name="CT_coreProperties">
+      <xsd:all>
+        <xsd:element ref="dc:creator" minOccurs="0" maxOccurs="1"/>
+        <xsd:element ref="dcterms:created" minOccurs="0" maxOccurs="1"/>
+        <xsd:element ref="dc:identifier" minOccurs="0" maxOccurs="1"/>
+        <xsd:element name="contentType" minOccurs="0" maxOccurs="1" type="xsd:string" ma:index="0" ma:displayName="Inhaltstyp"/>
+        <xsd:element ref="dc:title" minOccurs="0" maxOccurs="1" ma:index="4" ma:displayName="Titel"/>
+        <xsd:element ref="dc:subject" minOccurs="0" maxOccurs="1"/>
+        <xsd:element ref="dc:description" minOccurs="0" maxOccurs="1"/>
+        <xsd:element name="keywords" minOccurs="0" maxOccurs="1" type="xsd:string"/>
+        <xsd:element ref="dc:language" minOccurs="0" maxOccurs="1"/>
+        <xsd:element name="category" minOccurs="0" maxOccurs="1" type="xsd:string"/>
+        <xsd:element name="version" minOccurs="0" maxOccurs="1" type="xsd:string"/>
+        <xsd:element name="revision" minOccurs="0" maxOccurs="1" type="xsd:string">
+          <xsd:annotation>
+            <xsd:documentation>
+                        This value indicates the number of saves or revisions. The application is responsible for updating this value after each revision.
+                    </xsd:documentation>
+          </xsd:annotation>
+        </xsd:element>
+        <xsd:element name="lastModifiedBy" minOccurs="0" maxOccurs="1" type="xsd:string"/>
+        <xsd:element ref="dcterms:modified" minOccurs="0" maxOccurs="1"/>
+        <xsd:element name="contentStatus" minOccurs="0" maxOccurs="1" type="xsd:string"/>
+      </xsd:all>
+    </xsd:complexType>
+  </xsd:schema>
+  <xs:schema xmlns:pc="http://schemas.microsoft.com/office/infopath/2007/PartnerControls" xmlns:xs="http://www.w3.org/2001/XMLSchema" targetNamespace="http://schemas.microsoft.com/office/infopath/2007/PartnerControls" elementFormDefault="qualified" attributeFormDefault="unqualified">
+    <xs:element name="Person">
+      <xs:complexType>
+        <xs:sequence>
+          <xs:element ref="pc:DisplayName" minOccurs="0"/>
+          <xs:element ref="pc:AccountId" minOccurs="0"/>
+          <xs:element ref="pc:AccountType" minOccurs="0"/>
+        </xs:sequence>
+      </xs:complexType>
+    </xs:element>
+    <xs:element name="DisplayName" type="xs:string"/>
+    <xs:element name="AccountId" type="xs:string"/>
+    <xs:element name="AccountType" type="xs:string"/>
+    <xs:element name="BDCAssociatedEntity">
+      <xs:complexType>
+        <xs:sequence>
+          <xs:element ref="pc:BDCEntity" minOccurs="0" maxOccurs="unbounded"/>
+        </xs:sequence>
+        <xs:attribute ref="pc:EntityNamespace"/>
+        <xs:attribute ref="pc:EntityName"/>
+        <xs:attribute ref="pc:SystemInstanceName"/>
+        <xs:attribute ref="pc:AssociationName"/>
+      </xs:complexType>
+    </xs:element>
+    <xs:attribute name="EntityNamespace" type="xs:string"/>
+    <xs:attribute name="EntityName" type="xs:string"/>
+    <xs:attribute name="SystemInstanceName" type="xs:string"/>
+    <xs:attribute name="AssociationName" type="xs:string"/>
+    <xs:element name="BDCEntity">
+      <xs:complexType>
+        <xs:sequence>
+          <xs:element ref="pc:EntityDisplayName" minOccurs="0"/>
+          <xs:element ref="pc:EntityInstanceReference" minOccurs="0"/>
+          <xs:element ref="pc:EntityId1" minOccurs="0"/>
+          <xs:element ref="pc:EntityId2" minOccurs="0"/>
+          <xs:element ref="pc:EntityId3" minOccurs="0"/>
+          <xs:element ref="pc:EntityId4" minOccurs="0"/>
+          <xs:element ref="pc:EntityId5" minOccurs="0"/>
+        </xs:sequence>
+      </xs:complexType>
+    </xs:element>
+    <xs:element name="EntityDisplayName" type="xs:string"/>
+    <xs:element name="EntityInstanceReference" type="xs:string"/>
+    <xs:element name="EntityId1" type="xs:string"/>
+    <xs:element name="EntityId2" type="xs:string"/>
+    <xs:element name="EntityId3" type="xs:string"/>
+    <xs:element name="EntityId4" type="xs:string"/>
+    <xs:element name="EntityId5" type="xs:string"/>
+    <xs:element name="Terms">
+      <xs:complexType>
+        <xs:sequence>
+          <xs:element ref="pc:TermInfo" minOccurs="0" maxOccurs="unbounded"/>
+        </xs:sequence>
+      </xs:complexType>
+    </xs:element>
+    <xs:element name="TermInfo">
+      <xs:complexType>
+        <xs:sequence>
+          <xs:element ref="pc:TermName" minOccurs="0"/>
+          <xs:element ref="pc:TermId" minOccurs="0"/>
+        </xs:sequence>
+      </xs:complexType>
+    </xs:element>
+    <xs:element name="TermName" type="xs:string"/>
+    <xs:element name="TermId" type="xs:string"/>
+  </xs:schema>
+</ct:contentTypeSchema>
+</file>
+
+<file path=customXml/item2.xml><?xml version="1.0" encoding="utf-8"?>
+<p:properties xmlns:p="http://schemas.microsoft.com/office/2006/metadata/properties" xmlns:xsi="http://www.w3.org/2001/XMLSchema-instance" xmlns:pc="http://schemas.microsoft.com/office/infopath/2007/PartnerControls">
+  <documentManagement/>
+</p:properties>
+</file>
+
+<file path=customXml/item3.xml><?xml version="1.0" encoding="utf-8"?>
+<?mso-contentType ?>
+<FormTemplates xmlns="http://schemas.microsoft.com/sharepoint/v3/contenttype/forms">
+  <Display>DocumentLibraryForm</Display>
+  <Edit>DocumentLibraryForm</Edit>
+  <New>DocumentLibraryForm</New>
+</FormTemplates>
+</file>
+
+<file path=customXml/itemProps1.xml><?xml version="1.0" encoding="utf-8"?>
+<ds:datastoreItem xmlns:ds="http://schemas.openxmlformats.org/officeDocument/2006/customXml" ds:itemID="{8BD79556-41CB-45D4-A49A-E0A6A9390B5A}">
+  <ds:schemaRefs>
+    <ds:schemaRef ds:uri="http://schemas.microsoft.com/office/2006/metadata/contentType"/>
+    <ds:schemaRef ds:uri="http://schemas.microsoft.com/office/2006/metadata/properties/metaAttributes"/>
+    <ds:schemaRef ds:uri="http://www.w3.org/2001/XMLSchema"/>
+    <ds:schemaRef ds:uri="http://schemas.microsoft.com/office/2006/metadata/properties"/>
+    <ds:schemaRef ds:uri="642cd7de-f6b2-487f-ae52-79c7bab4f00c"/>
+    <ds:schemaRef ds:uri="405a69f3-254d-4301-a922-56a9944b1f42"/>
+    <ds:schemaRef ds:uri="http://schemas.microsoft.com/office/2006/documentManagement/types"/>
+    <ds:schemaRef ds:uri="http://schemas.microsoft.com/office/infopath/2007/PartnerControls"/>
+    <ds:schemaRef ds:uri="http://schemas.openxmlformats.org/package/2006/metadata/core-properties"/>
+    <ds:schemaRef ds:uri="http://purl.org/dc/elements/1.1/"/>
+    <ds:schemaRef ds:uri="http://purl.org/dc/terms/"/>
+    <ds:schemaRef ds:uri="http://schemas.microsoft.com/internal/obd"/>
+  </ds:schemaRefs>
+</ds:datastoreItem>
+</file>
+
+<file path=customXml/itemProps2.xml><?xml version="1.0" encoding="utf-8"?>
+<ds:datastoreItem xmlns:ds="http://schemas.openxmlformats.org/officeDocument/2006/customXml" ds:itemID="{5D9EE8CA-A866-4688-A1A2-C58B30AD32EE}">
+  <ds:schemaRefs>
+    <ds:schemaRef ds:uri="http://purl.org/dc/elements/1.1/"/>
+    <ds:schemaRef ds:uri="http://schemas.microsoft.com/office/2006/documentManagement/types"/>
+    <ds:schemaRef ds:uri="http://www.w3.org/XML/1998/namespace"/>
+    <ds:schemaRef ds:uri="642cd7de-f6b2-487f-ae52-79c7bab4f00c"/>
+    <ds:schemaRef ds:uri="http://purl.org/dc/terms/"/>
+    <ds:schemaRef ds:uri="http://schemas.microsoft.com/office/2006/metadata/properties"/>
+    <ds:schemaRef ds:uri="http://schemas.microsoft.com/office/infopath/2007/PartnerControls"/>
+    <ds:schemaRef ds:uri="http://schemas.openxmlformats.org/package/2006/metadata/core-properties"/>
+    <ds:schemaRef ds:uri="405a69f3-254d-4301-a922-56a9944b1f42"/>
+    <ds:schemaRef ds:uri="http://purl.org/dc/dcmitype/"/>
+  </ds:schemaRefs>
+</ds:datastoreItem>
+</file>
+
+<file path=customXml/itemProps3.xml><?xml version="1.0" encoding="utf-8"?>
+<ds:datastoreItem xmlns:ds="http://schemas.openxmlformats.org/officeDocument/2006/customXml" ds:itemID="{46C461C5-7905-4B69-9E8E-35A8FFB643A6}">
+  <ds:schemaRefs>
+    <ds:schemaRef ds:uri="http://schemas.microsoft.com/sharepoint/v3/contenttype/forms"/>
+  </ds:schemaRefs>
+</ds:datastoreItem>
 </file>